--- a/i-HOME.pptx
+++ b/i-HOME.pptx
@@ -12,13 +12,14 @@
     <p:sldId id="263" r:id="rId6"/>
     <p:sldId id="258" r:id="rId7"/>
     <p:sldId id="259" r:id="rId8"/>
-    <p:sldId id="260" r:id="rId9"/>
-    <p:sldId id="264" r:id="rId10"/>
-    <p:sldId id="268" r:id="rId11"/>
-    <p:sldId id="257" r:id="rId12"/>
-    <p:sldId id="265" r:id="rId13"/>
-    <p:sldId id="267" r:id="rId14"/>
-    <p:sldId id="266" r:id="rId15"/>
+    <p:sldId id="270" r:id="rId9"/>
+    <p:sldId id="260" r:id="rId10"/>
+    <p:sldId id="264" r:id="rId11"/>
+    <p:sldId id="268" r:id="rId12"/>
+    <p:sldId id="257" r:id="rId13"/>
+    <p:sldId id="265" r:id="rId14"/>
+    <p:sldId id="267" r:id="rId15"/>
+    <p:sldId id="266" r:id="rId16"/>
   </p:sldIdLst>
   <p:sldSz cx="12192000" cy="6858000"/>
   <p:notesSz cx="6858000" cy="9144000"/>
@@ -256,7 +257,7 @@
           <a:p>
             <a:fld id="{FE590944-1146-470C-8533-2006FE8C9013}" type="datetimeFigureOut">
               <a:rPr lang="ko-KR" altLang="en-US" smtClean="0"/>
-              <a:t>2019-10-21</a:t>
+              <a:t>2019-10-23</a:t>
             </a:fld>
             <a:endParaRPr lang="ko-KR" altLang="en-US"/>
           </a:p>
@@ -426,7 +427,7 @@
           <a:p>
             <a:fld id="{FE590944-1146-470C-8533-2006FE8C9013}" type="datetimeFigureOut">
               <a:rPr lang="ko-KR" altLang="en-US" smtClean="0"/>
-              <a:t>2019-10-21</a:t>
+              <a:t>2019-10-23</a:t>
             </a:fld>
             <a:endParaRPr lang="ko-KR" altLang="en-US"/>
           </a:p>
@@ -606,7 +607,7 @@
           <a:p>
             <a:fld id="{FE590944-1146-470C-8533-2006FE8C9013}" type="datetimeFigureOut">
               <a:rPr lang="ko-KR" altLang="en-US" smtClean="0"/>
-              <a:t>2019-10-21</a:t>
+              <a:t>2019-10-23</a:t>
             </a:fld>
             <a:endParaRPr lang="ko-KR" altLang="en-US"/>
           </a:p>
@@ -776,7 +777,7 @@
           <a:p>
             <a:fld id="{FE590944-1146-470C-8533-2006FE8C9013}" type="datetimeFigureOut">
               <a:rPr lang="ko-KR" altLang="en-US" smtClean="0"/>
-              <a:t>2019-10-21</a:t>
+              <a:t>2019-10-23</a:t>
             </a:fld>
             <a:endParaRPr lang="ko-KR" altLang="en-US"/>
           </a:p>
@@ -1022,7 +1023,7 @@
           <a:p>
             <a:fld id="{FE590944-1146-470C-8533-2006FE8C9013}" type="datetimeFigureOut">
               <a:rPr lang="ko-KR" altLang="en-US" smtClean="0"/>
-              <a:t>2019-10-21</a:t>
+              <a:t>2019-10-23</a:t>
             </a:fld>
             <a:endParaRPr lang="ko-KR" altLang="en-US"/>
           </a:p>
@@ -1254,7 +1255,7 @@
           <a:p>
             <a:fld id="{FE590944-1146-470C-8533-2006FE8C9013}" type="datetimeFigureOut">
               <a:rPr lang="ko-KR" altLang="en-US" smtClean="0"/>
-              <a:t>2019-10-21</a:t>
+              <a:t>2019-10-23</a:t>
             </a:fld>
             <a:endParaRPr lang="ko-KR" altLang="en-US"/>
           </a:p>
@@ -1621,7 +1622,7 @@
           <a:p>
             <a:fld id="{FE590944-1146-470C-8533-2006FE8C9013}" type="datetimeFigureOut">
               <a:rPr lang="ko-KR" altLang="en-US" smtClean="0"/>
-              <a:t>2019-10-21</a:t>
+              <a:t>2019-10-23</a:t>
             </a:fld>
             <a:endParaRPr lang="ko-KR" altLang="en-US"/>
           </a:p>
@@ -1739,7 +1740,7 @@
           <a:p>
             <a:fld id="{FE590944-1146-470C-8533-2006FE8C9013}" type="datetimeFigureOut">
               <a:rPr lang="ko-KR" altLang="en-US" smtClean="0"/>
-              <a:t>2019-10-21</a:t>
+              <a:t>2019-10-23</a:t>
             </a:fld>
             <a:endParaRPr lang="ko-KR" altLang="en-US"/>
           </a:p>
@@ -1834,7 +1835,7 @@
           <a:p>
             <a:fld id="{FE590944-1146-470C-8533-2006FE8C9013}" type="datetimeFigureOut">
               <a:rPr lang="ko-KR" altLang="en-US" smtClean="0"/>
-              <a:t>2019-10-21</a:t>
+              <a:t>2019-10-23</a:t>
             </a:fld>
             <a:endParaRPr lang="ko-KR" altLang="en-US"/>
           </a:p>
@@ -2111,7 +2112,7 @@
           <a:p>
             <a:fld id="{FE590944-1146-470C-8533-2006FE8C9013}" type="datetimeFigureOut">
               <a:rPr lang="ko-KR" altLang="en-US" smtClean="0"/>
-              <a:t>2019-10-21</a:t>
+              <a:t>2019-10-23</a:t>
             </a:fld>
             <a:endParaRPr lang="ko-KR" altLang="en-US"/>
           </a:p>
@@ -2364,7 +2365,7 @@
           <a:p>
             <a:fld id="{FE590944-1146-470C-8533-2006FE8C9013}" type="datetimeFigureOut">
               <a:rPr lang="ko-KR" altLang="en-US" smtClean="0"/>
-              <a:t>2019-10-21</a:t>
+              <a:t>2019-10-23</a:t>
             </a:fld>
             <a:endParaRPr lang="ko-KR" altLang="en-US"/>
           </a:p>
@@ -2577,7 +2578,7 @@
           <a:p>
             <a:fld id="{FE590944-1146-470C-8533-2006FE8C9013}" type="datetimeFigureOut">
               <a:rPr lang="ko-KR" altLang="en-US" smtClean="0"/>
-              <a:t>2019-10-21</a:t>
+              <a:t>2019-10-23</a:t>
             </a:fld>
             <a:endParaRPr lang="ko-KR" altLang="en-US"/>
           </a:p>
@@ -3136,6 +3137,1333 @@
           <a:chExt cx="0" cy="0"/>
         </a:xfrm>
       </p:grpSpPr>
+      <p:sp>
+        <p:nvSpPr>
+          <p:cNvPr id="2" name="제목 1"/>
+          <p:cNvSpPr>
+            <a:spLocks noGrp="1"/>
+          </p:cNvSpPr>
+          <p:nvPr>
+            <p:ph type="title"/>
+          </p:nvPr>
+        </p:nvSpPr>
+        <p:spPr>
+          <a:xfrm>
+            <a:off x="838200" y="39661"/>
+            <a:ext cx="10515600" cy="1325563"/>
+          </a:xfrm>
+        </p:spPr>
+        <p:txBody>
+          <a:bodyPr>
+            <a:normAutofit/>
+          </a:bodyPr>
+          <a:lstStyle/>
+          <a:p>
+            <a:r>
+              <a:rPr lang="en-US" altLang="ko-KR" sz="3600" dirty="0" smtClean="0">
+                <a:solidFill>
+                  <a:srgbClr val="FF0000"/>
+                </a:solidFill>
+              </a:rPr>
+              <a:t>1</a:t>
+            </a:r>
+            <a:r>
+              <a:rPr lang="en-US" altLang="ko-KR" sz="3600" baseline="30000" dirty="0" smtClean="0">
+                <a:solidFill>
+                  <a:srgbClr val="FF0000"/>
+                </a:solidFill>
+              </a:rPr>
+              <a:t>st</a:t>
+            </a:r>
+            <a:r>
+              <a:rPr lang="en-US" altLang="ko-KR" sz="3600" dirty="0" smtClean="0"/>
+              <a:t> </a:t>
+            </a:r>
+            <a:r>
+              <a:rPr lang="ko-KR" altLang="en-US" sz="3600" dirty="0" smtClean="0"/>
+              <a:t>회의 내용 정리</a:t>
+            </a:r>
+            <a:endParaRPr lang="ko-KR" altLang="en-US" sz="3600" dirty="0"/>
+          </a:p>
+        </p:txBody>
+      </p:sp>
+      <p:sp>
+        <p:nvSpPr>
+          <p:cNvPr id="3" name="내용 개체 틀 2"/>
+          <p:cNvSpPr>
+            <a:spLocks noGrp="1"/>
+          </p:cNvSpPr>
+          <p:nvPr>
+            <p:ph idx="1"/>
+          </p:nvPr>
+        </p:nvSpPr>
+        <p:spPr>
+          <a:xfrm>
+            <a:off x="838200" y="1174696"/>
+            <a:ext cx="6981497" cy="696145"/>
+          </a:xfrm>
+        </p:spPr>
+        <p:txBody>
+          <a:bodyPr>
+            <a:noAutofit/>
+          </a:bodyPr>
+          <a:lstStyle/>
+          <a:p>
+            <a:pPr marL="0" indent="0">
+              <a:lnSpc>
+                <a:spcPct val="120000"/>
+              </a:lnSpc>
+              <a:buNone/>
+            </a:pPr>
+            <a:r>
+              <a:rPr lang="ko-KR" altLang="en-US" sz="1200" b="1" dirty="0" smtClean="0"/>
+              <a:t>프로젝트 제목 </a:t>
+            </a:r>
+            <a:r>
+              <a:rPr lang="en-US" altLang="ko-KR" sz="1200" b="1" dirty="0" smtClean="0"/>
+              <a:t>: I-HOME ('IOT' + 'I', </a:t>
+            </a:r>
+            <a:r>
+              <a:rPr lang="ko-KR" altLang="en-US" sz="1200" b="1" dirty="0" smtClean="0"/>
+              <a:t>나와 </a:t>
+            </a:r>
+            <a:r>
+              <a:rPr lang="ko-KR" altLang="en-US" sz="1200" b="1" dirty="0" err="1" smtClean="0"/>
+              <a:t>사물인터넷</a:t>
+            </a:r>
+            <a:r>
+              <a:rPr lang="ko-KR" altLang="en-US" sz="1200" b="1" dirty="0" smtClean="0"/>
+              <a:t> 기술의 조화라는 의미를 담고 있음</a:t>
+            </a:r>
+            <a:r>
+              <a:rPr lang="en-US" altLang="ko-KR" sz="1200" b="1" dirty="0" smtClean="0"/>
+              <a:t>)</a:t>
+            </a:r>
+          </a:p>
+          <a:p>
+            <a:pPr marL="0" indent="0">
+              <a:lnSpc>
+                <a:spcPct val="120000"/>
+              </a:lnSpc>
+              <a:buNone/>
+            </a:pPr>
+            <a:r>
+              <a:rPr lang="ko-KR" altLang="en-US" sz="1200" b="1" dirty="0" err="1" smtClean="0"/>
+              <a:t>팀명</a:t>
+            </a:r>
+            <a:r>
+              <a:rPr lang="ko-KR" altLang="en-US" sz="1200" b="1" dirty="0" smtClean="0"/>
+              <a:t> </a:t>
+            </a:r>
+            <a:r>
+              <a:rPr lang="en-US" altLang="ko-KR" sz="1200" b="1" dirty="0" smtClean="0"/>
+              <a:t>: Smart Unity</a:t>
+            </a:r>
+          </a:p>
+        </p:txBody>
+      </p:sp>
+      <p:sp>
+        <p:nvSpPr>
+          <p:cNvPr id="4" name="제목 1"/>
+          <p:cNvSpPr txBox="1">
+            <a:spLocks/>
+          </p:cNvSpPr>
+          <p:nvPr/>
+        </p:nvSpPr>
+        <p:spPr>
+          <a:xfrm>
+            <a:off x="1458133" y="0"/>
+            <a:ext cx="10515600" cy="1325563"/>
+          </a:xfrm>
+          <a:prstGeom prst="rect">
+            <a:avLst/>
+          </a:prstGeom>
+        </p:spPr>
+        <p:txBody>
+          <a:bodyPr vert="horz" lIns="91440" tIns="45720" rIns="91440" bIns="45720" rtlCol="0" anchor="ctr">
+            <a:normAutofit/>
+          </a:bodyPr>
+          <a:lstStyle>
+            <a:lvl1pPr algn="l" defTabSz="914400" rtl="0" eaLnBrk="1" latinLnBrk="1" hangingPunct="1">
+              <a:lnSpc>
+                <a:spcPct val="90000"/>
+              </a:lnSpc>
+              <a:spcBef>
+                <a:spcPct val="0"/>
+              </a:spcBef>
+              <a:buNone/>
+              <a:defRPr sz="4400" kern="1200">
+                <a:solidFill>
+                  <a:schemeClr val="tx1"/>
+                </a:solidFill>
+                <a:latin typeface="+mj-lt"/>
+                <a:ea typeface="+mj-ea"/>
+                <a:cs typeface="+mj-cs"/>
+              </a:defRPr>
+            </a:lvl1pPr>
+          </a:lstStyle>
+          <a:p>
+            <a:pPr algn="r"/>
+            <a:r>
+              <a:rPr lang="en-US" altLang="ko-KR" sz="1800" dirty="0" smtClean="0"/>
+              <a:t>2019.10.17 (</a:t>
+            </a:r>
+            <a:r>
+              <a:rPr lang="ko-KR" altLang="en-US" sz="1800" dirty="0" smtClean="0"/>
+              <a:t>목</a:t>
+            </a:r>
+            <a:r>
+              <a:rPr lang="en-US" altLang="ko-KR" sz="1800" dirty="0" smtClean="0"/>
+              <a:t>)</a:t>
+            </a:r>
+            <a:endParaRPr lang="ko-KR" altLang="en-US" sz="1800" dirty="0"/>
+          </a:p>
+        </p:txBody>
+      </p:sp>
+      <p:sp>
+        <p:nvSpPr>
+          <p:cNvPr id="5" name="내용 개체 틀 2"/>
+          <p:cNvSpPr txBox="1">
+            <a:spLocks/>
+          </p:cNvSpPr>
+          <p:nvPr/>
+        </p:nvSpPr>
+        <p:spPr>
+          <a:xfrm>
+            <a:off x="8544060" y="2670633"/>
+            <a:ext cx="4550980" cy="4351338"/>
+          </a:xfrm>
+          <a:prstGeom prst="rect">
+            <a:avLst/>
+          </a:prstGeom>
+        </p:spPr>
+        <p:txBody>
+          <a:bodyPr vert="horz" lIns="91440" tIns="45720" rIns="91440" bIns="45720" rtlCol="0">
+            <a:normAutofit/>
+          </a:bodyPr>
+          <a:lstStyle>
+            <a:lvl1pPr marL="228600" indent="-228600" algn="l" defTabSz="914400" rtl="0" eaLnBrk="1" latinLnBrk="1" hangingPunct="1">
+              <a:lnSpc>
+                <a:spcPct val="90000"/>
+              </a:lnSpc>
+              <a:spcBef>
+                <a:spcPts val="1000"/>
+              </a:spcBef>
+              <a:buFont typeface="Arial" panose="020B0604020202020204" pitchFamily="34" charset="0"/>
+              <a:buChar char="•"/>
+              <a:defRPr sz="2800" kern="1200">
+                <a:solidFill>
+                  <a:schemeClr val="tx1"/>
+                </a:solidFill>
+                <a:latin typeface="+mn-lt"/>
+                <a:ea typeface="+mn-ea"/>
+                <a:cs typeface="+mn-cs"/>
+              </a:defRPr>
+            </a:lvl1pPr>
+            <a:lvl2pPr marL="685800" indent="-228600" algn="l" defTabSz="914400" rtl="0" eaLnBrk="1" latinLnBrk="1" hangingPunct="1">
+              <a:lnSpc>
+                <a:spcPct val="90000"/>
+              </a:lnSpc>
+              <a:spcBef>
+                <a:spcPts val="500"/>
+              </a:spcBef>
+              <a:buFont typeface="Arial" panose="020B0604020202020204" pitchFamily="34" charset="0"/>
+              <a:buChar char="•"/>
+              <a:defRPr sz="2400" kern="1200">
+                <a:solidFill>
+                  <a:schemeClr val="tx1"/>
+                </a:solidFill>
+                <a:latin typeface="+mn-lt"/>
+                <a:ea typeface="+mn-ea"/>
+                <a:cs typeface="+mn-cs"/>
+              </a:defRPr>
+            </a:lvl2pPr>
+            <a:lvl3pPr marL="1143000" indent="-228600" algn="l" defTabSz="914400" rtl="0" eaLnBrk="1" latinLnBrk="1" hangingPunct="1">
+              <a:lnSpc>
+                <a:spcPct val="90000"/>
+              </a:lnSpc>
+              <a:spcBef>
+                <a:spcPts val="500"/>
+              </a:spcBef>
+              <a:buFont typeface="Arial" panose="020B0604020202020204" pitchFamily="34" charset="0"/>
+              <a:buChar char="•"/>
+              <a:defRPr sz="2000" kern="1200">
+                <a:solidFill>
+                  <a:schemeClr val="tx1"/>
+                </a:solidFill>
+                <a:latin typeface="+mn-lt"/>
+                <a:ea typeface="+mn-ea"/>
+                <a:cs typeface="+mn-cs"/>
+              </a:defRPr>
+            </a:lvl3pPr>
+            <a:lvl4pPr marL="1600200" indent="-228600" algn="l" defTabSz="914400" rtl="0" eaLnBrk="1" latinLnBrk="1" hangingPunct="1">
+              <a:lnSpc>
+                <a:spcPct val="90000"/>
+              </a:lnSpc>
+              <a:spcBef>
+                <a:spcPts val="500"/>
+              </a:spcBef>
+              <a:buFont typeface="Arial" panose="020B0604020202020204" pitchFamily="34" charset="0"/>
+              <a:buChar char="•"/>
+              <a:defRPr sz="1800" kern="1200">
+                <a:solidFill>
+                  <a:schemeClr val="tx1"/>
+                </a:solidFill>
+                <a:latin typeface="+mn-lt"/>
+                <a:ea typeface="+mn-ea"/>
+                <a:cs typeface="+mn-cs"/>
+              </a:defRPr>
+            </a:lvl4pPr>
+            <a:lvl5pPr marL="2057400" indent="-228600" algn="l" defTabSz="914400" rtl="0" eaLnBrk="1" latinLnBrk="1" hangingPunct="1">
+              <a:lnSpc>
+                <a:spcPct val="90000"/>
+              </a:lnSpc>
+              <a:spcBef>
+                <a:spcPts val="500"/>
+              </a:spcBef>
+              <a:buFont typeface="Arial" panose="020B0604020202020204" pitchFamily="34" charset="0"/>
+              <a:buChar char="•"/>
+              <a:defRPr sz="1800" kern="1200">
+                <a:solidFill>
+                  <a:schemeClr val="tx1"/>
+                </a:solidFill>
+                <a:latin typeface="+mn-lt"/>
+                <a:ea typeface="+mn-ea"/>
+                <a:cs typeface="+mn-cs"/>
+              </a:defRPr>
+            </a:lvl5pPr>
+            <a:lvl6pPr marL="2514600" indent="-228600" algn="l" defTabSz="914400" rtl="0" eaLnBrk="1" latinLnBrk="1" hangingPunct="1">
+              <a:lnSpc>
+                <a:spcPct val="90000"/>
+              </a:lnSpc>
+              <a:spcBef>
+                <a:spcPts val="500"/>
+              </a:spcBef>
+              <a:buFont typeface="Arial" panose="020B0604020202020204" pitchFamily="34" charset="0"/>
+              <a:buChar char="•"/>
+              <a:defRPr sz="1800" kern="1200">
+                <a:solidFill>
+                  <a:schemeClr val="tx1"/>
+                </a:solidFill>
+                <a:latin typeface="+mn-lt"/>
+                <a:ea typeface="+mn-ea"/>
+                <a:cs typeface="+mn-cs"/>
+              </a:defRPr>
+            </a:lvl6pPr>
+            <a:lvl7pPr marL="2971800" indent="-228600" algn="l" defTabSz="914400" rtl="0" eaLnBrk="1" latinLnBrk="1" hangingPunct="1">
+              <a:lnSpc>
+                <a:spcPct val="90000"/>
+              </a:lnSpc>
+              <a:spcBef>
+                <a:spcPts val="500"/>
+              </a:spcBef>
+              <a:buFont typeface="Arial" panose="020B0604020202020204" pitchFamily="34" charset="0"/>
+              <a:buChar char="•"/>
+              <a:defRPr sz="1800" kern="1200">
+                <a:solidFill>
+                  <a:schemeClr val="tx1"/>
+                </a:solidFill>
+                <a:latin typeface="+mn-lt"/>
+                <a:ea typeface="+mn-ea"/>
+                <a:cs typeface="+mn-cs"/>
+              </a:defRPr>
+            </a:lvl7pPr>
+            <a:lvl8pPr marL="3429000" indent="-228600" algn="l" defTabSz="914400" rtl="0" eaLnBrk="1" latinLnBrk="1" hangingPunct="1">
+              <a:lnSpc>
+                <a:spcPct val="90000"/>
+              </a:lnSpc>
+              <a:spcBef>
+                <a:spcPts val="500"/>
+              </a:spcBef>
+              <a:buFont typeface="Arial" panose="020B0604020202020204" pitchFamily="34" charset="0"/>
+              <a:buChar char="•"/>
+              <a:defRPr sz="1800" kern="1200">
+                <a:solidFill>
+                  <a:schemeClr val="tx1"/>
+                </a:solidFill>
+                <a:latin typeface="+mn-lt"/>
+                <a:ea typeface="+mn-ea"/>
+                <a:cs typeface="+mn-cs"/>
+              </a:defRPr>
+            </a:lvl8pPr>
+            <a:lvl9pPr marL="3886200" indent="-228600" algn="l" defTabSz="914400" rtl="0" eaLnBrk="1" latinLnBrk="1" hangingPunct="1">
+              <a:lnSpc>
+                <a:spcPct val="90000"/>
+              </a:lnSpc>
+              <a:spcBef>
+                <a:spcPts val="500"/>
+              </a:spcBef>
+              <a:buFont typeface="Arial" panose="020B0604020202020204" pitchFamily="34" charset="0"/>
+              <a:buChar char="•"/>
+              <a:defRPr sz="1800" kern="1200">
+                <a:solidFill>
+                  <a:schemeClr val="tx1"/>
+                </a:solidFill>
+                <a:latin typeface="+mn-lt"/>
+                <a:ea typeface="+mn-ea"/>
+                <a:cs typeface="+mn-cs"/>
+              </a:defRPr>
+            </a:lvl9pPr>
+          </a:lstStyle>
+          <a:p>
+            <a:pPr marL="0" indent="0">
+              <a:lnSpc>
+                <a:spcPct val="120000"/>
+              </a:lnSpc>
+              <a:buFont typeface="Arial" panose="020B0604020202020204" pitchFamily="34" charset="0"/>
+              <a:buNone/>
+            </a:pPr>
+            <a:r>
+              <a:rPr lang="en-US" altLang="ko-KR" sz="1100" dirty="0" smtClean="0"/>
+              <a:t>3. </a:t>
+            </a:r>
+            <a:r>
+              <a:rPr lang="ko-KR" altLang="en-US" sz="1100" dirty="0" smtClean="0"/>
+              <a:t>활용기술</a:t>
+            </a:r>
+          </a:p>
+          <a:p>
+            <a:pPr>
+              <a:lnSpc>
+                <a:spcPct val="120000"/>
+              </a:lnSpc>
+            </a:pPr>
+            <a:endParaRPr lang="ko-KR" altLang="en-US" sz="1100" dirty="0" smtClean="0"/>
+          </a:p>
+          <a:p>
+            <a:pPr>
+              <a:lnSpc>
+                <a:spcPct val="120000"/>
+              </a:lnSpc>
+            </a:pPr>
+            <a:r>
+              <a:rPr lang="en-US" altLang="ko-KR" sz="1100" dirty="0" smtClean="0"/>
+              <a:t>- </a:t>
+            </a:r>
+            <a:r>
+              <a:rPr lang="ko-KR" altLang="en-US" sz="1100" dirty="0" smtClean="0"/>
+              <a:t>블루투스 통신</a:t>
+            </a:r>
+            <a:r>
+              <a:rPr lang="en-US" altLang="ko-KR" sz="1100" dirty="0" smtClean="0"/>
+              <a:t>, </a:t>
+            </a:r>
+            <a:r>
+              <a:rPr lang="ko-KR" altLang="en-US" sz="1100" dirty="0" smtClean="0"/>
+              <a:t>음성인식</a:t>
+            </a:r>
+            <a:r>
+              <a:rPr lang="en-US" altLang="ko-KR" sz="1100" dirty="0" smtClean="0"/>
+              <a:t>, </a:t>
+            </a:r>
+            <a:r>
+              <a:rPr lang="ko-KR" altLang="en-US" sz="1100" dirty="0" smtClean="0"/>
+              <a:t>인터럽트</a:t>
+            </a:r>
+          </a:p>
+          <a:p>
+            <a:pPr>
+              <a:lnSpc>
+                <a:spcPct val="120000"/>
+              </a:lnSpc>
+            </a:pPr>
+            <a:endParaRPr lang="ko-KR" altLang="en-US" sz="1100" dirty="0" smtClean="0"/>
+          </a:p>
+          <a:p>
+            <a:pPr marL="0" indent="0">
+              <a:lnSpc>
+                <a:spcPct val="120000"/>
+              </a:lnSpc>
+              <a:buFont typeface="Arial" panose="020B0604020202020204" pitchFamily="34" charset="0"/>
+              <a:buNone/>
+            </a:pPr>
+            <a:r>
+              <a:rPr lang="en-US" altLang="ko-KR" sz="1100" dirty="0" smtClean="0"/>
+              <a:t>4. </a:t>
+            </a:r>
+            <a:r>
+              <a:rPr lang="ko-KR" altLang="en-US" sz="1100" dirty="0" smtClean="0"/>
+              <a:t>오늘 구상해 본 아이디어 </a:t>
+            </a:r>
+            <a:r>
+              <a:rPr lang="en-US" altLang="ko-KR" sz="1100" dirty="0" smtClean="0"/>
+              <a:t>(Brain </a:t>
+            </a:r>
+            <a:r>
+              <a:rPr lang="en-US" altLang="ko-KR" sz="1100" dirty="0" err="1" smtClean="0"/>
+              <a:t>Stormming</a:t>
+            </a:r>
+            <a:r>
+              <a:rPr lang="en-US" altLang="ko-KR" sz="1100" dirty="0" smtClean="0"/>
+              <a:t>)</a:t>
+            </a:r>
+          </a:p>
+          <a:p>
+            <a:pPr>
+              <a:lnSpc>
+                <a:spcPct val="120000"/>
+              </a:lnSpc>
+            </a:pPr>
+            <a:endParaRPr lang="en-US" altLang="ko-KR" sz="1100" dirty="0" smtClean="0"/>
+          </a:p>
+          <a:p>
+            <a:pPr>
+              <a:lnSpc>
+                <a:spcPct val="120000"/>
+              </a:lnSpc>
+            </a:pPr>
+            <a:r>
+              <a:rPr lang="en-US" altLang="ko-KR" sz="1100" dirty="0" smtClean="0"/>
+              <a:t>- Squad </a:t>
+            </a:r>
+            <a:r>
+              <a:rPr lang="ko-KR" altLang="en-US" sz="1100" dirty="0" smtClean="0"/>
+              <a:t>동작에 적절한 자세를 각도를 기준으로 </a:t>
+            </a:r>
+            <a:endParaRPr lang="en-US" altLang="ko-KR" sz="1100" dirty="0" smtClean="0"/>
+          </a:p>
+          <a:p>
+            <a:pPr marL="0" indent="0">
+              <a:lnSpc>
+                <a:spcPct val="120000"/>
+              </a:lnSpc>
+              <a:buNone/>
+            </a:pPr>
+            <a:r>
+              <a:rPr lang="en-US" altLang="ko-KR" sz="1100" dirty="0"/>
+              <a:t> </a:t>
+            </a:r>
+            <a:r>
+              <a:rPr lang="en-US" altLang="ko-KR" sz="1100" dirty="0" smtClean="0"/>
+              <a:t>     </a:t>
+            </a:r>
+            <a:r>
+              <a:rPr lang="ko-KR" altLang="en-US" sz="1100" dirty="0" smtClean="0"/>
+              <a:t>맞추어주는 프로그램</a:t>
+            </a:r>
+            <a:r>
+              <a:rPr lang="en-US" altLang="ko-KR" sz="1100" dirty="0" smtClean="0"/>
+              <a:t>(</a:t>
+            </a:r>
+            <a:r>
+              <a:rPr lang="ko-KR" altLang="en-US" sz="1100" dirty="0" smtClean="0"/>
+              <a:t>센서 </a:t>
+            </a:r>
+            <a:r>
+              <a:rPr lang="ko-KR" altLang="en-US" sz="1100" dirty="0" err="1" smtClean="0"/>
+              <a:t>탈부착</a:t>
+            </a:r>
+            <a:r>
+              <a:rPr lang="ko-KR" altLang="en-US" sz="1100" dirty="0" smtClean="0"/>
+              <a:t> 여부가 중요</a:t>
+            </a:r>
+            <a:r>
+              <a:rPr lang="en-US" altLang="ko-KR" sz="1100" dirty="0" smtClean="0"/>
+              <a:t>)</a:t>
+            </a:r>
+          </a:p>
+          <a:p>
+            <a:pPr>
+              <a:lnSpc>
+                <a:spcPct val="120000"/>
+              </a:lnSpc>
+            </a:pPr>
+            <a:endParaRPr lang="en-US" altLang="ko-KR" sz="1100" dirty="0" smtClean="0"/>
+          </a:p>
+          <a:p>
+            <a:pPr>
+              <a:lnSpc>
+                <a:spcPct val="120000"/>
+              </a:lnSpc>
+            </a:pPr>
+            <a:r>
+              <a:rPr lang="en-US" altLang="ko-KR" sz="1100" dirty="0" smtClean="0"/>
+              <a:t>- </a:t>
+            </a:r>
+            <a:r>
+              <a:rPr lang="ko-KR" altLang="en-US" sz="1100" dirty="0" err="1" smtClean="0"/>
+              <a:t>아이돌</a:t>
+            </a:r>
+            <a:r>
+              <a:rPr lang="ko-KR" altLang="en-US" sz="1100" dirty="0" smtClean="0"/>
+              <a:t> 가수 응원을 위한 </a:t>
+            </a:r>
+            <a:r>
+              <a:rPr lang="en-US" altLang="ko-KR" sz="1100" dirty="0" smtClean="0"/>
+              <a:t>LCD T-shirts</a:t>
+            </a:r>
+          </a:p>
+          <a:p>
+            <a:pPr>
+              <a:lnSpc>
+                <a:spcPct val="120000"/>
+              </a:lnSpc>
+            </a:pPr>
+            <a:endParaRPr lang="en-US" altLang="ko-KR" sz="1100" dirty="0" smtClean="0"/>
+          </a:p>
+          <a:p>
+            <a:pPr>
+              <a:lnSpc>
+                <a:spcPct val="120000"/>
+              </a:lnSpc>
+            </a:pPr>
+            <a:r>
+              <a:rPr lang="en-US" altLang="ko-KR" sz="1100" dirty="0" smtClean="0"/>
+              <a:t>- </a:t>
+            </a:r>
+            <a:r>
+              <a:rPr lang="ko-KR" altLang="en-US" sz="1100" dirty="0" smtClean="0"/>
+              <a:t>장애인들을 </a:t>
+            </a:r>
+            <a:r>
+              <a:rPr lang="en-US" altLang="ko-KR" sz="1100" dirty="0" smtClean="0"/>
+              <a:t>OTP </a:t>
+            </a:r>
+            <a:r>
+              <a:rPr lang="ko-KR" altLang="en-US" sz="1100" dirty="0" smtClean="0"/>
+              <a:t>개인정보 출력 프로그램</a:t>
+            </a:r>
+            <a:endParaRPr lang="ko-KR" altLang="en-US" sz="1100" dirty="0"/>
+          </a:p>
+        </p:txBody>
+      </p:sp>
+      <p:sp>
+        <p:nvSpPr>
+          <p:cNvPr id="6" name="내용 개체 틀 2"/>
+          <p:cNvSpPr txBox="1">
+            <a:spLocks/>
+          </p:cNvSpPr>
+          <p:nvPr/>
+        </p:nvSpPr>
+        <p:spPr>
+          <a:xfrm>
+            <a:off x="62120" y="2670633"/>
+            <a:ext cx="4931979" cy="4351338"/>
+          </a:xfrm>
+          <a:prstGeom prst="rect">
+            <a:avLst/>
+          </a:prstGeom>
+        </p:spPr>
+        <p:txBody>
+          <a:bodyPr vert="horz" lIns="91440" tIns="45720" rIns="91440" bIns="45720" rtlCol="0">
+            <a:noAutofit/>
+          </a:bodyPr>
+          <a:lstStyle>
+            <a:lvl1pPr marL="228600" indent="-228600" algn="l" defTabSz="914400" rtl="0" eaLnBrk="1" latinLnBrk="1" hangingPunct="1">
+              <a:lnSpc>
+                <a:spcPct val="90000"/>
+              </a:lnSpc>
+              <a:spcBef>
+                <a:spcPts val="1000"/>
+              </a:spcBef>
+              <a:buFont typeface="Arial" panose="020B0604020202020204" pitchFamily="34" charset="0"/>
+              <a:buChar char="•"/>
+              <a:defRPr sz="2800" kern="1200">
+                <a:solidFill>
+                  <a:schemeClr val="tx1"/>
+                </a:solidFill>
+                <a:latin typeface="+mn-lt"/>
+                <a:ea typeface="+mn-ea"/>
+                <a:cs typeface="+mn-cs"/>
+              </a:defRPr>
+            </a:lvl1pPr>
+            <a:lvl2pPr marL="685800" indent="-228600" algn="l" defTabSz="914400" rtl="0" eaLnBrk="1" latinLnBrk="1" hangingPunct="1">
+              <a:lnSpc>
+                <a:spcPct val="90000"/>
+              </a:lnSpc>
+              <a:spcBef>
+                <a:spcPts val="500"/>
+              </a:spcBef>
+              <a:buFont typeface="Arial" panose="020B0604020202020204" pitchFamily="34" charset="0"/>
+              <a:buChar char="•"/>
+              <a:defRPr sz="2400" kern="1200">
+                <a:solidFill>
+                  <a:schemeClr val="tx1"/>
+                </a:solidFill>
+                <a:latin typeface="+mn-lt"/>
+                <a:ea typeface="+mn-ea"/>
+                <a:cs typeface="+mn-cs"/>
+              </a:defRPr>
+            </a:lvl2pPr>
+            <a:lvl3pPr marL="1143000" indent="-228600" algn="l" defTabSz="914400" rtl="0" eaLnBrk="1" latinLnBrk="1" hangingPunct="1">
+              <a:lnSpc>
+                <a:spcPct val="90000"/>
+              </a:lnSpc>
+              <a:spcBef>
+                <a:spcPts val="500"/>
+              </a:spcBef>
+              <a:buFont typeface="Arial" panose="020B0604020202020204" pitchFamily="34" charset="0"/>
+              <a:buChar char="•"/>
+              <a:defRPr sz="2000" kern="1200">
+                <a:solidFill>
+                  <a:schemeClr val="tx1"/>
+                </a:solidFill>
+                <a:latin typeface="+mn-lt"/>
+                <a:ea typeface="+mn-ea"/>
+                <a:cs typeface="+mn-cs"/>
+              </a:defRPr>
+            </a:lvl3pPr>
+            <a:lvl4pPr marL="1600200" indent="-228600" algn="l" defTabSz="914400" rtl="0" eaLnBrk="1" latinLnBrk="1" hangingPunct="1">
+              <a:lnSpc>
+                <a:spcPct val="90000"/>
+              </a:lnSpc>
+              <a:spcBef>
+                <a:spcPts val="500"/>
+              </a:spcBef>
+              <a:buFont typeface="Arial" panose="020B0604020202020204" pitchFamily="34" charset="0"/>
+              <a:buChar char="•"/>
+              <a:defRPr sz="1800" kern="1200">
+                <a:solidFill>
+                  <a:schemeClr val="tx1"/>
+                </a:solidFill>
+                <a:latin typeface="+mn-lt"/>
+                <a:ea typeface="+mn-ea"/>
+                <a:cs typeface="+mn-cs"/>
+              </a:defRPr>
+            </a:lvl4pPr>
+            <a:lvl5pPr marL="2057400" indent="-228600" algn="l" defTabSz="914400" rtl="0" eaLnBrk="1" latinLnBrk="1" hangingPunct="1">
+              <a:lnSpc>
+                <a:spcPct val="90000"/>
+              </a:lnSpc>
+              <a:spcBef>
+                <a:spcPts val="500"/>
+              </a:spcBef>
+              <a:buFont typeface="Arial" panose="020B0604020202020204" pitchFamily="34" charset="0"/>
+              <a:buChar char="•"/>
+              <a:defRPr sz="1800" kern="1200">
+                <a:solidFill>
+                  <a:schemeClr val="tx1"/>
+                </a:solidFill>
+                <a:latin typeface="+mn-lt"/>
+                <a:ea typeface="+mn-ea"/>
+                <a:cs typeface="+mn-cs"/>
+              </a:defRPr>
+            </a:lvl5pPr>
+            <a:lvl6pPr marL="2514600" indent="-228600" algn="l" defTabSz="914400" rtl="0" eaLnBrk="1" latinLnBrk="1" hangingPunct="1">
+              <a:lnSpc>
+                <a:spcPct val="90000"/>
+              </a:lnSpc>
+              <a:spcBef>
+                <a:spcPts val="500"/>
+              </a:spcBef>
+              <a:buFont typeface="Arial" panose="020B0604020202020204" pitchFamily="34" charset="0"/>
+              <a:buChar char="•"/>
+              <a:defRPr sz="1800" kern="1200">
+                <a:solidFill>
+                  <a:schemeClr val="tx1"/>
+                </a:solidFill>
+                <a:latin typeface="+mn-lt"/>
+                <a:ea typeface="+mn-ea"/>
+                <a:cs typeface="+mn-cs"/>
+              </a:defRPr>
+            </a:lvl6pPr>
+            <a:lvl7pPr marL="2971800" indent="-228600" algn="l" defTabSz="914400" rtl="0" eaLnBrk="1" latinLnBrk="1" hangingPunct="1">
+              <a:lnSpc>
+                <a:spcPct val="90000"/>
+              </a:lnSpc>
+              <a:spcBef>
+                <a:spcPts val="500"/>
+              </a:spcBef>
+              <a:buFont typeface="Arial" panose="020B0604020202020204" pitchFamily="34" charset="0"/>
+              <a:buChar char="•"/>
+              <a:defRPr sz="1800" kern="1200">
+                <a:solidFill>
+                  <a:schemeClr val="tx1"/>
+                </a:solidFill>
+                <a:latin typeface="+mn-lt"/>
+                <a:ea typeface="+mn-ea"/>
+                <a:cs typeface="+mn-cs"/>
+              </a:defRPr>
+            </a:lvl7pPr>
+            <a:lvl8pPr marL="3429000" indent="-228600" algn="l" defTabSz="914400" rtl="0" eaLnBrk="1" latinLnBrk="1" hangingPunct="1">
+              <a:lnSpc>
+                <a:spcPct val="90000"/>
+              </a:lnSpc>
+              <a:spcBef>
+                <a:spcPts val="500"/>
+              </a:spcBef>
+              <a:buFont typeface="Arial" panose="020B0604020202020204" pitchFamily="34" charset="0"/>
+              <a:buChar char="•"/>
+              <a:defRPr sz="1800" kern="1200">
+                <a:solidFill>
+                  <a:schemeClr val="tx1"/>
+                </a:solidFill>
+                <a:latin typeface="+mn-lt"/>
+                <a:ea typeface="+mn-ea"/>
+                <a:cs typeface="+mn-cs"/>
+              </a:defRPr>
+            </a:lvl8pPr>
+            <a:lvl9pPr marL="3886200" indent="-228600" algn="l" defTabSz="914400" rtl="0" eaLnBrk="1" latinLnBrk="1" hangingPunct="1">
+              <a:lnSpc>
+                <a:spcPct val="90000"/>
+              </a:lnSpc>
+              <a:spcBef>
+                <a:spcPts val="500"/>
+              </a:spcBef>
+              <a:buFont typeface="Arial" panose="020B0604020202020204" pitchFamily="34" charset="0"/>
+              <a:buChar char="•"/>
+              <a:defRPr sz="1800" kern="1200">
+                <a:solidFill>
+                  <a:schemeClr val="tx1"/>
+                </a:solidFill>
+                <a:latin typeface="+mn-lt"/>
+                <a:ea typeface="+mn-ea"/>
+                <a:cs typeface="+mn-cs"/>
+              </a:defRPr>
+            </a:lvl9pPr>
+          </a:lstStyle>
+          <a:p>
+            <a:pPr marL="0" indent="0">
+              <a:lnSpc>
+                <a:spcPct val="120000"/>
+              </a:lnSpc>
+              <a:buFont typeface="Arial" panose="020B0604020202020204" pitchFamily="34" charset="0"/>
+              <a:buNone/>
+            </a:pPr>
+            <a:r>
+              <a:rPr lang="en-US" altLang="ko-KR" sz="1100" dirty="0" smtClean="0"/>
+              <a:t>1. </a:t>
+            </a:r>
+            <a:r>
+              <a:rPr lang="ko-KR" altLang="en-US" sz="1100" dirty="0" smtClean="0"/>
+              <a:t>프로젝트 담당 역할</a:t>
+            </a:r>
+          </a:p>
+          <a:p>
+            <a:pPr>
+              <a:lnSpc>
+                <a:spcPct val="120000"/>
+              </a:lnSpc>
+            </a:pPr>
+            <a:endParaRPr lang="ko-KR" altLang="en-US" sz="1100" dirty="0" smtClean="0"/>
+          </a:p>
+          <a:p>
+            <a:pPr>
+              <a:lnSpc>
+                <a:spcPct val="120000"/>
+              </a:lnSpc>
+            </a:pPr>
+            <a:r>
+              <a:rPr lang="ko-KR" altLang="en-US" sz="1100" dirty="0" smtClean="0"/>
+              <a:t>민성</a:t>
+            </a:r>
+            <a:r>
+              <a:rPr lang="en-US" altLang="ko-KR" sz="1100" dirty="0" smtClean="0"/>
+              <a:t>: </a:t>
+            </a:r>
+            <a:r>
+              <a:rPr lang="ko-KR" altLang="en-US" sz="1100" dirty="0" smtClean="0"/>
+              <a:t>프로그램</a:t>
+            </a:r>
+            <a:r>
+              <a:rPr lang="en-US" altLang="ko-KR" sz="1100" dirty="0" smtClean="0"/>
+              <a:t>, </a:t>
+            </a:r>
+            <a:r>
+              <a:rPr lang="ko-KR" altLang="en-US" sz="1100" dirty="0" smtClean="0"/>
+              <a:t>회로</a:t>
+            </a:r>
+            <a:r>
+              <a:rPr lang="en-US" altLang="ko-KR" sz="1100" dirty="0" smtClean="0"/>
+              <a:t>, </a:t>
+            </a:r>
+            <a:r>
+              <a:rPr lang="ko-KR" altLang="en-US" sz="1100" dirty="0" smtClean="0"/>
+              <a:t>발표자료 및 보고서 작성 보조</a:t>
+            </a:r>
+            <a:r>
+              <a:rPr lang="en-US" altLang="ko-KR" sz="1100" dirty="0" smtClean="0"/>
+              <a:t>, </a:t>
+            </a:r>
+            <a:r>
+              <a:rPr lang="ko-KR" altLang="en-US" sz="1100" dirty="0" smtClean="0"/>
+              <a:t>발표 보조</a:t>
+            </a:r>
+          </a:p>
+          <a:p>
+            <a:pPr>
+              <a:lnSpc>
+                <a:spcPct val="120000"/>
+              </a:lnSpc>
+            </a:pPr>
+            <a:endParaRPr lang="ko-KR" altLang="en-US" sz="1100" dirty="0" smtClean="0"/>
+          </a:p>
+          <a:p>
+            <a:pPr>
+              <a:lnSpc>
+                <a:spcPct val="120000"/>
+              </a:lnSpc>
+            </a:pPr>
+            <a:r>
+              <a:rPr lang="ko-KR" altLang="en-US" sz="1100" dirty="0" smtClean="0"/>
+              <a:t>서연</a:t>
+            </a:r>
+            <a:r>
+              <a:rPr lang="en-US" altLang="ko-KR" sz="1100" dirty="0" smtClean="0"/>
+              <a:t>: </a:t>
+            </a:r>
+            <a:r>
+              <a:rPr lang="ko-KR" altLang="en-US" sz="1100" dirty="0" smtClean="0"/>
+              <a:t>가공</a:t>
+            </a:r>
+            <a:r>
+              <a:rPr lang="en-US" altLang="ko-KR" sz="1100" dirty="0" smtClean="0"/>
+              <a:t>, </a:t>
+            </a:r>
+            <a:r>
+              <a:rPr lang="ko-KR" altLang="en-US" sz="1100" dirty="0" smtClean="0"/>
+              <a:t>발표자료 및 보고서 작성</a:t>
+            </a:r>
+            <a:r>
+              <a:rPr lang="en-US" altLang="ko-KR" sz="1100" dirty="0" smtClean="0"/>
+              <a:t>(Office)</a:t>
+            </a:r>
+          </a:p>
+          <a:p>
+            <a:pPr>
+              <a:lnSpc>
+                <a:spcPct val="120000"/>
+              </a:lnSpc>
+            </a:pPr>
+            <a:endParaRPr lang="en-US" altLang="ko-KR" sz="1100" dirty="0" smtClean="0"/>
+          </a:p>
+          <a:p>
+            <a:pPr>
+              <a:lnSpc>
+                <a:spcPct val="120000"/>
+              </a:lnSpc>
+            </a:pPr>
+            <a:r>
+              <a:rPr lang="ko-KR" altLang="en-US" sz="1100" dirty="0" smtClean="0"/>
+              <a:t>민재</a:t>
+            </a:r>
+            <a:r>
+              <a:rPr lang="en-US" altLang="ko-KR" sz="1100" dirty="0" smtClean="0"/>
+              <a:t>: </a:t>
+            </a:r>
+            <a:r>
+              <a:rPr lang="ko-KR" altLang="en-US" sz="1100" dirty="0" smtClean="0"/>
+              <a:t>데이터 수집</a:t>
+            </a:r>
+            <a:r>
+              <a:rPr lang="en-US" altLang="ko-KR" sz="1100" dirty="0" smtClean="0"/>
+              <a:t>, </a:t>
+            </a:r>
+            <a:r>
+              <a:rPr lang="ko-KR" altLang="en-US" sz="1100" dirty="0" smtClean="0"/>
+              <a:t>프로그램 보조</a:t>
+            </a:r>
+          </a:p>
+          <a:p>
+            <a:pPr>
+              <a:lnSpc>
+                <a:spcPct val="120000"/>
+              </a:lnSpc>
+            </a:pPr>
+            <a:endParaRPr lang="ko-KR" altLang="en-US" sz="1100" dirty="0" smtClean="0"/>
+          </a:p>
+          <a:p>
+            <a:pPr>
+              <a:lnSpc>
+                <a:spcPct val="120000"/>
+              </a:lnSpc>
+            </a:pPr>
+            <a:r>
+              <a:rPr lang="ko-KR" altLang="en-US" sz="1100" dirty="0" smtClean="0"/>
+              <a:t>완기</a:t>
+            </a:r>
+            <a:r>
+              <a:rPr lang="en-US" altLang="ko-KR" sz="1100" dirty="0" smtClean="0"/>
+              <a:t>: </a:t>
+            </a:r>
+            <a:r>
+              <a:rPr lang="ko-KR" altLang="en-US" sz="1100" dirty="0" smtClean="0"/>
+              <a:t>프로그램 보조</a:t>
+            </a:r>
+            <a:r>
+              <a:rPr lang="en-US" altLang="ko-KR" sz="1100" dirty="0" smtClean="0"/>
+              <a:t>, </a:t>
+            </a:r>
+            <a:r>
+              <a:rPr lang="ko-KR" altLang="en-US" sz="1100" dirty="0" smtClean="0"/>
+              <a:t>발표</a:t>
+            </a:r>
+          </a:p>
+        </p:txBody>
+      </p:sp>
+      <p:sp>
+        <p:nvSpPr>
+          <p:cNvPr id="7" name="내용 개체 틀 2"/>
+          <p:cNvSpPr txBox="1">
+            <a:spLocks/>
+          </p:cNvSpPr>
+          <p:nvPr/>
+        </p:nvSpPr>
+        <p:spPr>
+          <a:xfrm>
+            <a:off x="4469737" y="2670633"/>
+            <a:ext cx="4931979" cy="4351338"/>
+          </a:xfrm>
+          <a:prstGeom prst="rect">
+            <a:avLst/>
+          </a:prstGeom>
+        </p:spPr>
+        <p:txBody>
+          <a:bodyPr vert="horz" lIns="91440" tIns="45720" rIns="91440" bIns="45720" rtlCol="0">
+            <a:noAutofit/>
+          </a:bodyPr>
+          <a:lstStyle>
+            <a:lvl1pPr marL="228600" indent="-228600" algn="l" defTabSz="914400" rtl="0" eaLnBrk="1" latinLnBrk="1" hangingPunct="1">
+              <a:lnSpc>
+                <a:spcPct val="90000"/>
+              </a:lnSpc>
+              <a:spcBef>
+                <a:spcPts val="1000"/>
+              </a:spcBef>
+              <a:buFont typeface="Arial" panose="020B0604020202020204" pitchFamily="34" charset="0"/>
+              <a:buChar char="•"/>
+              <a:defRPr sz="2800" kern="1200">
+                <a:solidFill>
+                  <a:schemeClr val="tx1"/>
+                </a:solidFill>
+                <a:latin typeface="+mn-lt"/>
+                <a:ea typeface="+mn-ea"/>
+                <a:cs typeface="+mn-cs"/>
+              </a:defRPr>
+            </a:lvl1pPr>
+            <a:lvl2pPr marL="685800" indent="-228600" algn="l" defTabSz="914400" rtl="0" eaLnBrk="1" latinLnBrk="1" hangingPunct="1">
+              <a:lnSpc>
+                <a:spcPct val="90000"/>
+              </a:lnSpc>
+              <a:spcBef>
+                <a:spcPts val="500"/>
+              </a:spcBef>
+              <a:buFont typeface="Arial" panose="020B0604020202020204" pitchFamily="34" charset="0"/>
+              <a:buChar char="•"/>
+              <a:defRPr sz="2400" kern="1200">
+                <a:solidFill>
+                  <a:schemeClr val="tx1"/>
+                </a:solidFill>
+                <a:latin typeface="+mn-lt"/>
+                <a:ea typeface="+mn-ea"/>
+                <a:cs typeface="+mn-cs"/>
+              </a:defRPr>
+            </a:lvl2pPr>
+            <a:lvl3pPr marL="1143000" indent="-228600" algn="l" defTabSz="914400" rtl="0" eaLnBrk="1" latinLnBrk="1" hangingPunct="1">
+              <a:lnSpc>
+                <a:spcPct val="90000"/>
+              </a:lnSpc>
+              <a:spcBef>
+                <a:spcPts val="500"/>
+              </a:spcBef>
+              <a:buFont typeface="Arial" panose="020B0604020202020204" pitchFamily="34" charset="0"/>
+              <a:buChar char="•"/>
+              <a:defRPr sz="2000" kern="1200">
+                <a:solidFill>
+                  <a:schemeClr val="tx1"/>
+                </a:solidFill>
+                <a:latin typeface="+mn-lt"/>
+                <a:ea typeface="+mn-ea"/>
+                <a:cs typeface="+mn-cs"/>
+              </a:defRPr>
+            </a:lvl3pPr>
+            <a:lvl4pPr marL="1600200" indent="-228600" algn="l" defTabSz="914400" rtl="0" eaLnBrk="1" latinLnBrk="1" hangingPunct="1">
+              <a:lnSpc>
+                <a:spcPct val="90000"/>
+              </a:lnSpc>
+              <a:spcBef>
+                <a:spcPts val="500"/>
+              </a:spcBef>
+              <a:buFont typeface="Arial" panose="020B0604020202020204" pitchFamily="34" charset="0"/>
+              <a:buChar char="•"/>
+              <a:defRPr sz="1800" kern="1200">
+                <a:solidFill>
+                  <a:schemeClr val="tx1"/>
+                </a:solidFill>
+                <a:latin typeface="+mn-lt"/>
+                <a:ea typeface="+mn-ea"/>
+                <a:cs typeface="+mn-cs"/>
+              </a:defRPr>
+            </a:lvl4pPr>
+            <a:lvl5pPr marL="2057400" indent="-228600" algn="l" defTabSz="914400" rtl="0" eaLnBrk="1" latinLnBrk="1" hangingPunct="1">
+              <a:lnSpc>
+                <a:spcPct val="90000"/>
+              </a:lnSpc>
+              <a:spcBef>
+                <a:spcPts val="500"/>
+              </a:spcBef>
+              <a:buFont typeface="Arial" panose="020B0604020202020204" pitchFamily="34" charset="0"/>
+              <a:buChar char="•"/>
+              <a:defRPr sz="1800" kern="1200">
+                <a:solidFill>
+                  <a:schemeClr val="tx1"/>
+                </a:solidFill>
+                <a:latin typeface="+mn-lt"/>
+                <a:ea typeface="+mn-ea"/>
+                <a:cs typeface="+mn-cs"/>
+              </a:defRPr>
+            </a:lvl5pPr>
+            <a:lvl6pPr marL="2514600" indent="-228600" algn="l" defTabSz="914400" rtl="0" eaLnBrk="1" latinLnBrk="1" hangingPunct="1">
+              <a:lnSpc>
+                <a:spcPct val="90000"/>
+              </a:lnSpc>
+              <a:spcBef>
+                <a:spcPts val="500"/>
+              </a:spcBef>
+              <a:buFont typeface="Arial" panose="020B0604020202020204" pitchFamily="34" charset="0"/>
+              <a:buChar char="•"/>
+              <a:defRPr sz="1800" kern="1200">
+                <a:solidFill>
+                  <a:schemeClr val="tx1"/>
+                </a:solidFill>
+                <a:latin typeface="+mn-lt"/>
+                <a:ea typeface="+mn-ea"/>
+                <a:cs typeface="+mn-cs"/>
+              </a:defRPr>
+            </a:lvl6pPr>
+            <a:lvl7pPr marL="2971800" indent="-228600" algn="l" defTabSz="914400" rtl="0" eaLnBrk="1" latinLnBrk="1" hangingPunct="1">
+              <a:lnSpc>
+                <a:spcPct val="90000"/>
+              </a:lnSpc>
+              <a:spcBef>
+                <a:spcPts val="500"/>
+              </a:spcBef>
+              <a:buFont typeface="Arial" panose="020B0604020202020204" pitchFamily="34" charset="0"/>
+              <a:buChar char="•"/>
+              <a:defRPr sz="1800" kern="1200">
+                <a:solidFill>
+                  <a:schemeClr val="tx1"/>
+                </a:solidFill>
+                <a:latin typeface="+mn-lt"/>
+                <a:ea typeface="+mn-ea"/>
+                <a:cs typeface="+mn-cs"/>
+              </a:defRPr>
+            </a:lvl7pPr>
+            <a:lvl8pPr marL="3429000" indent="-228600" algn="l" defTabSz="914400" rtl="0" eaLnBrk="1" latinLnBrk="1" hangingPunct="1">
+              <a:lnSpc>
+                <a:spcPct val="90000"/>
+              </a:lnSpc>
+              <a:spcBef>
+                <a:spcPts val="500"/>
+              </a:spcBef>
+              <a:buFont typeface="Arial" panose="020B0604020202020204" pitchFamily="34" charset="0"/>
+              <a:buChar char="•"/>
+              <a:defRPr sz="1800" kern="1200">
+                <a:solidFill>
+                  <a:schemeClr val="tx1"/>
+                </a:solidFill>
+                <a:latin typeface="+mn-lt"/>
+                <a:ea typeface="+mn-ea"/>
+                <a:cs typeface="+mn-cs"/>
+              </a:defRPr>
+            </a:lvl8pPr>
+            <a:lvl9pPr marL="3886200" indent="-228600" algn="l" defTabSz="914400" rtl="0" eaLnBrk="1" latinLnBrk="1" hangingPunct="1">
+              <a:lnSpc>
+                <a:spcPct val="90000"/>
+              </a:lnSpc>
+              <a:spcBef>
+                <a:spcPts val="500"/>
+              </a:spcBef>
+              <a:buFont typeface="Arial" panose="020B0604020202020204" pitchFamily="34" charset="0"/>
+              <a:buChar char="•"/>
+              <a:defRPr sz="1800" kern="1200">
+                <a:solidFill>
+                  <a:schemeClr val="tx1"/>
+                </a:solidFill>
+                <a:latin typeface="+mn-lt"/>
+                <a:ea typeface="+mn-ea"/>
+                <a:cs typeface="+mn-cs"/>
+              </a:defRPr>
+            </a:lvl9pPr>
+          </a:lstStyle>
+          <a:p>
+            <a:pPr marL="0" indent="0">
+              <a:lnSpc>
+                <a:spcPct val="120000"/>
+              </a:lnSpc>
+              <a:buFont typeface="Arial" panose="020B0604020202020204" pitchFamily="34" charset="0"/>
+              <a:buNone/>
+            </a:pPr>
+            <a:r>
+              <a:rPr lang="en-US" altLang="ko-KR" sz="1100" dirty="0" smtClean="0"/>
+              <a:t>2. </a:t>
+            </a:r>
+            <a:r>
+              <a:rPr lang="ko-KR" altLang="en-US" sz="1100" dirty="0" err="1" smtClean="0"/>
+              <a:t>구성환경</a:t>
+            </a:r>
+            <a:endParaRPr lang="ko-KR" altLang="en-US" sz="1100" dirty="0" smtClean="0"/>
+          </a:p>
+          <a:p>
+            <a:pPr>
+              <a:lnSpc>
+                <a:spcPct val="120000"/>
+              </a:lnSpc>
+            </a:pPr>
+            <a:endParaRPr lang="ko-KR" altLang="en-US" sz="1100" dirty="0" smtClean="0"/>
+          </a:p>
+          <a:p>
+            <a:pPr>
+              <a:lnSpc>
+                <a:spcPct val="120000"/>
+              </a:lnSpc>
+            </a:pPr>
+            <a:r>
+              <a:rPr lang="ko-KR" altLang="en-US" sz="1100" dirty="0" smtClean="0"/>
+              <a:t>개발 언어 </a:t>
+            </a:r>
+            <a:r>
+              <a:rPr lang="en-US" altLang="ko-KR" sz="1100" dirty="0" smtClean="0"/>
+              <a:t>:  C, JAVA</a:t>
+            </a:r>
+          </a:p>
+          <a:p>
+            <a:pPr>
+              <a:lnSpc>
+                <a:spcPct val="120000"/>
+              </a:lnSpc>
+            </a:pPr>
+            <a:endParaRPr lang="en-US" altLang="ko-KR" sz="1100" dirty="0" smtClean="0"/>
+          </a:p>
+          <a:p>
+            <a:pPr>
+              <a:lnSpc>
+                <a:spcPct val="120000"/>
+              </a:lnSpc>
+            </a:pPr>
+            <a:r>
+              <a:rPr lang="ko-KR" altLang="en-US" sz="1100" dirty="0" smtClean="0"/>
+              <a:t>하드웨어</a:t>
+            </a:r>
+            <a:r>
+              <a:rPr lang="en-US" altLang="ko-KR" sz="1100" dirty="0" smtClean="0"/>
+              <a:t>(</a:t>
+            </a:r>
+            <a:r>
+              <a:rPr lang="ko-KR" altLang="en-US" sz="1100" dirty="0" smtClean="0"/>
+              <a:t>키트</a:t>
+            </a:r>
+            <a:r>
+              <a:rPr lang="en-US" altLang="ko-KR" sz="1100" dirty="0" smtClean="0"/>
+              <a:t>) : </a:t>
+            </a:r>
+            <a:r>
+              <a:rPr lang="ko-KR" altLang="en-US" sz="1100" dirty="0" err="1" smtClean="0"/>
+              <a:t>아두이노</a:t>
+            </a:r>
+            <a:r>
+              <a:rPr lang="ko-KR" altLang="en-US" sz="1100" dirty="0" smtClean="0"/>
+              <a:t> </a:t>
+            </a:r>
+            <a:r>
+              <a:rPr lang="ko-KR" altLang="en-US" sz="1100" dirty="0" err="1" smtClean="0"/>
+              <a:t>우노</a:t>
+            </a:r>
+            <a:r>
+              <a:rPr lang="en-US" altLang="ko-KR" sz="1100" dirty="0" smtClean="0"/>
+              <a:t>, AVR(Atmega128A), </a:t>
+            </a:r>
+            <a:r>
+              <a:rPr lang="en-US" altLang="ko-KR" sz="1100" dirty="0" err="1" smtClean="0"/>
+              <a:t>RasPi</a:t>
+            </a:r>
+            <a:endParaRPr lang="en-US" altLang="ko-KR" sz="1100" dirty="0" smtClean="0"/>
+          </a:p>
+          <a:p>
+            <a:pPr>
+              <a:lnSpc>
+                <a:spcPct val="120000"/>
+              </a:lnSpc>
+            </a:pPr>
+            <a:endParaRPr lang="en-US" altLang="ko-KR" sz="1100" dirty="0" smtClean="0"/>
+          </a:p>
+          <a:p>
+            <a:pPr>
+              <a:lnSpc>
+                <a:spcPct val="120000"/>
+              </a:lnSpc>
+            </a:pPr>
+            <a:r>
+              <a:rPr lang="ko-KR" altLang="en-US" sz="1100" dirty="0" smtClean="0"/>
+              <a:t>어플리케이션 </a:t>
+            </a:r>
+            <a:r>
+              <a:rPr lang="en-US" altLang="ko-KR" sz="1100" dirty="0" smtClean="0"/>
+              <a:t>: </a:t>
+            </a:r>
+            <a:r>
+              <a:rPr lang="ko-KR" altLang="en-US" sz="1100" dirty="0" smtClean="0"/>
+              <a:t>안드로이드 스튜디오</a:t>
+            </a:r>
+          </a:p>
+          <a:p>
+            <a:pPr>
+              <a:lnSpc>
+                <a:spcPct val="120000"/>
+              </a:lnSpc>
+            </a:pPr>
+            <a:endParaRPr lang="ko-KR" altLang="en-US" sz="1100" dirty="0" smtClean="0"/>
+          </a:p>
+          <a:p>
+            <a:pPr>
+              <a:lnSpc>
+                <a:spcPct val="120000"/>
+              </a:lnSpc>
+            </a:pPr>
+            <a:r>
+              <a:rPr lang="ko-KR" altLang="en-US" sz="1100" dirty="0" smtClean="0"/>
+              <a:t>회로도 구성 프로그램 </a:t>
+            </a:r>
+            <a:r>
+              <a:rPr lang="en-US" altLang="ko-KR" sz="1100" dirty="0" smtClean="0"/>
+              <a:t>: </a:t>
+            </a:r>
+            <a:r>
+              <a:rPr lang="en-US" altLang="ko-KR" sz="1100" dirty="0" err="1" smtClean="0"/>
+              <a:t>fritzing</a:t>
+            </a:r>
+            <a:r>
+              <a:rPr lang="en-US" altLang="ko-KR" sz="1100" dirty="0" smtClean="0"/>
+              <a:t>, </a:t>
+            </a:r>
+            <a:r>
+              <a:rPr lang="en-US" altLang="ko-KR" sz="1100" dirty="0" err="1" smtClean="0"/>
+              <a:t>OrCAD</a:t>
+            </a:r>
+            <a:endParaRPr lang="en-US" altLang="ko-KR" sz="1100" dirty="0" smtClean="0"/>
+          </a:p>
+        </p:txBody>
+      </p:sp>
+    </p:spTree>
+    <p:extLst>
+      <p:ext uri="{BB962C8B-B14F-4D97-AF65-F5344CB8AC3E}">
+        <p14:creationId xmlns:p14="http://schemas.microsoft.com/office/powerpoint/2010/main" val="2074592893"/>
+      </p:ext>
+    </p:extLst>
+  </p:cSld>
+  <p:clrMapOvr>
+    <a:masterClrMapping/>
+  </p:clrMapOvr>
+</p:sld>
+</file>
+
+<file path=ppt/slides/slide11.xml><?xml version="1.0" encoding="utf-8"?>
+<p:sld xmlns:a="http://schemas.openxmlformats.org/drawingml/2006/main" xmlns:r="http://schemas.openxmlformats.org/officeDocument/2006/relationships" xmlns:p="http://schemas.openxmlformats.org/presentationml/2006/main">
+  <p:cSld>
+    <p:spTree>
+      <p:nvGrpSpPr>
+        <p:cNvPr id="1" name=""/>
+        <p:cNvGrpSpPr/>
+        <p:nvPr/>
+      </p:nvGrpSpPr>
+      <p:grpSpPr>
+        <a:xfrm>
+          <a:off x="0" y="0"/>
+          <a:ext cx="0" cy="0"/>
+          <a:chOff x="0" y="0"/>
+          <a:chExt cx="0" cy="0"/>
+        </a:xfrm>
+      </p:grpSpPr>
       <p:pic>
         <p:nvPicPr>
           <p:cNvPr id="4" name="내용 개체 틀 3"/>
@@ -3285,7 +4613,7 @@
 </p:sld>
 </file>
 
-<file path=ppt/slides/slide11.xml><?xml version="1.0" encoding="utf-8"?>
+<file path=ppt/slides/slide12.xml><?xml version="1.0" encoding="utf-8"?>
 <p:sld xmlns:a="http://schemas.openxmlformats.org/drawingml/2006/main" xmlns:r="http://schemas.openxmlformats.org/officeDocument/2006/relationships" xmlns:p="http://schemas.openxmlformats.org/presentationml/2006/main">
   <p:cSld>
     <p:spTree>
@@ -4240,7 +5568,7 @@
 </p:sld>
 </file>
 
-<file path=ppt/slides/slide12.xml><?xml version="1.0" encoding="utf-8"?>
+<file path=ppt/slides/slide13.xml><?xml version="1.0" encoding="utf-8"?>
 <p:sld xmlns:a="http://schemas.openxmlformats.org/drawingml/2006/main" xmlns:r="http://schemas.openxmlformats.org/officeDocument/2006/relationships" xmlns:p="http://schemas.openxmlformats.org/presentationml/2006/main">
   <p:cSld>
     <p:spTree>
@@ -4280,8 +5608,8 @@
         </p:blipFill>
         <p:spPr>
           <a:xfrm>
-            <a:off x="5897368" y="1083922"/>
-            <a:ext cx="4240882" cy="5774078"/>
+            <a:off x="5400094" y="1293700"/>
+            <a:ext cx="4086806" cy="5564299"/>
           </a:xfrm>
         </p:spPr>
       </p:pic>
@@ -4306,8 +5634,8 @@
         </p:blipFill>
         <p:spPr>
           <a:xfrm>
-            <a:off x="1656181" y="1083922"/>
-            <a:ext cx="3857625" cy="5774078"/>
+            <a:off x="1703907" y="1325562"/>
+            <a:ext cx="3696187" cy="5532437"/>
           </a:xfrm>
           <a:prstGeom prst="rect">
             <a:avLst/>
@@ -4454,7 +5782,7 @@
 </p:sld>
 </file>
 
-<file path=ppt/slides/slide13.xml><?xml version="1.0" encoding="utf-8"?>
+<file path=ppt/slides/slide14.xml><?xml version="1.0" encoding="utf-8"?>
 <p:sld xmlns:a="http://schemas.openxmlformats.org/drawingml/2006/main" xmlns:r="http://schemas.openxmlformats.org/officeDocument/2006/relationships" xmlns:p="http://schemas.openxmlformats.org/presentationml/2006/main">
   <p:cSld>
     <p:spTree>
@@ -4573,7 +5901,7 @@
 </p:sld>
 </file>
 
-<file path=ppt/slides/slide14.xml><?xml version="1.0" encoding="utf-8"?>
+<file path=ppt/slides/slide15.xml><?xml version="1.0" encoding="utf-8"?>
 <p:sld xmlns:a="http://schemas.openxmlformats.org/drawingml/2006/main" xmlns:r="http://schemas.openxmlformats.org/officeDocument/2006/relationships" xmlns:p="http://schemas.openxmlformats.org/presentationml/2006/main">
   <p:cSld>
     <p:spTree>
@@ -6596,35 +7924,59 @@
       </p:grpSpPr>
       <p:sp>
         <p:nvSpPr>
-          <p:cNvPr id="2" name="제목 1"/>
-          <p:cNvSpPr>
-            <a:spLocks noGrp="1"/>
+          <p:cNvPr id="6" name="제목 1"/>
+          <p:cNvSpPr txBox="1">
+            <a:spLocks/>
           </p:cNvSpPr>
-          <p:nvPr>
-            <p:ph type="title"/>
-          </p:nvPr>
+          <p:nvPr/>
         </p:nvSpPr>
-        <p:spPr/>
+        <p:spPr>
+          <a:xfrm>
+            <a:off x="838200" y="39661"/>
+            <a:ext cx="10515600" cy="1325563"/>
+          </a:xfrm>
+          <a:prstGeom prst="rect">
+            <a:avLst/>
+          </a:prstGeom>
+        </p:spPr>
         <p:txBody>
-          <a:bodyPr>
+          <a:bodyPr vert="horz" lIns="91440" tIns="45720" rIns="91440" bIns="45720" rtlCol="0" anchor="ctr">
             <a:normAutofit/>
           </a:bodyPr>
-          <a:lstStyle/>
-          <a:p>
-            <a:r>
-              <a:rPr lang="en-US" altLang="ko-KR" sz="5400" b="1" dirty="0" err="1" smtClean="0">
+          <a:lstStyle>
+            <a:lvl1pPr algn="l" defTabSz="914400" rtl="0" eaLnBrk="1" latinLnBrk="1" hangingPunct="1">
+              <a:lnSpc>
+                <a:spcPct val="90000"/>
+              </a:lnSpc>
+              <a:spcBef>
+                <a:spcPct val="0"/>
+              </a:spcBef>
+              <a:buNone/>
+              <a:defRPr sz="4400" kern="1200">
+                <a:solidFill>
+                  <a:schemeClr val="tx1"/>
+                </a:solidFill>
+                <a:latin typeface="+mj-lt"/>
+                <a:ea typeface="+mj-ea"/>
+                <a:cs typeface="+mj-cs"/>
+              </a:defRPr>
+            </a:lvl1pPr>
+          </a:lstStyle>
+          <a:p>
+            <a:r>
+              <a:rPr lang="en-US" altLang="ko-KR" sz="5400" b="1" dirty="0" err="1">
                 <a:latin typeface="Agency FB" panose="020B0503020202020204" pitchFamily="34" charset="0"/>
               </a:rPr>
               <a:t>i</a:t>
             </a:r>
             <a:r>
-              <a:rPr lang="en-US" altLang="ko-KR" sz="5400" b="1" dirty="0" smtClean="0">
+              <a:rPr lang="en-US" altLang="ko-KR" sz="5400" b="1" dirty="0">
                 <a:latin typeface="Agency FB" panose="020B0503020202020204" pitchFamily="34" charset="0"/>
               </a:rPr>
               <a:t>-HOME</a:t>
             </a:r>
             <a:r>
-              <a:rPr lang="en-US" altLang="ko-KR" sz="4000" dirty="0" smtClean="0">
+              <a:rPr lang="en-US" altLang="ko-KR" sz="4000" dirty="0">
                 <a:latin typeface="Agency FB" panose="020B0503020202020204" pitchFamily="34" charset="0"/>
               </a:rPr>
               <a:t> </a:t>
@@ -6633,45 +7985,5029 @@
               <a:rPr lang="ko-KR" altLang="en-US" sz="2800" dirty="0" smtClean="0">
                 <a:latin typeface="Agency FB" panose="020B0503020202020204" pitchFamily="34" charset="0"/>
               </a:rPr>
-              <a:t>의 주요기능</a:t>
-            </a:r>
-            <a:endParaRPr lang="ko-KR" altLang="en-US" sz="1050" dirty="0"/>
+              <a:t>의 설계도</a:t>
+            </a:r>
+            <a:endParaRPr lang="ko-KR" altLang="en-US" sz="5400" dirty="0"/>
           </a:p>
         </p:txBody>
       </p:sp>
-      <p:pic>
-        <p:nvPicPr>
-          <p:cNvPr id="4" name="내용 개체 틀 3"/>
-          <p:cNvPicPr>
-            <a:picLocks noGrp="1" noChangeAspect="1"/>
-          </p:cNvPicPr>
-          <p:nvPr>
-            <p:ph idx="1"/>
-          </p:nvPr>
-        </p:nvPicPr>
-        <p:blipFill>
-          <a:blip r:embed="rId2">
-            <a:extLst>
-              <a:ext uri="{28A0092B-C50C-407E-A947-70E740481C1C}">
-                <a14:useLocalDpi xmlns:a14="http://schemas.microsoft.com/office/drawing/2010/main" val="0"/>
-              </a:ext>
-            </a:extLst>
-          </a:blip>
-          <a:stretch>
-            <a:fillRect/>
-          </a:stretch>
-        </p:blipFill>
-        <p:spPr>
+      <p:grpSp>
+        <p:nvGrpSpPr>
+          <p:cNvPr id="30" name="그룹 29"/>
+          <p:cNvGrpSpPr/>
+          <p:nvPr/>
+        </p:nvGrpSpPr>
+        <p:grpSpPr>
           <a:xfrm>
-            <a:off x="731872" y="2134872"/>
-            <a:ext cx="10945565" cy="2851797"/>
+            <a:off x="2485777" y="1066818"/>
+            <a:ext cx="7725023" cy="5789621"/>
+            <a:chOff x="4466977" y="-1969683"/>
+            <a:chExt cx="10513074" cy="7879163"/>
           </a:xfrm>
-        </p:spPr>
-      </p:pic>
+        </p:grpSpPr>
+        <p:sp>
+          <p:nvSpPr>
+            <p:cNvPr id="59" name="직사각형 58"/>
+            <p:cNvSpPr/>
+            <p:nvPr/>
+          </p:nvSpPr>
+          <p:spPr>
+            <a:xfrm>
+              <a:off x="4466977" y="-1850283"/>
+              <a:ext cx="9780990" cy="7759763"/>
+            </a:xfrm>
+            <a:prstGeom prst="rect">
+              <a:avLst/>
+            </a:prstGeom>
+            <a:solidFill>
+              <a:schemeClr val="accent6">
+                <a:lumMod val="60000"/>
+                <a:lumOff val="40000"/>
+              </a:schemeClr>
+            </a:solidFill>
+            <a:ln w="38100">
+              <a:solidFill>
+                <a:schemeClr val="tx1"/>
+              </a:solidFill>
+            </a:ln>
+          </p:spPr>
+          <p:style>
+            <a:lnRef idx="2">
+              <a:schemeClr val="accent1">
+                <a:shade val="50000"/>
+              </a:schemeClr>
+            </a:lnRef>
+            <a:fillRef idx="1">
+              <a:schemeClr val="accent1"/>
+            </a:fillRef>
+            <a:effectRef idx="0">
+              <a:schemeClr val="accent1"/>
+            </a:effectRef>
+            <a:fontRef idx="minor">
+              <a:schemeClr val="lt1"/>
+            </a:fontRef>
+          </p:style>
+          <p:txBody>
+            <a:bodyPr rtlCol="0" anchor="ctr"/>
+            <a:lstStyle/>
+            <a:p>
+              <a:pPr algn="ctr"/>
+              <a:endParaRPr lang="ko-KR" altLang="en-US" sz="1200"/>
+            </a:p>
+          </p:txBody>
+        </p:sp>
+        <p:sp>
+          <p:nvSpPr>
+            <p:cNvPr id="2" name="직사각형 1"/>
+            <p:cNvSpPr/>
+            <p:nvPr/>
+          </p:nvSpPr>
+          <p:spPr>
+            <a:xfrm>
+              <a:off x="5423418" y="-914861"/>
+              <a:ext cx="7702175" cy="4130211"/>
+            </a:xfrm>
+            <a:prstGeom prst="rect">
+              <a:avLst/>
+            </a:prstGeom>
+            <a:solidFill>
+              <a:schemeClr val="bg1"/>
+            </a:solidFill>
+            <a:ln w="38100">
+              <a:solidFill>
+                <a:schemeClr val="tx1"/>
+              </a:solidFill>
+            </a:ln>
+          </p:spPr>
+          <p:style>
+            <a:lnRef idx="2">
+              <a:schemeClr val="accent1">
+                <a:shade val="50000"/>
+              </a:schemeClr>
+            </a:lnRef>
+            <a:fillRef idx="1">
+              <a:schemeClr val="accent1"/>
+            </a:fillRef>
+            <a:effectRef idx="0">
+              <a:schemeClr val="accent1"/>
+            </a:effectRef>
+            <a:fontRef idx="minor">
+              <a:schemeClr val="lt1"/>
+            </a:fontRef>
+          </p:style>
+          <p:txBody>
+            <a:bodyPr rtlCol="0" anchor="ctr"/>
+            <a:lstStyle/>
+            <a:p>
+              <a:pPr algn="ctr"/>
+              <a:endParaRPr lang="ko-KR" altLang="en-US" sz="1200"/>
+            </a:p>
+          </p:txBody>
+        </p:sp>
+        <p:sp>
+          <p:nvSpPr>
+            <p:cNvPr id="8" name="직사각형 7"/>
+            <p:cNvSpPr/>
+            <p:nvPr/>
+          </p:nvSpPr>
+          <p:spPr>
+            <a:xfrm>
+              <a:off x="5423419" y="-914860"/>
+              <a:ext cx="1739749" cy="1428108"/>
+            </a:xfrm>
+            <a:prstGeom prst="rect">
+              <a:avLst/>
+            </a:prstGeom>
+            <a:solidFill>
+              <a:schemeClr val="bg1"/>
+            </a:solidFill>
+            <a:ln w="38100">
+              <a:solidFill>
+                <a:schemeClr val="tx1"/>
+              </a:solidFill>
+            </a:ln>
+          </p:spPr>
+          <p:style>
+            <a:lnRef idx="2">
+              <a:schemeClr val="accent1">
+                <a:shade val="50000"/>
+              </a:schemeClr>
+            </a:lnRef>
+            <a:fillRef idx="1">
+              <a:schemeClr val="accent1"/>
+            </a:fillRef>
+            <a:effectRef idx="0">
+              <a:schemeClr val="accent1"/>
+            </a:effectRef>
+            <a:fontRef idx="minor">
+              <a:schemeClr val="lt1"/>
+            </a:fontRef>
+          </p:style>
+          <p:txBody>
+            <a:bodyPr rtlCol="0" anchor="ctr"/>
+            <a:lstStyle/>
+            <a:p>
+              <a:pPr algn="ctr"/>
+              <a:endParaRPr lang="ko-KR" altLang="en-US" sz="1200"/>
+            </a:p>
+          </p:txBody>
+        </p:sp>
+        <p:sp>
+          <p:nvSpPr>
+            <p:cNvPr id="10" name="직사각형 9"/>
+            <p:cNvSpPr/>
+            <p:nvPr/>
+          </p:nvSpPr>
+          <p:spPr>
+            <a:xfrm>
+              <a:off x="10142673" y="-914860"/>
+              <a:ext cx="2982921" cy="1428108"/>
+            </a:xfrm>
+            <a:prstGeom prst="rect">
+              <a:avLst/>
+            </a:prstGeom>
+            <a:solidFill>
+              <a:schemeClr val="bg1"/>
+            </a:solidFill>
+            <a:ln w="38100">
+              <a:solidFill>
+                <a:schemeClr val="tx1"/>
+              </a:solidFill>
+            </a:ln>
+          </p:spPr>
+          <p:style>
+            <a:lnRef idx="2">
+              <a:schemeClr val="accent1">
+                <a:shade val="50000"/>
+              </a:schemeClr>
+            </a:lnRef>
+            <a:fillRef idx="1">
+              <a:schemeClr val="accent1"/>
+            </a:fillRef>
+            <a:effectRef idx="0">
+              <a:schemeClr val="accent1"/>
+            </a:effectRef>
+            <a:fontRef idx="minor">
+              <a:schemeClr val="lt1"/>
+            </a:fontRef>
+          </p:style>
+          <p:txBody>
+            <a:bodyPr rtlCol="0" anchor="ctr"/>
+            <a:lstStyle/>
+            <a:p>
+              <a:pPr algn="ctr"/>
+              <a:endParaRPr lang="ko-KR" altLang="en-US" sz="1200"/>
+            </a:p>
+          </p:txBody>
+        </p:sp>
+        <p:sp>
+          <p:nvSpPr>
+            <p:cNvPr id="11" name="직사각형 10"/>
+            <p:cNvSpPr/>
+            <p:nvPr/>
+          </p:nvSpPr>
+          <p:spPr>
+            <a:xfrm>
+              <a:off x="5423419" y="1304358"/>
+              <a:ext cx="2880180" cy="1900720"/>
+            </a:xfrm>
+            <a:prstGeom prst="rect">
+              <a:avLst/>
+            </a:prstGeom>
+            <a:solidFill>
+              <a:schemeClr val="bg1"/>
+            </a:solidFill>
+            <a:ln w="38100">
+              <a:solidFill>
+                <a:schemeClr val="tx1"/>
+              </a:solidFill>
+            </a:ln>
+          </p:spPr>
+          <p:style>
+            <a:lnRef idx="2">
+              <a:schemeClr val="accent1">
+                <a:shade val="50000"/>
+              </a:schemeClr>
+            </a:lnRef>
+            <a:fillRef idx="1">
+              <a:schemeClr val="accent1"/>
+            </a:fillRef>
+            <a:effectRef idx="0">
+              <a:schemeClr val="accent1"/>
+            </a:effectRef>
+            <a:fontRef idx="minor">
+              <a:schemeClr val="lt1"/>
+            </a:fontRef>
+          </p:style>
+          <p:txBody>
+            <a:bodyPr rtlCol="0" anchor="ctr"/>
+            <a:lstStyle/>
+            <a:p>
+              <a:pPr algn="ctr"/>
+              <a:endParaRPr lang="ko-KR" altLang="en-US" sz="1200"/>
+            </a:p>
+          </p:txBody>
+        </p:sp>
+        <p:sp>
+          <p:nvSpPr>
+            <p:cNvPr id="12" name="직사각형 11"/>
+            <p:cNvSpPr/>
+            <p:nvPr/>
+          </p:nvSpPr>
+          <p:spPr>
+            <a:xfrm>
+              <a:off x="11150615" y="1314633"/>
+              <a:ext cx="1981838" cy="1900720"/>
+            </a:xfrm>
+            <a:prstGeom prst="rect">
+              <a:avLst/>
+            </a:prstGeom>
+            <a:solidFill>
+              <a:schemeClr val="bg1"/>
+            </a:solidFill>
+            <a:ln w="38100">
+              <a:solidFill>
+                <a:schemeClr val="tx1"/>
+              </a:solidFill>
+            </a:ln>
+          </p:spPr>
+          <p:style>
+            <a:lnRef idx="2">
+              <a:schemeClr val="accent1">
+                <a:shade val="50000"/>
+              </a:schemeClr>
+            </a:lnRef>
+            <a:fillRef idx="1">
+              <a:schemeClr val="accent1"/>
+            </a:fillRef>
+            <a:effectRef idx="0">
+              <a:schemeClr val="accent1"/>
+            </a:effectRef>
+            <a:fontRef idx="minor">
+              <a:schemeClr val="lt1"/>
+            </a:fontRef>
+          </p:style>
+          <p:txBody>
+            <a:bodyPr rtlCol="0" anchor="ctr"/>
+            <a:lstStyle/>
+            <a:p>
+              <a:pPr algn="ctr"/>
+              <a:endParaRPr lang="ko-KR" altLang="en-US" sz="1200"/>
+            </a:p>
+          </p:txBody>
+        </p:sp>
+        <p:sp>
+          <p:nvSpPr>
+            <p:cNvPr id="13" name="제목 1"/>
+            <p:cNvSpPr txBox="1">
+              <a:spLocks/>
+            </p:cNvSpPr>
+            <p:nvPr/>
+          </p:nvSpPr>
+          <p:spPr>
+            <a:xfrm>
+              <a:off x="9102822" y="2022140"/>
+              <a:ext cx="2181989" cy="1325563"/>
+            </a:xfrm>
+            <a:prstGeom prst="rect">
+              <a:avLst/>
+            </a:prstGeom>
+          </p:spPr>
+          <p:txBody>
+            <a:bodyPr vert="horz" lIns="91440" tIns="45720" rIns="91440" bIns="45720" rtlCol="0" anchor="ctr">
+              <a:normAutofit/>
+            </a:bodyPr>
+            <a:lstStyle>
+              <a:lvl1pPr algn="l" defTabSz="914400" rtl="0" eaLnBrk="1" latinLnBrk="1" hangingPunct="1">
+                <a:lnSpc>
+                  <a:spcPct val="90000"/>
+                </a:lnSpc>
+                <a:spcBef>
+                  <a:spcPct val="0"/>
+                </a:spcBef>
+                <a:buNone/>
+                <a:defRPr sz="4400" kern="1200">
+                  <a:solidFill>
+                    <a:schemeClr val="tx1"/>
+                  </a:solidFill>
+                  <a:latin typeface="+mj-lt"/>
+                  <a:ea typeface="+mj-ea"/>
+                  <a:cs typeface="+mj-cs"/>
+                </a:defRPr>
+              </a:lvl1pPr>
+            </a:lstStyle>
+            <a:p>
+              <a:r>
+                <a:rPr lang="ko-KR" altLang="en-US" sz="1200" b="1" dirty="0" smtClean="0">
+                  <a:solidFill>
+                    <a:schemeClr val="bg1">
+                      <a:lumMod val="50000"/>
+                    </a:schemeClr>
+                  </a:solidFill>
+                </a:rPr>
+                <a:t>자동문</a:t>
+              </a:r>
+              <a:endParaRPr lang="en-US" altLang="ko-KR" sz="1200" b="1" dirty="0" smtClean="0">
+                <a:solidFill>
+                  <a:schemeClr val="bg1">
+                    <a:lumMod val="50000"/>
+                  </a:schemeClr>
+                </a:solidFill>
+              </a:endParaRPr>
+            </a:p>
+            <a:p>
+              <a:r>
+                <a:rPr lang="ko-KR" altLang="en-US" sz="1100" dirty="0" smtClean="0">
+                  <a:solidFill>
+                    <a:schemeClr val="bg1">
+                      <a:lumMod val="50000"/>
+                    </a:schemeClr>
+                  </a:solidFill>
+                </a:rPr>
+                <a:t>적외선센서</a:t>
+              </a:r>
+              <a:r>
+                <a:rPr lang="en-US" altLang="ko-KR" sz="1100" dirty="0" smtClean="0">
+                  <a:solidFill>
+                    <a:schemeClr val="bg1">
+                      <a:lumMod val="50000"/>
+                    </a:schemeClr>
+                  </a:solidFill>
+                </a:rPr>
+                <a:t>/</a:t>
+              </a:r>
+              <a:r>
+                <a:rPr lang="ko-KR" altLang="en-US" sz="1100" dirty="0" err="1" smtClean="0">
+                  <a:solidFill>
+                    <a:schemeClr val="bg1">
+                      <a:lumMod val="50000"/>
+                    </a:schemeClr>
+                  </a:solidFill>
+                </a:rPr>
+                <a:t>서보모터</a:t>
+              </a:r>
+              <a:endParaRPr lang="en-US" altLang="ko-KR" sz="1100" dirty="0" smtClean="0">
+                <a:solidFill>
+                  <a:schemeClr val="bg1">
+                    <a:lumMod val="50000"/>
+                  </a:schemeClr>
+                </a:solidFill>
+              </a:endParaRPr>
+            </a:p>
+            <a:p>
+              <a:r>
+                <a:rPr lang="ko-KR" altLang="en-US" sz="1100" dirty="0" err="1" smtClean="0">
+                  <a:solidFill>
+                    <a:schemeClr val="bg1">
+                      <a:lumMod val="50000"/>
+                    </a:schemeClr>
+                  </a:solidFill>
+                </a:rPr>
+                <a:t>비상스위치</a:t>
+              </a:r>
+              <a:endParaRPr lang="ko-KR" altLang="en-US" sz="1100" dirty="0">
+                <a:solidFill>
+                  <a:schemeClr val="bg1">
+                    <a:lumMod val="50000"/>
+                  </a:schemeClr>
+                </a:solidFill>
+              </a:endParaRPr>
+            </a:p>
+          </p:txBody>
+        </p:sp>
+        <p:sp>
+          <p:nvSpPr>
+            <p:cNvPr id="14" name="직사각형 13"/>
+            <p:cNvSpPr/>
+            <p:nvPr/>
+          </p:nvSpPr>
+          <p:spPr>
+            <a:xfrm>
+              <a:off x="9168776" y="3050964"/>
+              <a:ext cx="1981838" cy="164385"/>
+            </a:xfrm>
+            <a:prstGeom prst="rect">
+              <a:avLst/>
+            </a:prstGeom>
+            <a:solidFill>
+              <a:srgbClr val="3D77AB"/>
+            </a:solidFill>
+            <a:ln w="38100">
+              <a:solidFill>
+                <a:schemeClr val="tx1"/>
+              </a:solidFill>
+            </a:ln>
+          </p:spPr>
+          <p:style>
+            <a:lnRef idx="2">
+              <a:schemeClr val="accent1">
+                <a:shade val="50000"/>
+              </a:schemeClr>
+            </a:lnRef>
+            <a:fillRef idx="1">
+              <a:schemeClr val="accent1"/>
+            </a:fillRef>
+            <a:effectRef idx="0">
+              <a:schemeClr val="accent1"/>
+            </a:effectRef>
+            <a:fontRef idx="minor">
+              <a:schemeClr val="lt1"/>
+            </a:fontRef>
+          </p:style>
+          <p:txBody>
+            <a:bodyPr rtlCol="0" anchor="ctr"/>
+            <a:lstStyle/>
+            <a:p>
+              <a:pPr algn="ctr"/>
+              <a:endParaRPr lang="ko-KR" altLang="en-US" sz="1200"/>
+            </a:p>
+          </p:txBody>
+        </p:sp>
+        <p:sp>
+          <p:nvSpPr>
+            <p:cNvPr id="17" name="제목 1"/>
+            <p:cNvSpPr txBox="1">
+              <a:spLocks/>
+            </p:cNvSpPr>
+            <p:nvPr/>
+          </p:nvSpPr>
+          <p:spPr>
+            <a:xfrm>
+              <a:off x="11384864" y="2937950"/>
+              <a:ext cx="1819447" cy="1325563"/>
+            </a:xfrm>
+            <a:prstGeom prst="rect">
+              <a:avLst/>
+            </a:prstGeom>
+          </p:spPr>
+          <p:txBody>
+            <a:bodyPr vert="horz" lIns="91440" tIns="45720" rIns="91440" bIns="45720" rtlCol="0" anchor="ctr">
+              <a:normAutofit/>
+            </a:bodyPr>
+            <a:lstStyle>
+              <a:lvl1pPr algn="l" defTabSz="914400" rtl="0" eaLnBrk="1" latinLnBrk="1" hangingPunct="1">
+                <a:lnSpc>
+                  <a:spcPct val="90000"/>
+                </a:lnSpc>
+                <a:spcBef>
+                  <a:spcPct val="0"/>
+                </a:spcBef>
+                <a:buNone/>
+                <a:defRPr sz="4400" kern="1200">
+                  <a:solidFill>
+                    <a:schemeClr val="tx1"/>
+                  </a:solidFill>
+                  <a:latin typeface="+mj-lt"/>
+                  <a:ea typeface="+mj-ea"/>
+                  <a:cs typeface="+mj-cs"/>
+                </a:defRPr>
+              </a:lvl1pPr>
+            </a:lstStyle>
+            <a:p>
+              <a:r>
+                <a:rPr lang="ko-KR" altLang="en-US" sz="1200" b="1" dirty="0" err="1" smtClean="0"/>
+                <a:t>모형높이</a:t>
+              </a:r>
+              <a:r>
+                <a:rPr lang="ko-KR" altLang="en-US" sz="1200" b="1" dirty="0" smtClean="0"/>
+                <a:t> </a:t>
+              </a:r>
+              <a:r>
+                <a:rPr lang="en-US" altLang="ko-KR" sz="1200" b="1" dirty="0" smtClean="0"/>
+                <a:t>10cm</a:t>
+              </a:r>
+            </a:p>
+          </p:txBody>
+        </p:sp>
+        <p:sp>
+          <p:nvSpPr>
+            <p:cNvPr id="21" name="직사각형 20"/>
+            <p:cNvSpPr/>
+            <p:nvPr/>
+          </p:nvSpPr>
+          <p:spPr>
+            <a:xfrm>
+              <a:off x="7665797" y="-921947"/>
+              <a:ext cx="1981838" cy="164385"/>
+            </a:xfrm>
+            <a:prstGeom prst="rect">
+              <a:avLst/>
+            </a:prstGeom>
+            <a:gradFill flip="none" rotWithShape="1">
+              <a:gsLst>
+                <a:gs pos="0">
+                  <a:schemeClr val="accent1">
+                    <a:shade val="30000"/>
+                    <a:satMod val="115000"/>
+                  </a:schemeClr>
+                </a:gs>
+                <a:gs pos="50000">
+                  <a:schemeClr val="accent1">
+                    <a:shade val="67500"/>
+                    <a:satMod val="115000"/>
+                  </a:schemeClr>
+                </a:gs>
+                <a:gs pos="100000">
+                  <a:schemeClr val="accent1">
+                    <a:shade val="100000"/>
+                    <a:satMod val="115000"/>
+                  </a:schemeClr>
+                </a:gs>
+              </a:gsLst>
+              <a:lin ang="0" scaled="1"/>
+              <a:tileRect/>
+            </a:gradFill>
+            <a:ln w="38100">
+              <a:solidFill>
+                <a:schemeClr val="tx1"/>
+              </a:solidFill>
+            </a:ln>
+          </p:spPr>
+          <p:style>
+            <a:lnRef idx="2">
+              <a:schemeClr val="accent1">
+                <a:shade val="50000"/>
+              </a:schemeClr>
+            </a:lnRef>
+            <a:fillRef idx="1">
+              <a:schemeClr val="accent1"/>
+            </a:fillRef>
+            <a:effectRef idx="0">
+              <a:schemeClr val="accent1"/>
+            </a:effectRef>
+            <a:fontRef idx="minor">
+              <a:schemeClr val="lt1"/>
+            </a:fontRef>
+          </p:style>
+          <p:txBody>
+            <a:bodyPr rtlCol="0" anchor="ctr"/>
+            <a:lstStyle/>
+            <a:p>
+              <a:pPr algn="ctr"/>
+              <a:endParaRPr lang="ko-KR" altLang="en-US" sz="1200"/>
+            </a:p>
+          </p:txBody>
+        </p:sp>
+        <p:sp>
+          <p:nvSpPr>
+            <p:cNvPr id="22" name="제목 1"/>
+            <p:cNvSpPr txBox="1">
+              <a:spLocks/>
+            </p:cNvSpPr>
+            <p:nvPr/>
+          </p:nvSpPr>
+          <p:spPr>
+            <a:xfrm>
+              <a:off x="7783101" y="-1910842"/>
+              <a:ext cx="1819447" cy="1325563"/>
+            </a:xfrm>
+            <a:prstGeom prst="rect">
+              <a:avLst/>
+            </a:prstGeom>
+          </p:spPr>
+          <p:txBody>
+            <a:bodyPr vert="horz" lIns="91440" tIns="45720" rIns="91440" bIns="45720" rtlCol="0" anchor="ctr">
+              <a:normAutofit/>
+            </a:bodyPr>
+            <a:lstStyle>
+              <a:lvl1pPr algn="l" defTabSz="914400" rtl="0" eaLnBrk="1" latinLnBrk="1" hangingPunct="1">
+                <a:lnSpc>
+                  <a:spcPct val="90000"/>
+                </a:lnSpc>
+                <a:spcBef>
+                  <a:spcPct val="0"/>
+                </a:spcBef>
+                <a:buNone/>
+                <a:defRPr sz="4400" kern="1200">
+                  <a:solidFill>
+                    <a:schemeClr val="tx1"/>
+                  </a:solidFill>
+                  <a:latin typeface="+mj-lt"/>
+                  <a:ea typeface="+mj-ea"/>
+                  <a:cs typeface="+mj-cs"/>
+                </a:defRPr>
+              </a:lvl1pPr>
+            </a:lstStyle>
+            <a:p>
+              <a:r>
+                <a:rPr lang="en-US" altLang="ko-KR" sz="1200" b="1" dirty="0" smtClean="0">
+                  <a:solidFill>
+                    <a:schemeClr val="bg1">
+                      <a:lumMod val="50000"/>
+                    </a:schemeClr>
+                  </a:solidFill>
+                </a:rPr>
+                <a:t>TLCD </a:t>
+              </a:r>
+              <a:r>
+                <a:rPr lang="ko-KR" altLang="en-US" sz="1200" b="1" dirty="0" err="1" smtClean="0">
+                  <a:solidFill>
+                    <a:schemeClr val="bg1">
+                      <a:lumMod val="50000"/>
+                    </a:schemeClr>
+                  </a:solidFill>
+                </a:rPr>
+                <a:t>티비</a:t>
+              </a:r>
+              <a:endParaRPr lang="en-US" altLang="ko-KR" sz="1200" b="1" dirty="0" smtClean="0">
+                <a:solidFill>
+                  <a:schemeClr val="bg1">
+                    <a:lumMod val="50000"/>
+                  </a:schemeClr>
+                </a:solidFill>
+              </a:endParaRPr>
+            </a:p>
+            <a:p>
+              <a:r>
+                <a:rPr lang="ko-KR" altLang="en-US" sz="1100" dirty="0" err="1" smtClean="0">
+                  <a:solidFill>
+                    <a:schemeClr val="bg1">
+                      <a:lumMod val="50000"/>
+                    </a:schemeClr>
+                  </a:solidFill>
+                </a:rPr>
+                <a:t>온습도</a:t>
+              </a:r>
+              <a:r>
+                <a:rPr lang="en-US" altLang="ko-KR" sz="1100" dirty="0" smtClean="0">
+                  <a:solidFill>
+                    <a:schemeClr val="bg1">
+                      <a:lumMod val="50000"/>
+                    </a:schemeClr>
+                  </a:solidFill>
+                </a:rPr>
+                <a:t>/</a:t>
+              </a:r>
+              <a:r>
+                <a:rPr lang="ko-KR" altLang="en-US" sz="1100" dirty="0" smtClean="0">
+                  <a:solidFill>
+                    <a:schemeClr val="bg1">
+                      <a:lumMod val="50000"/>
+                    </a:schemeClr>
+                  </a:solidFill>
+                </a:rPr>
+                <a:t>미세먼지</a:t>
+              </a:r>
+              <a:endParaRPr lang="en-US" altLang="ko-KR" sz="1100" dirty="0" smtClean="0">
+                <a:solidFill>
+                  <a:schemeClr val="bg1">
+                    <a:lumMod val="50000"/>
+                  </a:schemeClr>
+                </a:solidFill>
+              </a:endParaRPr>
+            </a:p>
+          </p:txBody>
+        </p:sp>
+        <p:sp>
+          <p:nvSpPr>
+            <p:cNvPr id="23" name="직사각형 22"/>
+            <p:cNvSpPr/>
+            <p:nvPr/>
+          </p:nvSpPr>
+          <p:spPr>
+            <a:xfrm>
+              <a:off x="9602547" y="-150439"/>
+              <a:ext cx="528563" cy="654119"/>
+            </a:xfrm>
+            <a:prstGeom prst="rect">
+              <a:avLst/>
+            </a:prstGeom>
+            <a:gradFill flip="none" rotWithShape="1">
+              <a:gsLst>
+                <a:gs pos="0">
+                  <a:schemeClr val="accent1">
+                    <a:shade val="30000"/>
+                    <a:satMod val="115000"/>
+                  </a:schemeClr>
+                </a:gs>
+                <a:gs pos="50000">
+                  <a:schemeClr val="accent1">
+                    <a:shade val="67500"/>
+                    <a:satMod val="115000"/>
+                  </a:schemeClr>
+                </a:gs>
+                <a:gs pos="100000">
+                  <a:schemeClr val="accent1">
+                    <a:shade val="100000"/>
+                    <a:satMod val="115000"/>
+                  </a:schemeClr>
+                </a:gs>
+              </a:gsLst>
+              <a:lin ang="0" scaled="1"/>
+              <a:tileRect/>
+            </a:gradFill>
+            <a:ln w="38100">
+              <a:solidFill>
+                <a:schemeClr val="tx1"/>
+              </a:solidFill>
+            </a:ln>
+          </p:spPr>
+          <p:style>
+            <a:lnRef idx="2">
+              <a:schemeClr val="accent1">
+                <a:shade val="50000"/>
+              </a:schemeClr>
+            </a:lnRef>
+            <a:fillRef idx="1">
+              <a:schemeClr val="accent1"/>
+            </a:fillRef>
+            <a:effectRef idx="0">
+              <a:schemeClr val="accent1"/>
+            </a:effectRef>
+            <a:fontRef idx="minor">
+              <a:schemeClr val="lt1"/>
+            </a:fontRef>
+          </p:style>
+          <p:txBody>
+            <a:bodyPr rtlCol="0" anchor="ctr"/>
+            <a:lstStyle/>
+            <a:p>
+              <a:pPr algn="ctr"/>
+              <a:endParaRPr lang="ko-KR" altLang="en-US" sz="1200"/>
+            </a:p>
+          </p:txBody>
+        </p:sp>
+        <p:sp>
+          <p:nvSpPr>
+            <p:cNvPr id="25" name="직사각형 24"/>
+            <p:cNvSpPr/>
+            <p:nvPr/>
+          </p:nvSpPr>
+          <p:spPr>
+            <a:xfrm>
+              <a:off x="7174657" y="-497281"/>
+              <a:ext cx="528563" cy="1000961"/>
+            </a:xfrm>
+            <a:prstGeom prst="rect">
+              <a:avLst/>
+            </a:prstGeom>
+            <a:solidFill>
+              <a:schemeClr val="accent2">
+                <a:lumMod val="20000"/>
+                <a:lumOff val="80000"/>
+              </a:schemeClr>
+            </a:solidFill>
+            <a:ln w="38100">
+              <a:solidFill>
+                <a:schemeClr val="tx1"/>
+              </a:solidFill>
+            </a:ln>
+          </p:spPr>
+          <p:style>
+            <a:lnRef idx="2">
+              <a:schemeClr val="accent1">
+                <a:shade val="50000"/>
+              </a:schemeClr>
+            </a:lnRef>
+            <a:fillRef idx="1">
+              <a:schemeClr val="accent1"/>
+            </a:fillRef>
+            <a:effectRef idx="0">
+              <a:schemeClr val="accent1"/>
+            </a:effectRef>
+            <a:fontRef idx="minor">
+              <a:schemeClr val="lt1"/>
+            </a:fontRef>
+          </p:style>
+          <p:txBody>
+            <a:bodyPr rtlCol="0" anchor="ctr"/>
+            <a:lstStyle/>
+            <a:p>
+              <a:pPr algn="ctr"/>
+              <a:endParaRPr lang="ko-KR" altLang="en-US" sz="1200"/>
+            </a:p>
+          </p:txBody>
+        </p:sp>
+        <p:sp>
+          <p:nvSpPr>
+            <p:cNvPr id="26" name="제목 1"/>
+            <p:cNvSpPr txBox="1">
+              <a:spLocks/>
+            </p:cNvSpPr>
+            <p:nvPr/>
+          </p:nvSpPr>
+          <p:spPr>
+            <a:xfrm>
+              <a:off x="7129173" y="-687529"/>
+              <a:ext cx="1819447" cy="1325563"/>
+            </a:xfrm>
+            <a:prstGeom prst="rect">
+              <a:avLst/>
+            </a:prstGeom>
+          </p:spPr>
+          <p:txBody>
+            <a:bodyPr vert="horz" lIns="91440" tIns="45720" rIns="91440" bIns="45720" rtlCol="0" anchor="ctr">
+              <a:normAutofit/>
+            </a:bodyPr>
+            <a:lstStyle>
+              <a:lvl1pPr algn="l" defTabSz="914400" rtl="0" eaLnBrk="1" latinLnBrk="1" hangingPunct="1">
+                <a:lnSpc>
+                  <a:spcPct val="90000"/>
+                </a:lnSpc>
+                <a:spcBef>
+                  <a:spcPct val="0"/>
+                </a:spcBef>
+                <a:buNone/>
+                <a:defRPr sz="4400" kern="1200">
+                  <a:solidFill>
+                    <a:schemeClr val="tx1"/>
+                  </a:solidFill>
+                  <a:latin typeface="+mj-lt"/>
+                  <a:ea typeface="+mj-ea"/>
+                  <a:cs typeface="+mj-cs"/>
+                </a:defRPr>
+              </a:lvl1pPr>
+            </a:lstStyle>
+            <a:p>
+              <a:r>
+                <a:rPr lang="ko-KR" altLang="en-US" sz="1100" b="1" dirty="0" err="1" smtClean="0"/>
+                <a:t>쇼파</a:t>
+              </a:r>
+              <a:endParaRPr lang="en-US" altLang="ko-KR" sz="1050" dirty="0" smtClean="0"/>
+            </a:p>
+          </p:txBody>
+        </p:sp>
+        <p:sp>
+          <p:nvSpPr>
+            <p:cNvPr id="3" name="원호 2"/>
+            <p:cNvSpPr/>
+            <p:nvPr/>
+          </p:nvSpPr>
+          <p:spPr>
+            <a:xfrm rot="6029219">
+              <a:off x="4884055" y="655284"/>
+              <a:ext cx="1305857" cy="1048575"/>
+            </a:xfrm>
+            <a:prstGeom prst="arc">
+              <a:avLst/>
+            </a:prstGeom>
+          </p:spPr>
+          <p:style>
+            <a:lnRef idx="1">
+              <a:schemeClr val="accent1"/>
+            </a:lnRef>
+            <a:fillRef idx="0">
+              <a:schemeClr val="accent1"/>
+            </a:fillRef>
+            <a:effectRef idx="0">
+              <a:schemeClr val="accent1"/>
+            </a:effectRef>
+            <a:fontRef idx="minor">
+              <a:schemeClr val="tx1"/>
+            </a:fontRef>
+          </p:style>
+          <p:txBody>
+            <a:bodyPr rtlCol="0" anchor="ctr"/>
+            <a:lstStyle/>
+            <a:p>
+              <a:pPr algn="ctr"/>
+              <a:endParaRPr lang="ko-KR" altLang="en-US" sz="1200"/>
+            </a:p>
+          </p:txBody>
+        </p:sp>
+        <p:sp>
+          <p:nvSpPr>
+            <p:cNvPr id="27" name="원호 26"/>
+            <p:cNvSpPr/>
+            <p:nvPr/>
+          </p:nvSpPr>
+          <p:spPr>
+            <a:xfrm rot="6029219">
+              <a:off x="10622704" y="676304"/>
+              <a:ext cx="1305857" cy="1048575"/>
+            </a:xfrm>
+            <a:prstGeom prst="arc">
+              <a:avLst/>
+            </a:prstGeom>
+          </p:spPr>
+          <p:style>
+            <a:lnRef idx="1">
+              <a:schemeClr val="accent1"/>
+            </a:lnRef>
+            <a:fillRef idx="0">
+              <a:schemeClr val="accent1"/>
+            </a:fillRef>
+            <a:effectRef idx="0">
+              <a:schemeClr val="accent1"/>
+            </a:effectRef>
+            <a:fontRef idx="minor">
+              <a:schemeClr val="tx1"/>
+            </a:fontRef>
+          </p:style>
+          <p:txBody>
+            <a:bodyPr rtlCol="0" anchor="ctr"/>
+            <a:lstStyle/>
+            <a:p>
+              <a:pPr algn="ctr"/>
+              <a:endParaRPr lang="ko-KR" altLang="en-US" sz="1200"/>
+            </a:p>
+          </p:txBody>
+        </p:sp>
+        <p:sp>
+          <p:nvSpPr>
+            <p:cNvPr id="28" name="원호 27"/>
+            <p:cNvSpPr/>
+            <p:nvPr/>
+          </p:nvSpPr>
+          <p:spPr>
+            <a:xfrm rot="870268">
+              <a:off x="9359751" y="-192941"/>
+              <a:ext cx="1305857" cy="1048575"/>
+            </a:xfrm>
+            <a:prstGeom prst="arc">
+              <a:avLst/>
+            </a:prstGeom>
+          </p:spPr>
+          <p:style>
+            <a:lnRef idx="1">
+              <a:schemeClr val="accent1"/>
+            </a:lnRef>
+            <a:fillRef idx="0">
+              <a:schemeClr val="accent1"/>
+            </a:fillRef>
+            <a:effectRef idx="0">
+              <a:schemeClr val="accent1"/>
+            </a:effectRef>
+            <a:fontRef idx="minor">
+              <a:schemeClr val="tx1"/>
+            </a:fontRef>
+          </p:style>
+          <p:txBody>
+            <a:bodyPr rtlCol="0" anchor="ctr"/>
+            <a:lstStyle/>
+            <a:p>
+              <a:pPr algn="ctr"/>
+              <a:endParaRPr lang="ko-KR" altLang="en-US" sz="1200"/>
+            </a:p>
+          </p:txBody>
+        </p:sp>
+        <p:sp>
+          <p:nvSpPr>
+            <p:cNvPr id="29" name="원호 28"/>
+            <p:cNvSpPr/>
+            <p:nvPr/>
+          </p:nvSpPr>
+          <p:spPr>
+            <a:xfrm rot="17055118">
+              <a:off x="6320300" y="156051"/>
+              <a:ext cx="1305857" cy="1048575"/>
+            </a:xfrm>
+            <a:prstGeom prst="arc">
+              <a:avLst/>
+            </a:prstGeom>
+          </p:spPr>
+          <p:style>
+            <a:lnRef idx="1">
+              <a:schemeClr val="accent1"/>
+            </a:lnRef>
+            <a:fillRef idx="0">
+              <a:schemeClr val="accent1"/>
+            </a:fillRef>
+            <a:effectRef idx="0">
+              <a:schemeClr val="accent1"/>
+            </a:effectRef>
+            <a:fontRef idx="minor">
+              <a:schemeClr val="tx1"/>
+            </a:fontRef>
+          </p:style>
+          <p:txBody>
+            <a:bodyPr rtlCol="0" anchor="ctr"/>
+            <a:lstStyle/>
+            <a:p>
+              <a:pPr algn="ctr"/>
+              <a:endParaRPr lang="ko-KR" altLang="en-US" sz="1200"/>
+            </a:p>
+          </p:txBody>
+        </p:sp>
+        <p:sp>
+          <p:nvSpPr>
+            <p:cNvPr id="31" name="직사각형 30"/>
+            <p:cNvSpPr/>
+            <p:nvPr/>
+          </p:nvSpPr>
+          <p:spPr>
+            <a:xfrm>
+              <a:off x="11144721" y="-921946"/>
+              <a:ext cx="1981838" cy="164385"/>
+            </a:xfrm>
+            <a:prstGeom prst="rect">
+              <a:avLst/>
+            </a:prstGeom>
+            <a:solidFill>
+              <a:srgbClr val="3D77AB"/>
+            </a:solidFill>
+            <a:ln w="38100">
+              <a:solidFill>
+                <a:schemeClr val="tx1"/>
+              </a:solidFill>
+            </a:ln>
+          </p:spPr>
+          <p:style>
+            <a:lnRef idx="2">
+              <a:schemeClr val="accent1">
+                <a:shade val="50000"/>
+              </a:schemeClr>
+            </a:lnRef>
+            <a:fillRef idx="1">
+              <a:schemeClr val="accent1"/>
+            </a:fillRef>
+            <a:effectRef idx="0">
+              <a:schemeClr val="accent1"/>
+            </a:effectRef>
+            <a:fontRef idx="minor">
+              <a:schemeClr val="lt1"/>
+            </a:fontRef>
+          </p:style>
+          <p:txBody>
+            <a:bodyPr rtlCol="0" anchor="ctr"/>
+            <a:lstStyle/>
+            <a:p>
+              <a:pPr algn="ctr"/>
+              <a:endParaRPr lang="ko-KR" altLang="en-US" sz="1200"/>
+            </a:p>
+          </p:txBody>
+        </p:sp>
+        <p:sp>
+          <p:nvSpPr>
+            <p:cNvPr id="32" name="제목 1"/>
+            <p:cNvSpPr txBox="1">
+              <a:spLocks/>
+            </p:cNvSpPr>
+            <p:nvPr/>
+          </p:nvSpPr>
+          <p:spPr>
+            <a:xfrm>
+              <a:off x="11435137" y="-1969683"/>
+              <a:ext cx="2191035" cy="1325563"/>
+            </a:xfrm>
+            <a:prstGeom prst="rect">
+              <a:avLst/>
+            </a:prstGeom>
+          </p:spPr>
+          <p:txBody>
+            <a:bodyPr vert="horz" lIns="91440" tIns="45720" rIns="91440" bIns="45720" rtlCol="0" anchor="ctr">
+              <a:normAutofit/>
+            </a:bodyPr>
+            <a:lstStyle>
+              <a:lvl1pPr algn="l" defTabSz="914400" rtl="0" eaLnBrk="1" latinLnBrk="1" hangingPunct="1">
+                <a:lnSpc>
+                  <a:spcPct val="90000"/>
+                </a:lnSpc>
+                <a:spcBef>
+                  <a:spcPct val="0"/>
+                </a:spcBef>
+                <a:buNone/>
+                <a:defRPr sz="4400" kern="1200">
+                  <a:solidFill>
+                    <a:schemeClr val="tx1"/>
+                  </a:solidFill>
+                  <a:latin typeface="+mj-lt"/>
+                  <a:ea typeface="+mj-ea"/>
+                  <a:cs typeface="+mj-cs"/>
+                </a:defRPr>
+              </a:lvl1pPr>
+            </a:lstStyle>
+            <a:p>
+              <a:r>
+                <a:rPr lang="ko-KR" altLang="en-US" sz="1200" b="1" dirty="0" err="1" smtClean="0">
+                  <a:solidFill>
+                    <a:schemeClr val="bg1">
+                      <a:lumMod val="50000"/>
+                    </a:schemeClr>
+                  </a:solidFill>
+                </a:rPr>
+                <a:t>여닫이창문</a:t>
+              </a:r>
+              <a:endParaRPr lang="en-US" altLang="ko-KR" sz="1200" b="1" dirty="0" smtClean="0">
+                <a:solidFill>
+                  <a:schemeClr val="bg1">
+                    <a:lumMod val="50000"/>
+                  </a:schemeClr>
+                </a:solidFill>
+              </a:endParaRPr>
+            </a:p>
+            <a:p>
+              <a:r>
+                <a:rPr lang="ko-KR" altLang="en-US" sz="1100" dirty="0" err="1" smtClean="0">
+                  <a:solidFill>
+                    <a:schemeClr val="bg1">
+                      <a:lumMod val="50000"/>
+                    </a:schemeClr>
+                  </a:solidFill>
+                </a:rPr>
+                <a:t>조도센서</a:t>
+              </a:r>
+              <a:r>
+                <a:rPr lang="en-US" altLang="ko-KR" sz="1100" dirty="0" smtClean="0">
+                  <a:solidFill>
+                    <a:schemeClr val="bg1">
+                      <a:lumMod val="50000"/>
+                    </a:schemeClr>
+                  </a:solidFill>
+                </a:rPr>
+                <a:t>/</a:t>
+              </a:r>
+            </a:p>
+            <a:p>
+              <a:r>
+                <a:rPr lang="ko-KR" altLang="en-US" sz="1100" dirty="0" err="1" smtClean="0">
+                  <a:solidFill>
+                    <a:schemeClr val="bg1">
+                      <a:lumMod val="50000"/>
+                    </a:schemeClr>
+                  </a:solidFill>
+                </a:rPr>
+                <a:t>서보모터</a:t>
+              </a:r>
+              <a:endParaRPr lang="en-US" altLang="ko-KR" sz="1100" dirty="0" smtClean="0">
+                <a:solidFill>
+                  <a:schemeClr val="bg1">
+                    <a:lumMod val="50000"/>
+                  </a:schemeClr>
+                </a:solidFill>
+              </a:endParaRPr>
+            </a:p>
+          </p:txBody>
+        </p:sp>
+        <p:sp>
+          <p:nvSpPr>
+            <p:cNvPr id="33" name="직사각형 32"/>
+            <p:cNvSpPr/>
+            <p:nvPr/>
+          </p:nvSpPr>
+          <p:spPr>
+            <a:xfrm>
+              <a:off x="7966681" y="2937950"/>
+              <a:ext cx="335630" cy="266889"/>
+            </a:xfrm>
+            <a:prstGeom prst="rect">
+              <a:avLst/>
+            </a:prstGeom>
+            <a:solidFill>
+              <a:srgbClr val="FF0000"/>
+            </a:solidFill>
+            <a:ln w="38100">
+              <a:solidFill>
+                <a:schemeClr val="tx1"/>
+              </a:solidFill>
+            </a:ln>
+          </p:spPr>
+          <p:style>
+            <a:lnRef idx="2">
+              <a:schemeClr val="accent1">
+                <a:shade val="50000"/>
+              </a:schemeClr>
+            </a:lnRef>
+            <a:fillRef idx="1">
+              <a:schemeClr val="accent1"/>
+            </a:fillRef>
+            <a:effectRef idx="0">
+              <a:schemeClr val="accent1"/>
+            </a:effectRef>
+            <a:fontRef idx="minor">
+              <a:schemeClr val="lt1"/>
+            </a:fontRef>
+          </p:style>
+          <p:txBody>
+            <a:bodyPr rtlCol="0" anchor="ctr"/>
+            <a:lstStyle/>
+            <a:p>
+              <a:pPr algn="ctr"/>
+              <a:endParaRPr lang="ko-KR" altLang="en-US" sz="1200"/>
+            </a:p>
+          </p:txBody>
+        </p:sp>
+        <p:sp>
+          <p:nvSpPr>
+            <p:cNvPr id="34" name="제목 1"/>
+            <p:cNvSpPr txBox="1">
+              <a:spLocks/>
+            </p:cNvSpPr>
+            <p:nvPr/>
+          </p:nvSpPr>
+          <p:spPr>
+            <a:xfrm>
+              <a:off x="6918926" y="2204350"/>
+              <a:ext cx="1819447" cy="1325563"/>
+            </a:xfrm>
+            <a:prstGeom prst="rect">
+              <a:avLst/>
+            </a:prstGeom>
+          </p:spPr>
+          <p:txBody>
+            <a:bodyPr vert="horz" lIns="91440" tIns="45720" rIns="91440" bIns="45720" rtlCol="0" anchor="ctr">
+              <a:normAutofit/>
+            </a:bodyPr>
+            <a:lstStyle>
+              <a:lvl1pPr algn="l" defTabSz="914400" rtl="0" eaLnBrk="1" latinLnBrk="1" hangingPunct="1">
+                <a:lnSpc>
+                  <a:spcPct val="90000"/>
+                </a:lnSpc>
+                <a:spcBef>
+                  <a:spcPct val="0"/>
+                </a:spcBef>
+                <a:buNone/>
+                <a:defRPr sz="4400" kern="1200">
+                  <a:solidFill>
+                    <a:schemeClr val="tx1"/>
+                  </a:solidFill>
+                  <a:latin typeface="+mj-lt"/>
+                  <a:ea typeface="+mj-ea"/>
+                  <a:cs typeface="+mj-cs"/>
+                </a:defRPr>
+              </a:lvl1pPr>
+            </a:lstStyle>
+            <a:p>
+              <a:r>
+                <a:rPr lang="en-US" altLang="ko-KR" sz="1200" b="1" dirty="0" smtClean="0">
+                  <a:solidFill>
+                    <a:schemeClr val="bg1">
+                      <a:lumMod val="50000"/>
+                    </a:schemeClr>
+                  </a:solidFill>
+                </a:rPr>
+                <a:t>3</a:t>
+              </a:r>
+              <a:r>
+                <a:rPr lang="ko-KR" altLang="en-US" sz="1200" b="1" dirty="0" smtClean="0">
+                  <a:solidFill>
+                    <a:schemeClr val="bg1">
+                      <a:lumMod val="50000"/>
+                    </a:schemeClr>
+                  </a:solidFill>
+                </a:rPr>
+                <a:t>색</a:t>
+              </a:r>
+              <a:r>
+                <a:rPr lang="en-US" altLang="ko-KR" sz="1200" b="1" dirty="0" smtClean="0">
+                  <a:solidFill>
+                    <a:schemeClr val="bg1">
+                      <a:lumMod val="50000"/>
+                    </a:schemeClr>
+                  </a:solidFill>
+                </a:rPr>
+                <a:t>LED</a:t>
+              </a:r>
+              <a:r>
+                <a:rPr lang="ko-KR" altLang="en-US" sz="1200" b="1" dirty="0" smtClean="0">
+                  <a:solidFill>
+                    <a:schemeClr val="bg1">
+                      <a:lumMod val="50000"/>
+                    </a:schemeClr>
+                  </a:solidFill>
+                </a:rPr>
+                <a:t>조명</a:t>
+              </a:r>
+              <a:endParaRPr lang="en-US" altLang="ko-KR" sz="1200" b="1" dirty="0" smtClean="0">
+                <a:solidFill>
+                  <a:schemeClr val="bg1">
+                    <a:lumMod val="50000"/>
+                  </a:schemeClr>
+                </a:solidFill>
+              </a:endParaRPr>
+            </a:p>
+            <a:p>
+              <a:r>
+                <a:rPr lang="ko-KR" altLang="en-US" sz="1100" dirty="0" err="1" smtClean="0">
+                  <a:solidFill>
+                    <a:schemeClr val="bg1">
+                      <a:lumMod val="50000"/>
+                    </a:schemeClr>
+                  </a:solidFill>
+                </a:rPr>
+                <a:t>무드등</a:t>
+              </a:r>
+              <a:endParaRPr lang="en-US" altLang="ko-KR" sz="1100" dirty="0" smtClean="0">
+                <a:solidFill>
+                  <a:schemeClr val="bg1">
+                    <a:lumMod val="50000"/>
+                  </a:schemeClr>
+                </a:solidFill>
+              </a:endParaRPr>
+            </a:p>
+          </p:txBody>
+        </p:sp>
+        <p:sp>
+          <p:nvSpPr>
+            <p:cNvPr id="35" name="직사각형 34"/>
+            <p:cNvSpPr/>
+            <p:nvPr/>
+          </p:nvSpPr>
+          <p:spPr>
+            <a:xfrm>
+              <a:off x="11329764" y="-339761"/>
+              <a:ext cx="1807306" cy="843441"/>
+            </a:xfrm>
+            <a:prstGeom prst="rect">
+              <a:avLst/>
+            </a:prstGeom>
+            <a:solidFill>
+              <a:schemeClr val="accent2">
+                <a:lumMod val="20000"/>
+                <a:lumOff val="80000"/>
+              </a:schemeClr>
+            </a:solidFill>
+            <a:ln w="38100">
+              <a:solidFill>
+                <a:schemeClr val="tx1"/>
+              </a:solidFill>
+            </a:ln>
+          </p:spPr>
+          <p:style>
+            <a:lnRef idx="2">
+              <a:schemeClr val="accent1">
+                <a:shade val="50000"/>
+              </a:schemeClr>
+            </a:lnRef>
+            <a:fillRef idx="1">
+              <a:schemeClr val="accent1"/>
+            </a:fillRef>
+            <a:effectRef idx="0">
+              <a:schemeClr val="accent1"/>
+            </a:effectRef>
+            <a:fontRef idx="minor">
+              <a:schemeClr val="lt1"/>
+            </a:fontRef>
+          </p:style>
+          <p:txBody>
+            <a:bodyPr rtlCol="0" anchor="ctr"/>
+            <a:lstStyle/>
+            <a:p>
+              <a:pPr algn="ctr"/>
+              <a:endParaRPr lang="ko-KR" altLang="en-US" sz="1200"/>
+            </a:p>
+          </p:txBody>
+        </p:sp>
+        <p:sp>
+          <p:nvSpPr>
+            <p:cNvPr id="36" name="제목 1"/>
+            <p:cNvSpPr txBox="1">
+              <a:spLocks/>
+            </p:cNvSpPr>
+            <p:nvPr/>
+          </p:nvSpPr>
+          <p:spPr>
+            <a:xfrm>
+              <a:off x="11974443" y="-529874"/>
+              <a:ext cx="1819447" cy="1325563"/>
+            </a:xfrm>
+            <a:prstGeom prst="rect">
+              <a:avLst/>
+            </a:prstGeom>
+          </p:spPr>
+          <p:txBody>
+            <a:bodyPr vert="horz" lIns="91440" tIns="45720" rIns="91440" bIns="45720" rtlCol="0" anchor="ctr">
+              <a:normAutofit/>
+            </a:bodyPr>
+            <a:lstStyle>
+              <a:lvl1pPr algn="l" defTabSz="914400" rtl="0" eaLnBrk="1" latinLnBrk="1" hangingPunct="1">
+                <a:lnSpc>
+                  <a:spcPct val="90000"/>
+                </a:lnSpc>
+                <a:spcBef>
+                  <a:spcPct val="0"/>
+                </a:spcBef>
+                <a:buNone/>
+                <a:defRPr sz="4400" kern="1200">
+                  <a:solidFill>
+                    <a:schemeClr val="tx1"/>
+                  </a:solidFill>
+                  <a:latin typeface="+mj-lt"/>
+                  <a:ea typeface="+mj-ea"/>
+                  <a:cs typeface="+mj-cs"/>
+                </a:defRPr>
+              </a:lvl1pPr>
+            </a:lstStyle>
+            <a:p>
+              <a:r>
+                <a:rPr lang="ko-KR" altLang="en-US" sz="1200" b="1" dirty="0" smtClean="0"/>
+                <a:t>침대</a:t>
+              </a:r>
+              <a:endParaRPr lang="en-US" altLang="ko-KR" sz="1100" dirty="0" smtClean="0"/>
+            </a:p>
+          </p:txBody>
+        </p:sp>
+        <p:sp>
+          <p:nvSpPr>
+            <p:cNvPr id="37" name="직사각형 36"/>
+            <p:cNvSpPr/>
+            <p:nvPr/>
+          </p:nvSpPr>
+          <p:spPr>
+            <a:xfrm>
+              <a:off x="5423178" y="-908836"/>
+              <a:ext cx="335630" cy="266889"/>
+            </a:xfrm>
+            <a:prstGeom prst="rect">
+              <a:avLst/>
+            </a:prstGeom>
+            <a:solidFill>
+              <a:srgbClr val="FF0000"/>
+            </a:solidFill>
+            <a:ln w="38100">
+              <a:solidFill>
+                <a:schemeClr val="tx1"/>
+              </a:solidFill>
+            </a:ln>
+          </p:spPr>
+          <p:style>
+            <a:lnRef idx="2">
+              <a:schemeClr val="accent1">
+                <a:shade val="50000"/>
+              </a:schemeClr>
+            </a:lnRef>
+            <a:fillRef idx="1">
+              <a:schemeClr val="accent1"/>
+            </a:fillRef>
+            <a:effectRef idx="0">
+              <a:schemeClr val="accent1"/>
+            </a:effectRef>
+            <a:fontRef idx="minor">
+              <a:schemeClr val="lt1"/>
+            </a:fontRef>
+          </p:style>
+          <p:txBody>
+            <a:bodyPr rtlCol="0" anchor="ctr"/>
+            <a:lstStyle/>
+            <a:p>
+              <a:pPr algn="ctr"/>
+              <a:endParaRPr lang="ko-KR" altLang="en-US" sz="1200"/>
+            </a:p>
+          </p:txBody>
+        </p:sp>
+        <p:sp>
+          <p:nvSpPr>
+            <p:cNvPr id="38" name="제목 1"/>
+            <p:cNvSpPr txBox="1">
+              <a:spLocks/>
+            </p:cNvSpPr>
+            <p:nvPr/>
+          </p:nvSpPr>
+          <p:spPr>
+            <a:xfrm>
+              <a:off x="5195265" y="-1883877"/>
+              <a:ext cx="1819447" cy="1325563"/>
+            </a:xfrm>
+            <a:prstGeom prst="rect">
+              <a:avLst/>
+            </a:prstGeom>
+          </p:spPr>
+          <p:txBody>
+            <a:bodyPr vert="horz" lIns="91440" tIns="45720" rIns="91440" bIns="45720" rtlCol="0" anchor="ctr">
+              <a:normAutofit/>
+            </a:bodyPr>
+            <a:lstStyle>
+              <a:lvl1pPr algn="l" defTabSz="914400" rtl="0" eaLnBrk="1" latinLnBrk="1" hangingPunct="1">
+                <a:lnSpc>
+                  <a:spcPct val="90000"/>
+                </a:lnSpc>
+                <a:spcBef>
+                  <a:spcPct val="0"/>
+                </a:spcBef>
+                <a:buNone/>
+                <a:defRPr sz="4400" kern="1200">
+                  <a:solidFill>
+                    <a:schemeClr val="tx1"/>
+                  </a:solidFill>
+                  <a:latin typeface="+mj-lt"/>
+                  <a:ea typeface="+mj-ea"/>
+                  <a:cs typeface="+mj-cs"/>
+                </a:defRPr>
+              </a:lvl1pPr>
+            </a:lstStyle>
+            <a:p>
+              <a:r>
+                <a:rPr lang="en-US" altLang="ko-KR" sz="1200" b="1" dirty="0" smtClean="0">
+                  <a:solidFill>
+                    <a:schemeClr val="bg1">
+                      <a:lumMod val="50000"/>
+                    </a:schemeClr>
+                  </a:solidFill>
+                </a:rPr>
+                <a:t>3</a:t>
+              </a:r>
+              <a:r>
+                <a:rPr lang="ko-KR" altLang="en-US" sz="1200" b="1" dirty="0" smtClean="0">
+                  <a:solidFill>
+                    <a:schemeClr val="bg1">
+                      <a:lumMod val="50000"/>
+                    </a:schemeClr>
+                  </a:solidFill>
+                </a:rPr>
+                <a:t>색</a:t>
+              </a:r>
+              <a:r>
+                <a:rPr lang="en-US" altLang="ko-KR" sz="1200" b="1" dirty="0" smtClean="0">
+                  <a:solidFill>
+                    <a:schemeClr val="bg1">
+                      <a:lumMod val="50000"/>
+                    </a:schemeClr>
+                  </a:solidFill>
+                </a:rPr>
+                <a:t>LED</a:t>
+              </a:r>
+              <a:r>
+                <a:rPr lang="ko-KR" altLang="en-US" sz="1200" b="1" dirty="0" smtClean="0">
+                  <a:solidFill>
+                    <a:schemeClr val="bg1">
+                      <a:lumMod val="50000"/>
+                    </a:schemeClr>
+                  </a:solidFill>
+                </a:rPr>
+                <a:t>조명</a:t>
+              </a:r>
+              <a:endParaRPr lang="en-US" altLang="ko-KR" sz="1200" b="1" dirty="0" smtClean="0">
+                <a:solidFill>
+                  <a:schemeClr val="bg1">
+                    <a:lumMod val="50000"/>
+                  </a:schemeClr>
+                </a:solidFill>
+              </a:endParaRPr>
+            </a:p>
+            <a:p>
+              <a:r>
+                <a:rPr lang="ko-KR" altLang="en-US" sz="1100" dirty="0" err="1" smtClean="0">
+                  <a:solidFill>
+                    <a:schemeClr val="bg1">
+                      <a:lumMod val="50000"/>
+                    </a:schemeClr>
+                  </a:solidFill>
+                </a:rPr>
+                <a:t>무드등</a:t>
+              </a:r>
+              <a:endParaRPr lang="en-US" altLang="ko-KR" sz="1100" dirty="0" smtClean="0">
+                <a:solidFill>
+                  <a:schemeClr val="bg1">
+                    <a:lumMod val="50000"/>
+                  </a:schemeClr>
+                </a:solidFill>
+              </a:endParaRPr>
+            </a:p>
+          </p:txBody>
+        </p:sp>
+        <p:sp>
+          <p:nvSpPr>
+            <p:cNvPr id="39" name="직사각형 38"/>
+            <p:cNvSpPr/>
+            <p:nvPr/>
+          </p:nvSpPr>
+          <p:spPr>
+            <a:xfrm>
+              <a:off x="10152833" y="-908836"/>
+              <a:ext cx="335630" cy="266889"/>
+            </a:xfrm>
+            <a:prstGeom prst="rect">
+              <a:avLst/>
+            </a:prstGeom>
+            <a:solidFill>
+              <a:srgbClr val="FF0000"/>
+            </a:solidFill>
+            <a:ln w="38100">
+              <a:solidFill>
+                <a:schemeClr val="tx1"/>
+              </a:solidFill>
+            </a:ln>
+          </p:spPr>
+          <p:style>
+            <a:lnRef idx="2">
+              <a:schemeClr val="accent1">
+                <a:shade val="50000"/>
+              </a:schemeClr>
+            </a:lnRef>
+            <a:fillRef idx="1">
+              <a:schemeClr val="accent1"/>
+            </a:fillRef>
+            <a:effectRef idx="0">
+              <a:schemeClr val="accent1"/>
+            </a:effectRef>
+            <a:fontRef idx="minor">
+              <a:schemeClr val="lt1"/>
+            </a:fontRef>
+          </p:style>
+          <p:txBody>
+            <a:bodyPr rtlCol="0" anchor="ctr"/>
+            <a:lstStyle/>
+            <a:p>
+              <a:pPr algn="ctr"/>
+              <a:endParaRPr lang="ko-KR" altLang="en-US" sz="1200"/>
+            </a:p>
+          </p:txBody>
+        </p:sp>
+        <p:sp>
+          <p:nvSpPr>
+            <p:cNvPr id="40" name="제목 1"/>
+            <p:cNvSpPr txBox="1">
+              <a:spLocks/>
+            </p:cNvSpPr>
+            <p:nvPr/>
+          </p:nvSpPr>
+          <p:spPr>
+            <a:xfrm>
+              <a:off x="9651651" y="-1862857"/>
+              <a:ext cx="1819447" cy="1325563"/>
+            </a:xfrm>
+            <a:prstGeom prst="rect">
+              <a:avLst/>
+            </a:prstGeom>
+          </p:spPr>
+          <p:txBody>
+            <a:bodyPr vert="horz" lIns="91440" tIns="45720" rIns="91440" bIns="45720" rtlCol="0" anchor="ctr">
+              <a:normAutofit/>
+            </a:bodyPr>
+            <a:lstStyle>
+              <a:lvl1pPr algn="l" defTabSz="914400" rtl="0" eaLnBrk="1" latinLnBrk="1" hangingPunct="1">
+                <a:lnSpc>
+                  <a:spcPct val="90000"/>
+                </a:lnSpc>
+                <a:spcBef>
+                  <a:spcPct val="0"/>
+                </a:spcBef>
+                <a:buNone/>
+                <a:defRPr sz="4400" kern="1200">
+                  <a:solidFill>
+                    <a:schemeClr val="tx1"/>
+                  </a:solidFill>
+                  <a:latin typeface="+mj-lt"/>
+                  <a:ea typeface="+mj-ea"/>
+                  <a:cs typeface="+mj-cs"/>
+                </a:defRPr>
+              </a:lvl1pPr>
+            </a:lstStyle>
+            <a:p>
+              <a:r>
+                <a:rPr lang="en-US" altLang="ko-KR" sz="1200" b="1" dirty="0" smtClean="0">
+                  <a:solidFill>
+                    <a:schemeClr val="bg1">
+                      <a:lumMod val="50000"/>
+                    </a:schemeClr>
+                  </a:solidFill>
+                </a:rPr>
+                <a:t>3</a:t>
+              </a:r>
+              <a:r>
+                <a:rPr lang="ko-KR" altLang="en-US" sz="1200" b="1" dirty="0" smtClean="0">
+                  <a:solidFill>
+                    <a:schemeClr val="bg1">
+                      <a:lumMod val="50000"/>
+                    </a:schemeClr>
+                  </a:solidFill>
+                </a:rPr>
+                <a:t>색</a:t>
+              </a:r>
+              <a:r>
+                <a:rPr lang="en-US" altLang="ko-KR" sz="1200" b="1" dirty="0" smtClean="0">
+                  <a:solidFill>
+                    <a:schemeClr val="bg1">
+                      <a:lumMod val="50000"/>
+                    </a:schemeClr>
+                  </a:solidFill>
+                </a:rPr>
+                <a:t>LED</a:t>
+              </a:r>
+              <a:r>
+                <a:rPr lang="ko-KR" altLang="en-US" sz="1200" b="1" dirty="0" smtClean="0">
+                  <a:solidFill>
+                    <a:schemeClr val="bg1">
+                      <a:lumMod val="50000"/>
+                    </a:schemeClr>
+                  </a:solidFill>
+                </a:rPr>
+                <a:t>조명</a:t>
+              </a:r>
+              <a:endParaRPr lang="en-US" altLang="ko-KR" sz="1200" b="1" dirty="0" smtClean="0">
+                <a:solidFill>
+                  <a:schemeClr val="bg1">
+                    <a:lumMod val="50000"/>
+                  </a:schemeClr>
+                </a:solidFill>
+              </a:endParaRPr>
+            </a:p>
+            <a:p>
+              <a:r>
+                <a:rPr lang="ko-KR" altLang="en-US" sz="1100" dirty="0" err="1" smtClean="0">
+                  <a:solidFill>
+                    <a:schemeClr val="bg1">
+                      <a:lumMod val="50000"/>
+                    </a:schemeClr>
+                  </a:solidFill>
+                </a:rPr>
+                <a:t>무드등</a:t>
+              </a:r>
+              <a:endParaRPr lang="en-US" altLang="ko-KR" sz="1100" dirty="0" smtClean="0">
+                <a:solidFill>
+                  <a:schemeClr val="bg1">
+                    <a:lumMod val="50000"/>
+                  </a:schemeClr>
+                </a:solidFill>
+              </a:endParaRPr>
+            </a:p>
+          </p:txBody>
+        </p:sp>
+        <p:sp>
+          <p:nvSpPr>
+            <p:cNvPr id="41" name="직사각형 40"/>
+            <p:cNvSpPr/>
+            <p:nvPr/>
+          </p:nvSpPr>
+          <p:spPr>
+            <a:xfrm>
+              <a:off x="12801439" y="2937951"/>
+              <a:ext cx="335630" cy="266889"/>
+            </a:xfrm>
+            <a:prstGeom prst="rect">
+              <a:avLst/>
+            </a:prstGeom>
+            <a:solidFill>
+              <a:srgbClr val="FF0000"/>
+            </a:solidFill>
+            <a:ln w="38100">
+              <a:solidFill>
+                <a:schemeClr val="tx1"/>
+              </a:solidFill>
+            </a:ln>
+          </p:spPr>
+          <p:style>
+            <a:lnRef idx="2">
+              <a:schemeClr val="accent1">
+                <a:shade val="50000"/>
+              </a:schemeClr>
+            </a:lnRef>
+            <a:fillRef idx="1">
+              <a:schemeClr val="accent1"/>
+            </a:fillRef>
+            <a:effectRef idx="0">
+              <a:schemeClr val="accent1"/>
+            </a:effectRef>
+            <a:fontRef idx="minor">
+              <a:schemeClr val="lt1"/>
+            </a:fontRef>
+          </p:style>
+          <p:txBody>
+            <a:bodyPr rtlCol="0" anchor="ctr"/>
+            <a:lstStyle/>
+            <a:p>
+              <a:pPr algn="ctr"/>
+              <a:endParaRPr lang="ko-KR" altLang="en-US" sz="1200"/>
+            </a:p>
+          </p:txBody>
+        </p:sp>
+        <p:sp>
+          <p:nvSpPr>
+            <p:cNvPr id="42" name="제목 1"/>
+            <p:cNvSpPr txBox="1">
+              <a:spLocks/>
+            </p:cNvSpPr>
+            <p:nvPr/>
+          </p:nvSpPr>
+          <p:spPr>
+            <a:xfrm>
+              <a:off x="13160604" y="2562593"/>
+              <a:ext cx="1819447" cy="1325563"/>
+            </a:xfrm>
+            <a:prstGeom prst="rect">
+              <a:avLst/>
+            </a:prstGeom>
+          </p:spPr>
+          <p:txBody>
+            <a:bodyPr vert="horz" lIns="91440" tIns="45720" rIns="91440" bIns="45720" rtlCol="0" anchor="ctr">
+              <a:normAutofit/>
+            </a:bodyPr>
+            <a:lstStyle>
+              <a:lvl1pPr algn="l" defTabSz="914400" rtl="0" eaLnBrk="1" latinLnBrk="1" hangingPunct="1">
+                <a:lnSpc>
+                  <a:spcPct val="90000"/>
+                </a:lnSpc>
+                <a:spcBef>
+                  <a:spcPct val="0"/>
+                </a:spcBef>
+                <a:buNone/>
+                <a:defRPr sz="4400" kern="1200">
+                  <a:solidFill>
+                    <a:schemeClr val="tx1"/>
+                  </a:solidFill>
+                  <a:latin typeface="+mj-lt"/>
+                  <a:ea typeface="+mj-ea"/>
+                  <a:cs typeface="+mj-cs"/>
+                </a:defRPr>
+              </a:lvl1pPr>
+            </a:lstStyle>
+            <a:p>
+              <a:r>
+                <a:rPr lang="en-US" altLang="ko-KR" sz="1200" b="1" dirty="0" smtClean="0">
+                  <a:solidFill>
+                    <a:schemeClr val="bg1">
+                      <a:lumMod val="50000"/>
+                    </a:schemeClr>
+                  </a:solidFill>
+                </a:rPr>
+                <a:t>3</a:t>
+              </a:r>
+              <a:r>
+                <a:rPr lang="ko-KR" altLang="en-US" sz="1200" b="1" dirty="0" smtClean="0">
+                  <a:solidFill>
+                    <a:schemeClr val="bg1">
+                      <a:lumMod val="50000"/>
+                    </a:schemeClr>
+                  </a:solidFill>
+                </a:rPr>
+                <a:t>색</a:t>
+              </a:r>
+              <a:r>
+                <a:rPr lang="en-US" altLang="ko-KR" sz="1200" b="1" dirty="0" smtClean="0">
+                  <a:solidFill>
+                    <a:schemeClr val="bg1">
+                      <a:lumMod val="50000"/>
+                    </a:schemeClr>
+                  </a:solidFill>
+                </a:rPr>
+                <a:t>LED</a:t>
+              </a:r>
+              <a:r>
+                <a:rPr lang="ko-KR" altLang="en-US" sz="1200" b="1" dirty="0" smtClean="0">
+                  <a:solidFill>
+                    <a:schemeClr val="bg1">
+                      <a:lumMod val="50000"/>
+                    </a:schemeClr>
+                  </a:solidFill>
+                </a:rPr>
+                <a:t>조명</a:t>
+              </a:r>
+              <a:endParaRPr lang="en-US" altLang="ko-KR" sz="1200" b="1" dirty="0" smtClean="0">
+                <a:solidFill>
+                  <a:schemeClr val="bg1">
+                    <a:lumMod val="50000"/>
+                  </a:schemeClr>
+                </a:solidFill>
+              </a:endParaRPr>
+            </a:p>
+            <a:p>
+              <a:r>
+                <a:rPr lang="ko-KR" altLang="en-US" sz="1100" dirty="0" err="1" smtClean="0">
+                  <a:solidFill>
+                    <a:schemeClr val="bg1">
+                      <a:lumMod val="50000"/>
+                    </a:schemeClr>
+                  </a:solidFill>
+                </a:rPr>
+                <a:t>무드등</a:t>
+              </a:r>
+              <a:endParaRPr lang="en-US" altLang="ko-KR" sz="1100" dirty="0" smtClean="0">
+                <a:solidFill>
+                  <a:schemeClr val="bg1">
+                    <a:lumMod val="50000"/>
+                  </a:schemeClr>
+                </a:solidFill>
+              </a:endParaRPr>
+            </a:p>
+          </p:txBody>
+        </p:sp>
+        <p:sp>
+          <p:nvSpPr>
+            <p:cNvPr id="43" name="직사각형 42"/>
+            <p:cNvSpPr/>
+            <p:nvPr/>
+          </p:nvSpPr>
+          <p:spPr>
+            <a:xfrm>
+              <a:off x="8639343" y="2833477"/>
+              <a:ext cx="512676" cy="381873"/>
+            </a:xfrm>
+            <a:prstGeom prst="rect">
+              <a:avLst/>
+            </a:prstGeom>
+            <a:solidFill>
+              <a:srgbClr val="00B050"/>
+            </a:solidFill>
+            <a:ln w="38100">
+              <a:solidFill>
+                <a:schemeClr val="tx1"/>
+              </a:solidFill>
+            </a:ln>
+          </p:spPr>
+          <p:style>
+            <a:lnRef idx="2">
+              <a:schemeClr val="accent1">
+                <a:shade val="50000"/>
+              </a:schemeClr>
+            </a:lnRef>
+            <a:fillRef idx="1">
+              <a:schemeClr val="accent1"/>
+            </a:fillRef>
+            <a:effectRef idx="0">
+              <a:schemeClr val="accent1"/>
+            </a:effectRef>
+            <a:fontRef idx="minor">
+              <a:schemeClr val="lt1"/>
+            </a:fontRef>
+          </p:style>
+          <p:txBody>
+            <a:bodyPr rtlCol="0" anchor="ctr"/>
+            <a:lstStyle/>
+            <a:p>
+              <a:pPr algn="ctr"/>
+              <a:endParaRPr lang="ko-KR" altLang="en-US" sz="1200"/>
+            </a:p>
+          </p:txBody>
+        </p:sp>
+        <p:sp>
+          <p:nvSpPr>
+            <p:cNvPr id="44" name="제목 1"/>
+            <p:cNvSpPr txBox="1">
+              <a:spLocks/>
+            </p:cNvSpPr>
+            <p:nvPr/>
+          </p:nvSpPr>
+          <p:spPr>
+            <a:xfrm>
+              <a:off x="8460176" y="2867131"/>
+              <a:ext cx="1819447" cy="1325563"/>
+            </a:xfrm>
+            <a:prstGeom prst="rect">
+              <a:avLst/>
+            </a:prstGeom>
+          </p:spPr>
+          <p:txBody>
+            <a:bodyPr vert="horz" lIns="91440" tIns="45720" rIns="91440" bIns="45720" rtlCol="0" anchor="ctr">
+              <a:normAutofit/>
+            </a:bodyPr>
+            <a:lstStyle>
+              <a:lvl1pPr algn="l" defTabSz="914400" rtl="0" eaLnBrk="1" latinLnBrk="1" hangingPunct="1">
+                <a:lnSpc>
+                  <a:spcPct val="90000"/>
+                </a:lnSpc>
+                <a:spcBef>
+                  <a:spcPct val="0"/>
+                </a:spcBef>
+                <a:buNone/>
+                <a:defRPr sz="4400" kern="1200">
+                  <a:solidFill>
+                    <a:schemeClr val="tx1"/>
+                  </a:solidFill>
+                  <a:latin typeface="+mj-lt"/>
+                  <a:ea typeface="+mj-ea"/>
+                  <a:cs typeface="+mj-cs"/>
+                </a:defRPr>
+              </a:lvl1pPr>
+            </a:lstStyle>
+            <a:p>
+              <a:r>
+                <a:rPr lang="ko-KR" altLang="en-US" sz="1200" b="1" dirty="0" smtClean="0">
+                  <a:solidFill>
+                    <a:schemeClr val="bg1">
+                      <a:lumMod val="50000"/>
+                    </a:schemeClr>
+                  </a:solidFill>
+                </a:rPr>
+                <a:t>스피커</a:t>
+              </a:r>
+              <a:endParaRPr lang="en-US" altLang="ko-KR" sz="1200" b="1" dirty="0" smtClean="0">
+                <a:solidFill>
+                  <a:schemeClr val="bg1">
+                    <a:lumMod val="50000"/>
+                  </a:schemeClr>
+                </a:solidFill>
+              </a:endParaRPr>
+            </a:p>
+            <a:p>
+              <a:r>
+                <a:rPr lang="ko-KR" altLang="en-US" sz="1100" dirty="0" err="1" smtClean="0">
+                  <a:solidFill>
+                    <a:schemeClr val="bg1">
+                      <a:lumMod val="50000"/>
+                    </a:schemeClr>
+                  </a:solidFill>
+                </a:rPr>
+                <a:t>피에조부저</a:t>
+              </a:r>
+              <a:endParaRPr lang="en-US" altLang="ko-KR" sz="1100" dirty="0" smtClean="0">
+                <a:solidFill>
+                  <a:schemeClr val="bg1">
+                    <a:lumMod val="50000"/>
+                  </a:schemeClr>
+                </a:solidFill>
+              </a:endParaRPr>
+            </a:p>
+          </p:txBody>
+        </p:sp>
+        <p:sp>
+          <p:nvSpPr>
+            <p:cNvPr id="46" name="직사각형 45"/>
+            <p:cNvSpPr/>
+            <p:nvPr/>
+          </p:nvSpPr>
+          <p:spPr>
+            <a:xfrm>
+              <a:off x="12017650" y="1330497"/>
+              <a:ext cx="1096769" cy="381873"/>
+            </a:xfrm>
+            <a:prstGeom prst="rect">
+              <a:avLst/>
+            </a:prstGeom>
+            <a:solidFill>
+              <a:srgbClr val="00B050"/>
+            </a:solidFill>
+            <a:ln w="38100">
+              <a:solidFill>
+                <a:schemeClr val="tx1"/>
+              </a:solidFill>
+            </a:ln>
+          </p:spPr>
+          <p:style>
+            <a:lnRef idx="2">
+              <a:schemeClr val="accent1">
+                <a:shade val="50000"/>
+              </a:schemeClr>
+            </a:lnRef>
+            <a:fillRef idx="1">
+              <a:schemeClr val="accent1"/>
+            </a:fillRef>
+            <a:effectRef idx="0">
+              <a:schemeClr val="accent1"/>
+            </a:effectRef>
+            <a:fontRef idx="minor">
+              <a:schemeClr val="lt1"/>
+            </a:fontRef>
+          </p:style>
+          <p:txBody>
+            <a:bodyPr rtlCol="0" anchor="ctr"/>
+            <a:lstStyle/>
+            <a:p>
+              <a:pPr algn="ctr"/>
+              <a:endParaRPr lang="ko-KR" altLang="en-US" sz="1200"/>
+            </a:p>
+          </p:txBody>
+        </p:sp>
+        <p:sp>
+          <p:nvSpPr>
+            <p:cNvPr id="47" name="제목 1"/>
+            <p:cNvSpPr txBox="1">
+              <a:spLocks/>
+            </p:cNvSpPr>
+            <p:nvPr/>
+          </p:nvSpPr>
+          <p:spPr>
+            <a:xfrm>
+              <a:off x="11910004" y="875139"/>
+              <a:ext cx="2181989" cy="1325563"/>
+            </a:xfrm>
+            <a:prstGeom prst="rect">
+              <a:avLst/>
+            </a:prstGeom>
+          </p:spPr>
+          <p:txBody>
+            <a:bodyPr vert="horz" lIns="91440" tIns="45720" rIns="91440" bIns="45720" rtlCol="0" anchor="ctr">
+              <a:normAutofit/>
+            </a:bodyPr>
+            <a:lstStyle>
+              <a:lvl1pPr algn="l" defTabSz="914400" rtl="0" eaLnBrk="1" latinLnBrk="1" hangingPunct="1">
+                <a:lnSpc>
+                  <a:spcPct val="90000"/>
+                </a:lnSpc>
+                <a:spcBef>
+                  <a:spcPct val="0"/>
+                </a:spcBef>
+                <a:buNone/>
+                <a:defRPr sz="4400" kern="1200">
+                  <a:solidFill>
+                    <a:schemeClr val="tx1"/>
+                  </a:solidFill>
+                  <a:latin typeface="+mj-lt"/>
+                  <a:ea typeface="+mj-ea"/>
+                  <a:cs typeface="+mj-cs"/>
+                </a:defRPr>
+              </a:lvl1pPr>
+            </a:lstStyle>
+            <a:p>
+              <a:r>
+                <a:rPr lang="ko-KR" altLang="en-US" sz="1200" b="1" dirty="0" err="1" smtClean="0"/>
+                <a:t>미니피아노</a:t>
+              </a:r>
+              <a:endParaRPr lang="en-US" altLang="ko-KR" sz="1200" b="1" dirty="0" smtClean="0"/>
+            </a:p>
+          </p:txBody>
+        </p:sp>
+        <p:sp>
+          <p:nvSpPr>
+            <p:cNvPr id="48" name="직사각형 47"/>
+            <p:cNvSpPr/>
+            <p:nvPr/>
+          </p:nvSpPr>
+          <p:spPr>
+            <a:xfrm>
+              <a:off x="11151088" y="2587164"/>
+              <a:ext cx="1310120" cy="628185"/>
+            </a:xfrm>
+            <a:prstGeom prst="rect">
+              <a:avLst/>
+            </a:prstGeom>
+            <a:solidFill>
+              <a:schemeClr val="accent2">
+                <a:lumMod val="20000"/>
+                <a:lumOff val="80000"/>
+              </a:schemeClr>
+            </a:solidFill>
+            <a:ln w="38100">
+              <a:solidFill>
+                <a:schemeClr val="tx1"/>
+              </a:solidFill>
+            </a:ln>
+          </p:spPr>
+          <p:style>
+            <a:lnRef idx="2">
+              <a:schemeClr val="accent1">
+                <a:shade val="50000"/>
+              </a:schemeClr>
+            </a:lnRef>
+            <a:fillRef idx="1">
+              <a:schemeClr val="accent1"/>
+            </a:fillRef>
+            <a:effectRef idx="0">
+              <a:schemeClr val="accent1"/>
+            </a:effectRef>
+            <a:fontRef idx="minor">
+              <a:schemeClr val="lt1"/>
+            </a:fontRef>
+          </p:style>
+          <p:txBody>
+            <a:bodyPr rtlCol="0" anchor="ctr"/>
+            <a:lstStyle/>
+            <a:p>
+              <a:pPr algn="ctr"/>
+              <a:endParaRPr lang="ko-KR" altLang="en-US" sz="1200"/>
+            </a:p>
+          </p:txBody>
+        </p:sp>
+        <p:sp>
+          <p:nvSpPr>
+            <p:cNvPr id="49" name="제목 1"/>
+            <p:cNvSpPr txBox="1">
+              <a:spLocks/>
+            </p:cNvSpPr>
+            <p:nvPr/>
+          </p:nvSpPr>
+          <p:spPr>
+            <a:xfrm>
+              <a:off x="11368495" y="2244204"/>
+              <a:ext cx="1819447" cy="1325563"/>
+            </a:xfrm>
+            <a:prstGeom prst="rect">
+              <a:avLst/>
+            </a:prstGeom>
+          </p:spPr>
+          <p:txBody>
+            <a:bodyPr vert="horz" lIns="91440" tIns="45720" rIns="91440" bIns="45720" rtlCol="0" anchor="ctr">
+              <a:normAutofit/>
+            </a:bodyPr>
+            <a:lstStyle>
+              <a:lvl1pPr algn="l" defTabSz="914400" rtl="0" eaLnBrk="1" latinLnBrk="1" hangingPunct="1">
+                <a:lnSpc>
+                  <a:spcPct val="90000"/>
+                </a:lnSpc>
+                <a:spcBef>
+                  <a:spcPct val="0"/>
+                </a:spcBef>
+                <a:buNone/>
+                <a:defRPr sz="4400" kern="1200">
+                  <a:solidFill>
+                    <a:schemeClr val="tx1"/>
+                  </a:solidFill>
+                  <a:latin typeface="+mj-lt"/>
+                  <a:ea typeface="+mj-ea"/>
+                  <a:cs typeface="+mj-cs"/>
+                </a:defRPr>
+              </a:lvl1pPr>
+            </a:lstStyle>
+            <a:p>
+              <a:r>
+                <a:rPr lang="ko-KR" altLang="en-US" sz="1200" b="1" dirty="0" smtClean="0"/>
+                <a:t>책상</a:t>
+              </a:r>
+              <a:endParaRPr lang="en-US" altLang="ko-KR" sz="1100" dirty="0" smtClean="0"/>
+            </a:p>
+          </p:txBody>
+        </p:sp>
+        <p:sp>
+          <p:nvSpPr>
+            <p:cNvPr id="50" name="직사각형 49"/>
+            <p:cNvSpPr/>
+            <p:nvPr/>
+          </p:nvSpPr>
+          <p:spPr>
+            <a:xfrm>
+              <a:off x="5422917" y="2833477"/>
+              <a:ext cx="512676" cy="381873"/>
+            </a:xfrm>
+            <a:prstGeom prst="rect">
+              <a:avLst/>
+            </a:prstGeom>
+            <a:solidFill>
+              <a:srgbClr val="7030A0"/>
+            </a:solidFill>
+            <a:ln w="38100">
+              <a:solidFill>
+                <a:schemeClr val="tx1"/>
+              </a:solidFill>
+            </a:ln>
+          </p:spPr>
+          <p:style>
+            <a:lnRef idx="2">
+              <a:schemeClr val="accent1">
+                <a:shade val="50000"/>
+              </a:schemeClr>
+            </a:lnRef>
+            <a:fillRef idx="1">
+              <a:schemeClr val="accent1"/>
+            </a:fillRef>
+            <a:effectRef idx="0">
+              <a:schemeClr val="accent1"/>
+            </a:effectRef>
+            <a:fontRef idx="minor">
+              <a:schemeClr val="lt1"/>
+            </a:fontRef>
+          </p:style>
+          <p:txBody>
+            <a:bodyPr rtlCol="0" anchor="ctr"/>
+            <a:lstStyle/>
+            <a:p>
+              <a:pPr algn="ctr"/>
+              <a:endParaRPr lang="ko-KR" altLang="en-US" sz="1200"/>
+            </a:p>
+          </p:txBody>
+        </p:sp>
+        <p:sp>
+          <p:nvSpPr>
+            <p:cNvPr id="51" name="제목 1"/>
+            <p:cNvSpPr txBox="1">
+              <a:spLocks/>
+            </p:cNvSpPr>
+            <p:nvPr/>
+          </p:nvSpPr>
+          <p:spPr>
+            <a:xfrm>
+              <a:off x="5307072" y="2909173"/>
+              <a:ext cx="2224835" cy="1325563"/>
+            </a:xfrm>
+            <a:prstGeom prst="rect">
+              <a:avLst/>
+            </a:prstGeom>
+          </p:spPr>
+          <p:txBody>
+            <a:bodyPr vert="horz" lIns="91440" tIns="45720" rIns="91440" bIns="45720" rtlCol="0" anchor="ctr">
+              <a:normAutofit/>
+            </a:bodyPr>
+            <a:lstStyle>
+              <a:lvl1pPr algn="l" defTabSz="914400" rtl="0" eaLnBrk="1" latinLnBrk="1" hangingPunct="1">
+                <a:lnSpc>
+                  <a:spcPct val="90000"/>
+                </a:lnSpc>
+                <a:spcBef>
+                  <a:spcPct val="0"/>
+                </a:spcBef>
+                <a:buNone/>
+                <a:defRPr sz="4400" kern="1200">
+                  <a:solidFill>
+                    <a:schemeClr val="tx1"/>
+                  </a:solidFill>
+                  <a:latin typeface="+mj-lt"/>
+                  <a:ea typeface="+mj-ea"/>
+                  <a:cs typeface="+mj-cs"/>
+                </a:defRPr>
+              </a:lvl1pPr>
+            </a:lstStyle>
+            <a:p>
+              <a:r>
+                <a:rPr lang="ko-KR" altLang="en-US" sz="1200" b="1" dirty="0" err="1" smtClean="0">
+                  <a:solidFill>
+                    <a:schemeClr val="bg1">
+                      <a:lumMod val="50000"/>
+                    </a:schemeClr>
+                  </a:solidFill>
+                </a:rPr>
+                <a:t>화재감지</a:t>
+              </a:r>
+              <a:endParaRPr lang="en-US" altLang="ko-KR" sz="1200" b="1" dirty="0" smtClean="0">
+                <a:solidFill>
+                  <a:schemeClr val="bg1">
+                    <a:lumMod val="50000"/>
+                  </a:schemeClr>
+                </a:solidFill>
+              </a:endParaRPr>
+            </a:p>
+            <a:p>
+              <a:r>
+                <a:rPr lang="ko-KR" altLang="en-US" sz="1100" dirty="0" err="1" smtClean="0">
+                  <a:solidFill>
+                    <a:schemeClr val="bg1">
+                      <a:lumMod val="50000"/>
+                    </a:schemeClr>
+                  </a:solidFill>
+                </a:rPr>
+                <a:t>화염센서</a:t>
+              </a:r>
+              <a:r>
+                <a:rPr lang="en-US" altLang="ko-KR" sz="1100" dirty="0" smtClean="0">
+                  <a:solidFill>
+                    <a:schemeClr val="bg1">
+                      <a:lumMod val="50000"/>
+                    </a:schemeClr>
+                  </a:solidFill>
+                </a:rPr>
+                <a:t>/</a:t>
+              </a:r>
+              <a:r>
+                <a:rPr lang="ko-KR" altLang="en-US" sz="1100" dirty="0" err="1" smtClean="0">
+                  <a:solidFill>
+                    <a:schemeClr val="bg1">
+                      <a:lumMod val="50000"/>
+                    </a:schemeClr>
+                  </a:solidFill>
+                </a:rPr>
+                <a:t>피에조부저</a:t>
+              </a:r>
+              <a:endParaRPr lang="en-US" altLang="ko-KR" sz="1100" dirty="0" smtClean="0">
+                <a:solidFill>
+                  <a:schemeClr val="bg1">
+                    <a:lumMod val="50000"/>
+                  </a:schemeClr>
+                </a:solidFill>
+              </a:endParaRPr>
+            </a:p>
+          </p:txBody>
+        </p:sp>
+        <p:sp>
+          <p:nvSpPr>
+            <p:cNvPr id="52" name="모서리가 둥근 직사각형 51"/>
+            <p:cNvSpPr/>
+            <p:nvPr/>
+          </p:nvSpPr>
+          <p:spPr>
+            <a:xfrm>
+              <a:off x="5422917" y="-529873"/>
+              <a:ext cx="617845" cy="1043122"/>
+            </a:xfrm>
+            <a:prstGeom prst="roundRect">
+              <a:avLst>
+                <a:gd name="adj" fmla="val 38782"/>
+              </a:avLst>
+            </a:prstGeom>
+            <a:solidFill>
+              <a:srgbClr val="FBE5D6"/>
+            </a:solidFill>
+            <a:ln w="38100">
+              <a:solidFill>
+                <a:schemeClr val="tx1"/>
+              </a:solidFill>
+            </a:ln>
+          </p:spPr>
+          <p:style>
+            <a:lnRef idx="2">
+              <a:schemeClr val="accent1">
+                <a:shade val="50000"/>
+              </a:schemeClr>
+            </a:lnRef>
+            <a:fillRef idx="1">
+              <a:schemeClr val="accent1"/>
+            </a:fillRef>
+            <a:effectRef idx="0">
+              <a:schemeClr val="accent1"/>
+            </a:effectRef>
+            <a:fontRef idx="minor">
+              <a:schemeClr val="lt1"/>
+            </a:fontRef>
+          </p:style>
+          <p:txBody>
+            <a:bodyPr rtlCol="0" anchor="ctr"/>
+            <a:lstStyle/>
+            <a:p>
+              <a:pPr algn="ctr"/>
+              <a:endParaRPr lang="ko-KR" altLang="en-US" sz="1200"/>
+            </a:p>
+          </p:txBody>
+        </p:sp>
+        <p:sp>
+          <p:nvSpPr>
+            <p:cNvPr id="53" name="제목 1"/>
+            <p:cNvSpPr txBox="1">
+              <a:spLocks/>
+            </p:cNvSpPr>
+            <p:nvPr/>
+          </p:nvSpPr>
+          <p:spPr>
+            <a:xfrm>
+              <a:off x="5405479" y="-666508"/>
+              <a:ext cx="1819447" cy="1325563"/>
+            </a:xfrm>
+            <a:prstGeom prst="rect">
+              <a:avLst/>
+            </a:prstGeom>
+          </p:spPr>
+          <p:txBody>
+            <a:bodyPr vert="horz" lIns="91440" tIns="45720" rIns="91440" bIns="45720" rtlCol="0" anchor="ctr">
+              <a:normAutofit/>
+            </a:bodyPr>
+            <a:lstStyle>
+              <a:lvl1pPr algn="l" defTabSz="914400" rtl="0" eaLnBrk="1" latinLnBrk="1" hangingPunct="1">
+                <a:lnSpc>
+                  <a:spcPct val="90000"/>
+                </a:lnSpc>
+                <a:spcBef>
+                  <a:spcPct val="0"/>
+                </a:spcBef>
+                <a:buNone/>
+                <a:defRPr sz="4400" kern="1200">
+                  <a:solidFill>
+                    <a:schemeClr val="tx1"/>
+                  </a:solidFill>
+                  <a:latin typeface="+mj-lt"/>
+                  <a:ea typeface="+mj-ea"/>
+                  <a:cs typeface="+mj-cs"/>
+                </a:defRPr>
+              </a:lvl1pPr>
+            </a:lstStyle>
+            <a:p>
+              <a:r>
+                <a:rPr lang="ko-KR" altLang="en-US" sz="1200" b="1" dirty="0" smtClean="0"/>
+                <a:t>욕조</a:t>
+              </a:r>
+              <a:endParaRPr lang="en-US" altLang="ko-KR" sz="1100" dirty="0" smtClean="0"/>
+            </a:p>
+          </p:txBody>
+        </p:sp>
+        <p:sp>
+          <p:nvSpPr>
+            <p:cNvPr id="54" name="제목 1"/>
+            <p:cNvSpPr txBox="1">
+              <a:spLocks/>
+            </p:cNvSpPr>
+            <p:nvPr/>
+          </p:nvSpPr>
+          <p:spPr>
+            <a:xfrm>
+              <a:off x="5369745" y="247199"/>
+              <a:ext cx="2563965" cy="1325563"/>
+            </a:xfrm>
+            <a:prstGeom prst="rect">
+              <a:avLst/>
+            </a:prstGeom>
+          </p:spPr>
+          <p:txBody>
+            <a:bodyPr vert="horz" lIns="91440" tIns="45720" rIns="91440" bIns="45720" rtlCol="0" anchor="ctr">
+              <a:normAutofit/>
+            </a:bodyPr>
+            <a:lstStyle>
+              <a:lvl1pPr algn="l" defTabSz="914400" rtl="0" eaLnBrk="1" latinLnBrk="1" hangingPunct="1">
+                <a:lnSpc>
+                  <a:spcPct val="90000"/>
+                </a:lnSpc>
+                <a:spcBef>
+                  <a:spcPct val="0"/>
+                </a:spcBef>
+                <a:buNone/>
+                <a:defRPr sz="4400" kern="1200">
+                  <a:solidFill>
+                    <a:schemeClr val="tx1"/>
+                  </a:solidFill>
+                  <a:latin typeface="+mj-lt"/>
+                  <a:ea typeface="+mj-ea"/>
+                  <a:cs typeface="+mj-cs"/>
+                </a:defRPr>
+              </a:lvl1pPr>
+            </a:lstStyle>
+            <a:p>
+              <a:r>
+                <a:rPr lang="ko-KR" altLang="en-US" sz="1200" b="1" dirty="0" err="1" smtClean="0">
+                  <a:solidFill>
+                    <a:schemeClr val="bg1">
+                      <a:lumMod val="50000"/>
+                    </a:schemeClr>
+                  </a:solidFill>
+                </a:rPr>
+                <a:t>스마트욕조</a:t>
+              </a:r>
+              <a:r>
+                <a:rPr lang="en-US" altLang="ko-KR" sz="1200" b="1" dirty="0" smtClean="0">
+                  <a:solidFill>
+                    <a:schemeClr val="bg1">
+                      <a:lumMod val="50000"/>
+                    </a:schemeClr>
+                  </a:solidFill>
+                </a:rPr>
+                <a:t>(?)</a:t>
+              </a:r>
+            </a:p>
+            <a:p>
+              <a:r>
+                <a:rPr lang="ko-KR" altLang="en-US" sz="1100" dirty="0" smtClean="0">
+                  <a:solidFill>
+                    <a:schemeClr val="bg1">
+                      <a:lumMod val="50000"/>
+                    </a:schemeClr>
+                  </a:solidFill>
+                </a:rPr>
+                <a:t>온도조절</a:t>
+              </a:r>
+              <a:r>
+                <a:rPr lang="en-US" altLang="ko-KR" sz="1100" dirty="0" smtClean="0">
+                  <a:solidFill>
+                    <a:schemeClr val="bg1">
+                      <a:lumMod val="50000"/>
+                    </a:schemeClr>
+                  </a:solidFill>
+                </a:rPr>
+                <a:t>/</a:t>
+              </a:r>
+              <a:r>
+                <a:rPr lang="ko-KR" altLang="en-US" sz="1100" dirty="0" smtClean="0">
+                  <a:solidFill>
+                    <a:schemeClr val="bg1">
+                      <a:lumMod val="50000"/>
+                    </a:schemeClr>
+                  </a:solidFill>
+                </a:rPr>
+                <a:t>수위측정센서</a:t>
+              </a:r>
+              <a:endParaRPr lang="en-US" altLang="ko-KR" sz="1100" dirty="0" smtClean="0">
+                <a:solidFill>
+                  <a:schemeClr val="bg1">
+                    <a:lumMod val="50000"/>
+                  </a:schemeClr>
+                </a:solidFill>
+              </a:endParaRPr>
+            </a:p>
+            <a:p>
+              <a:r>
+                <a:rPr lang="ko-KR" altLang="en-US" sz="1100" dirty="0" smtClean="0">
+                  <a:solidFill>
+                    <a:schemeClr val="bg1">
+                      <a:lumMod val="50000"/>
+                    </a:schemeClr>
+                  </a:solidFill>
+                </a:rPr>
+                <a:t>펌프</a:t>
+              </a:r>
+              <a:endParaRPr lang="en-US" altLang="ko-KR" sz="1100" dirty="0" smtClean="0">
+                <a:solidFill>
+                  <a:schemeClr val="bg1">
+                    <a:lumMod val="50000"/>
+                  </a:schemeClr>
+                </a:solidFill>
+              </a:endParaRPr>
+            </a:p>
+          </p:txBody>
+        </p:sp>
+        <p:sp>
+          <p:nvSpPr>
+            <p:cNvPr id="55" name="직사각형 54"/>
+            <p:cNvSpPr/>
+            <p:nvPr/>
+          </p:nvSpPr>
+          <p:spPr>
+            <a:xfrm>
+              <a:off x="5128866" y="-214523"/>
+              <a:ext cx="281209" cy="677665"/>
+            </a:xfrm>
+            <a:prstGeom prst="rect">
+              <a:avLst/>
+            </a:prstGeom>
+            <a:solidFill>
+              <a:srgbClr val="7030A0"/>
+            </a:solidFill>
+            <a:ln w="38100">
+              <a:solidFill>
+                <a:schemeClr val="tx1"/>
+              </a:solidFill>
+            </a:ln>
+          </p:spPr>
+          <p:style>
+            <a:lnRef idx="2">
+              <a:schemeClr val="accent1">
+                <a:shade val="50000"/>
+              </a:schemeClr>
+            </a:lnRef>
+            <a:fillRef idx="1">
+              <a:schemeClr val="accent1"/>
+            </a:fillRef>
+            <a:effectRef idx="0">
+              <a:schemeClr val="accent1"/>
+            </a:effectRef>
+            <a:fontRef idx="minor">
+              <a:schemeClr val="lt1"/>
+            </a:fontRef>
+          </p:style>
+          <p:txBody>
+            <a:bodyPr rtlCol="0" anchor="ctr"/>
+            <a:lstStyle/>
+            <a:p>
+              <a:pPr algn="ctr"/>
+              <a:endParaRPr lang="ko-KR" altLang="en-US" sz="1200"/>
+            </a:p>
+          </p:txBody>
+        </p:sp>
+        <p:sp>
+          <p:nvSpPr>
+            <p:cNvPr id="56" name="제목 1"/>
+            <p:cNvSpPr txBox="1">
+              <a:spLocks/>
+            </p:cNvSpPr>
+            <p:nvPr/>
+          </p:nvSpPr>
+          <p:spPr>
+            <a:xfrm rot="5400000">
+              <a:off x="4408756" y="-516273"/>
+              <a:ext cx="1697205" cy="1325563"/>
+            </a:xfrm>
+            <a:prstGeom prst="rect">
+              <a:avLst/>
+            </a:prstGeom>
+          </p:spPr>
+          <p:txBody>
+            <a:bodyPr vert="horz" lIns="91440" tIns="45720" rIns="91440" bIns="45720" rtlCol="0" anchor="ctr">
+              <a:normAutofit/>
+            </a:bodyPr>
+            <a:lstStyle>
+              <a:lvl1pPr algn="l" defTabSz="914400" rtl="0" eaLnBrk="1" latinLnBrk="1" hangingPunct="1">
+                <a:lnSpc>
+                  <a:spcPct val="90000"/>
+                </a:lnSpc>
+                <a:spcBef>
+                  <a:spcPct val="0"/>
+                </a:spcBef>
+                <a:buNone/>
+                <a:defRPr sz="4400" kern="1200">
+                  <a:solidFill>
+                    <a:schemeClr val="tx1"/>
+                  </a:solidFill>
+                  <a:latin typeface="+mj-lt"/>
+                  <a:ea typeface="+mj-ea"/>
+                  <a:cs typeface="+mj-cs"/>
+                </a:defRPr>
+              </a:lvl1pPr>
+            </a:lstStyle>
+            <a:p>
+              <a:pPr algn="ctr"/>
+              <a:r>
+                <a:rPr lang="ko-KR" altLang="en-US" sz="1050" b="1" dirty="0"/>
+                <a:t>물</a:t>
+              </a:r>
+              <a:r>
+                <a:rPr lang="ko-KR" altLang="en-US" sz="1050" b="1" dirty="0" smtClean="0"/>
+                <a:t>탱크</a:t>
+              </a:r>
+              <a:endParaRPr lang="en-US" altLang="ko-KR" sz="1050" b="1" dirty="0" smtClean="0"/>
+            </a:p>
+          </p:txBody>
+        </p:sp>
+        <p:sp>
+          <p:nvSpPr>
+            <p:cNvPr id="57" name="모서리가 둥근 직사각형 56"/>
+            <p:cNvSpPr/>
+            <p:nvPr/>
+          </p:nvSpPr>
+          <p:spPr>
+            <a:xfrm>
+              <a:off x="6326807" y="-929266"/>
+              <a:ext cx="617845" cy="414892"/>
+            </a:xfrm>
+            <a:prstGeom prst="roundRect">
+              <a:avLst>
+                <a:gd name="adj" fmla="val 38782"/>
+              </a:avLst>
+            </a:prstGeom>
+            <a:solidFill>
+              <a:srgbClr val="FBE5D6"/>
+            </a:solidFill>
+            <a:ln w="38100">
+              <a:solidFill>
+                <a:schemeClr val="tx1"/>
+              </a:solidFill>
+            </a:ln>
+          </p:spPr>
+          <p:style>
+            <a:lnRef idx="2">
+              <a:schemeClr val="accent1">
+                <a:shade val="50000"/>
+              </a:schemeClr>
+            </a:lnRef>
+            <a:fillRef idx="1">
+              <a:schemeClr val="accent1"/>
+            </a:fillRef>
+            <a:effectRef idx="0">
+              <a:schemeClr val="accent1"/>
+            </a:effectRef>
+            <a:fontRef idx="minor">
+              <a:schemeClr val="lt1"/>
+            </a:fontRef>
+          </p:style>
+          <p:txBody>
+            <a:bodyPr rtlCol="0" anchor="ctr"/>
+            <a:lstStyle/>
+            <a:p>
+              <a:pPr algn="ctr"/>
+              <a:endParaRPr lang="ko-KR" altLang="en-US" sz="1200"/>
+            </a:p>
+          </p:txBody>
+        </p:sp>
+        <p:sp>
+          <p:nvSpPr>
+            <p:cNvPr id="58" name="제목 1"/>
+            <p:cNvSpPr txBox="1">
+              <a:spLocks/>
+            </p:cNvSpPr>
+            <p:nvPr/>
+          </p:nvSpPr>
+          <p:spPr>
+            <a:xfrm>
+              <a:off x="6267921" y="-1377648"/>
+              <a:ext cx="1819447" cy="1325563"/>
+            </a:xfrm>
+            <a:prstGeom prst="rect">
+              <a:avLst/>
+            </a:prstGeom>
+          </p:spPr>
+          <p:txBody>
+            <a:bodyPr vert="horz" lIns="91440" tIns="45720" rIns="91440" bIns="45720" rtlCol="0" anchor="ctr">
+              <a:normAutofit/>
+            </a:bodyPr>
+            <a:lstStyle>
+              <a:lvl1pPr algn="l" defTabSz="914400" rtl="0" eaLnBrk="1" latinLnBrk="1" hangingPunct="1">
+                <a:lnSpc>
+                  <a:spcPct val="90000"/>
+                </a:lnSpc>
+                <a:spcBef>
+                  <a:spcPct val="0"/>
+                </a:spcBef>
+                <a:buNone/>
+                <a:defRPr sz="4400" kern="1200">
+                  <a:solidFill>
+                    <a:schemeClr val="tx1"/>
+                  </a:solidFill>
+                  <a:latin typeface="+mj-lt"/>
+                  <a:ea typeface="+mj-ea"/>
+                  <a:cs typeface="+mj-cs"/>
+                </a:defRPr>
+              </a:lvl1pPr>
+            </a:lstStyle>
+            <a:p>
+              <a:r>
+                <a:rPr lang="ko-KR" altLang="en-US" sz="1050" b="1" smtClean="0"/>
+                <a:t>세면대</a:t>
+              </a:r>
+              <a:endParaRPr lang="en-US" altLang="ko-KR" sz="1000" dirty="0" smtClean="0"/>
+            </a:p>
+          </p:txBody>
+        </p:sp>
+        <p:sp>
+          <p:nvSpPr>
+            <p:cNvPr id="60" name="타원 59"/>
+            <p:cNvSpPr/>
+            <p:nvPr/>
+          </p:nvSpPr>
+          <p:spPr>
+            <a:xfrm>
+              <a:off x="10008507" y="3369389"/>
+              <a:ext cx="450746" cy="476111"/>
+            </a:xfrm>
+            <a:prstGeom prst="ellipse">
+              <a:avLst/>
+            </a:prstGeom>
+            <a:gradFill flip="none" rotWithShape="1">
+              <a:gsLst>
+                <a:gs pos="16000">
+                  <a:schemeClr val="tx1"/>
+                </a:gs>
+                <a:gs pos="89000">
+                  <a:schemeClr val="bg1">
+                    <a:lumMod val="50000"/>
+                  </a:schemeClr>
+                </a:gs>
+              </a:gsLst>
+              <a:path path="circle">
+                <a:fillToRect l="50000" t="50000" r="50000" b="50000"/>
+              </a:path>
+              <a:tileRect/>
+            </a:gradFill>
+            <a:ln>
+              <a:noFill/>
+            </a:ln>
+          </p:spPr>
+          <p:style>
+            <a:lnRef idx="2">
+              <a:schemeClr val="accent1">
+                <a:shade val="50000"/>
+              </a:schemeClr>
+            </a:lnRef>
+            <a:fillRef idx="1">
+              <a:schemeClr val="accent1"/>
+            </a:fillRef>
+            <a:effectRef idx="0">
+              <a:schemeClr val="accent1"/>
+            </a:effectRef>
+            <a:fontRef idx="minor">
+              <a:schemeClr val="lt1"/>
+            </a:fontRef>
+          </p:style>
+          <p:txBody>
+            <a:bodyPr rtlCol="0" anchor="ctr"/>
+            <a:lstStyle/>
+            <a:p>
+              <a:pPr algn="ctr"/>
+              <a:endParaRPr lang="ko-KR" altLang="en-US" sz="1200"/>
+            </a:p>
+          </p:txBody>
+        </p:sp>
+        <p:sp>
+          <p:nvSpPr>
+            <p:cNvPr id="64" name="직사각형 63"/>
+            <p:cNvSpPr/>
+            <p:nvPr/>
+          </p:nvSpPr>
+          <p:spPr>
+            <a:xfrm>
+              <a:off x="10603209" y="3431152"/>
+              <a:ext cx="172900" cy="201999"/>
+            </a:xfrm>
+            <a:prstGeom prst="rect">
+              <a:avLst/>
+            </a:prstGeom>
+            <a:solidFill>
+              <a:srgbClr val="FF0000"/>
+            </a:solidFill>
+            <a:ln w="38100">
+              <a:solidFill>
+                <a:schemeClr val="tx1"/>
+              </a:solidFill>
+            </a:ln>
+          </p:spPr>
+          <p:style>
+            <a:lnRef idx="2">
+              <a:schemeClr val="accent1">
+                <a:shade val="50000"/>
+              </a:schemeClr>
+            </a:lnRef>
+            <a:fillRef idx="1">
+              <a:schemeClr val="accent1"/>
+            </a:fillRef>
+            <a:effectRef idx="0">
+              <a:schemeClr val="accent1"/>
+            </a:effectRef>
+            <a:fontRef idx="minor">
+              <a:schemeClr val="lt1"/>
+            </a:fontRef>
+          </p:style>
+          <p:txBody>
+            <a:bodyPr rtlCol="0" anchor="ctr"/>
+            <a:lstStyle/>
+            <a:p>
+              <a:pPr algn="ctr"/>
+              <a:endParaRPr lang="ko-KR" altLang="en-US" sz="1200"/>
+            </a:p>
+          </p:txBody>
+        </p:sp>
+        <p:sp>
+          <p:nvSpPr>
+            <p:cNvPr id="65" name="직사각형 64"/>
+            <p:cNvSpPr/>
+            <p:nvPr/>
+          </p:nvSpPr>
+          <p:spPr>
+            <a:xfrm>
+              <a:off x="10548617" y="4195426"/>
+              <a:ext cx="172900" cy="201999"/>
+            </a:xfrm>
+            <a:prstGeom prst="rect">
+              <a:avLst/>
+            </a:prstGeom>
+            <a:solidFill>
+              <a:srgbClr val="FF0000"/>
+            </a:solidFill>
+            <a:ln w="38100">
+              <a:solidFill>
+                <a:schemeClr val="tx1"/>
+              </a:solidFill>
+            </a:ln>
+          </p:spPr>
+          <p:style>
+            <a:lnRef idx="2">
+              <a:schemeClr val="accent1">
+                <a:shade val="50000"/>
+              </a:schemeClr>
+            </a:lnRef>
+            <a:fillRef idx="1">
+              <a:schemeClr val="accent1"/>
+            </a:fillRef>
+            <a:effectRef idx="0">
+              <a:schemeClr val="accent1"/>
+            </a:effectRef>
+            <a:fontRef idx="minor">
+              <a:schemeClr val="lt1"/>
+            </a:fontRef>
+          </p:style>
+          <p:txBody>
+            <a:bodyPr rtlCol="0" anchor="ctr"/>
+            <a:lstStyle/>
+            <a:p>
+              <a:pPr algn="ctr"/>
+              <a:endParaRPr lang="ko-KR" altLang="en-US" sz="1200"/>
+            </a:p>
+          </p:txBody>
+        </p:sp>
+        <p:sp>
+          <p:nvSpPr>
+            <p:cNvPr id="66" name="직사각형 65"/>
+            <p:cNvSpPr/>
+            <p:nvPr/>
+          </p:nvSpPr>
+          <p:spPr>
+            <a:xfrm>
+              <a:off x="10384844" y="4959701"/>
+              <a:ext cx="172900" cy="201999"/>
+            </a:xfrm>
+            <a:prstGeom prst="rect">
+              <a:avLst/>
+            </a:prstGeom>
+            <a:solidFill>
+              <a:srgbClr val="FF0000"/>
+            </a:solidFill>
+            <a:ln w="38100">
+              <a:solidFill>
+                <a:schemeClr val="tx1"/>
+              </a:solidFill>
+            </a:ln>
+          </p:spPr>
+          <p:style>
+            <a:lnRef idx="2">
+              <a:schemeClr val="accent1">
+                <a:shade val="50000"/>
+              </a:schemeClr>
+            </a:lnRef>
+            <a:fillRef idx="1">
+              <a:schemeClr val="accent1"/>
+            </a:fillRef>
+            <a:effectRef idx="0">
+              <a:schemeClr val="accent1"/>
+            </a:effectRef>
+            <a:fontRef idx="minor">
+              <a:schemeClr val="lt1"/>
+            </a:fontRef>
+          </p:style>
+          <p:txBody>
+            <a:bodyPr rtlCol="0" anchor="ctr"/>
+            <a:lstStyle/>
+            <a:p>
+              <a:pPr algn="ctr"/>
+              <a:endParaRPr lang="ko-KR" altLang="en-US" sz="1200"/>
+            </a:p>
+          </p:txBody>
+        </p:sp>
+        <p:sp>
+          <p:nvSpPr>
+            <p:cNvPr id="67" name="직사각형 66"/>
+            <p:cNvSpPr/>
+            <p:nvPr/>
+          </p:nvSpPr>
+          <p:spPr>
+            <a:xfrm>
+              <a:off x="10111889" y="5628441"/>
+              <a:ext cx="172900" cy="201999"/>
+            </a:xfrm>
+            <a:prstGeom prst="rect">
+              <a:avLst/>
+            </a:prstGeom>
+            <a:solidFill>
+              <a:srgbClr val="FF0000"/>
+            </a:solidFill>
+            <a:ln w="38100">
+              <a:solidFill>
+                <a:schemeClr val="tx1"/>
+              </a:solidFill>
+            </a:ln>
+          </p:spPr>
+          <p:style>
+            <a:lnRef idx="2">
+              <a:schemeClr val="accent1">
+                <a:shade val="50000"/>
+              </a:schemeClr>
+            </a:lnRef>
+            <a:fillRef idx="1">
+              <a:schemeClr val="accent1"/>
+            </a:fillRef>
+            <a:effectRef idx="0">
+              <a:schemeClr val="accent1"/>
+            </a:effectRef>
+            <a:fontRef idx="minor">
+              <a:schemeClr val="lt1"/>
+            </a:fontRef>
+          </p:style>
+          <p:txBody>
+            <a:bodyPr rtlCol="0" anchor="ctr"/>
+            <a:lstStyle/>
+            <a:p>
+              <a:pPr algn="ctr"/>
+              <a:endParaRPr lang="ko-KR" altLang="en-US" sz="1200"/>
+            </a:p>
+          </p:txBody>
+        </p:sp>
+        <p:sp>
+          <p:nvSpPr>
+            <p:cNvPr id="68" name="직사각형 67"/>
+            <p:cNvSpPr/>
+            <p:nvPr/>
+          </p:nvSpPr>
+          <p:spPr>
+            <a:xfrm>
+              <a:off x="9647865" y="3444800"/>
+              <a:ext cx="172900" cy="201999"/>
+            </a:xfrm>
+            <a:prstGeom prst="rect">
+              <a:avLst/>
+            </a:prstGeom>
+            <a:solidFill>
+              <a:srgbClr val="FF0000"/>
+            </a:solidFill>
+            <a:ln w="38100">
+              <a:solidFill>
+                <a:schemeClr val="tx1"/>
+              </a:solidFill>
+            </a:ln>
+          </p:spPr>
+          <p:style>
+            <a:lnRef idx="2">
+              <a:schemeClr val="accent1">
+                <a:shade val="50000"/>
+              </a:schemeClr>
+            </a:lnRef>
+            <a:fillRef idx="1">
+              <a:schemeClr val="accent1"/>
+            </a:fillRef>
+            <a:effectRef idx="0">
+              <a:schemeClr val="accent1"/>
+            </a:effectRef>
+            <a:fontRef idx="minor">
+              <a:schemeClr val="lt1"/>
+            </a:fontRef>
+          </p:style>
+          <p:txBody>
+            <a:bodyPr rtlCol="0" anchor="ctr"/>
+            <a:lstStyle/>
+            <a:p>
+              <a:pPr algn="ctr"/>
+              <a:endParaRPr lang="ko-KR" altLang="en-US" sz="1200"/>
+            </a:p>
+          </p:txBody>
+        </p:sp>
+        <p:sp>
+          <p:nvSpPr>
+            <p:cNvPr id="69" name="직사각형 68"/>
+            <p:cNvSpPr/>
+            <p:nvPr/>
+          </p:nvSpPr>
+          <p:spPr>
+            <a:xfrm>
+              <a:off x="9538683" y="4127188"/>
+              <a:ext cx="172900" cy="201999"/>
+            </a:xfrm>
+            <a:prstGeom prst="rect">
+              <a:avLst/>
+            </a:prstGeom>
+            <a:solidFill>
+              <a:srgbClr val="FF0000"/>
+            </a:solidFill>
+            <a:ln w="38100">
+              <a:solidFill>
+                <a:schemeClr val="tx1"/>
+              </a:solidFill>
+            </a:ln>
+          </p:spPr>
+          <p:style>
+            <a:lnRef idx="2">
+              <a:schemeClr val="accent1">
+                <a:shade val="50000"/>
+              </a:schemeClr>
+            </a:lnRef>
+            <a:fillRef idx="1">
+              <a:schemeClr val="accent1"/>
+            </a:fillRef>
+            <a:effectRef idx="0">
+              <a:schemeClr val="accent1"/>
+            </a:effectRef>
+            <a:fontRef idx="minor">
+              <a:schemeClr val="lt1"/>
+            </a:fontRef>
+          </p:style>
+          <p:txBody>
+            <a:bodyPr rtlCol="0" anchor="ctr"/>
+            <a:lstStyle/>
+            <a:p>
+              <a:pPr algn="ctr"/>
+              <a:endParaRPr lang="ko-KR" altLang="en-US" sz="1200"/>
+            </a:p>
+          </p:txBody>
+        </p:sp>
+        <p:sp>
+          <p:nvSpPr>
+            <p:cNvPr id="70" name="직사각형 69"/>
+            <p:cNvSpPr/>
+            <p:nvPr/>
+          </p:nvSpPr>
+          <p:spPr>
+            <a:xfrm>
+              <a:off x="9402206" y="4782280"/>
+              <a:ext cx="172900" cy="201999"/>
+            </a:xfrm>
+            <a:prstGeom prst="rect">
+              <a:avLst/>
+            </a:prstGeom>
+            <a:solidFill>
+              <a:srgbClr val="FF0000"/>
+            </a:solidFill>
+            <a:ln w="38100">
+              <a:solidFill>
+                <a:schemeClr val="tx1"/>
+              </a:solidFill>
+            </a:ln>
+          </p:spPr>
+          <p:style>
+            <a:lnRef idx="2">
+              <a:schemeClr val="accent1">
+                <a:shade val="50000"/>
+              </a:schemeClr>
+            </a:lnRef>
+            <a:fillRef idx="1">
+              <a:schemeClr val="accent1"/>
+            </a:fillRef>
+            <a:effectRef idx="0">
+              <a:schemeClr val="accent1"/>
+            </a:effectRef>
+            <a:fontRef idx="minor">
+              <a:schemeClr val="lt1"/>
+            </a:fontRef>
+          </p:style>
+          <p:txBody>
+            <a:bodyPr rtlCol="0" anchor="ctr"/>
+            <a:lstStyle/>
+            <a:p>
+              <a:pPr algn="ctr"/>
+              <a:endParaRPr lang="ko-KR" altLang="en-US" sz="1200"/>
+            </a:p>
+          </p:txBody>
+        </p:sp>
+        <p:sp>
+          <p:nvSpPr>
+            <p:cNvPr id="81" name="직사각형 80"/>
+            <p:cNvSpPr/>
+            <p:nvPr/>
+          </p:nvSpPr>
+          <p:spPr>
+            <a:xfrm>
+              <a:off x="8019147" y="-498499"/>
+              <a:ext cx="1250560" cy="1000961"/>
+            </a:xfrm>
+            <a:prstGeom prst="rect">
+              <a:avLst/>
+            </a:prstGeom>
+            <a:solidFill>
+              <a:schemeClr val="accent2">
+                <a:lumMod val="20000"/>
+                <a:lumOff val="80000"/>
+              </a:schemeClr>
+            </a:solidFill>
+            <a:ln w="38100">
+              <a:solidFill>
+                <a:schemeClr val="tx1"/>
+              </a:solidFill>
+            </a:ln>
+          </p:spPr>
+          <p:style>
+            <a:lnRef idx="2">
+              <a:schemeClr val="accent1">
+                <a:shade val="50000"/>
+              </a:schemeClr>
+            </a:lnRef>
+            <a:fillRef idx="1">
+              <a:schemeClr val="accent1"/>
+            </a:fillRef>
+            <a:effectRef idx="0">
+              <a:schemeClr val="accent1"/>
+            </a:effectRef>
+            <a:fontRef idx="minor">
+              <a:schemeClr val="lt1"/>
+            </a:fontRef>
+          </p:style>
+          <p:txBody>
+            <a:bodyPr rtlCol="0" anchor="ctr"/>
+            <a:lstStyle/>
+            <a:p>
+              <a:pPr algn="ctr"/>
+              <a:endParaRPr lang="ko-KR" altLang="en-US" sz="1200"/>
+            </a:p>
+          </p:txBody>
+        </p:sp>
+        <p:sp>
+          <p:nvSpPr>
+            <p:cNvPr id="82" name="제목 1"/>
+            <p:cNvSpPr txBox="1">
+              <a:spLocks/>
+            </p:cNvSpPr>
+            <p:nvPr/>
+          </p:nvSpPr>
+          <p:spPr>
+            <a:xfrm>
+              <a:off x="8218116" y="-666324"/>
+              <a:ext cx="1160163" cy="1325563"/>
+            </a:xfrm>
+            <a:prstGeom prst="rect">
+              <a:avLst/>
+            </a:prstGeom>
+          </p:spPr>
+          <p:txBody>
+            <a:bodyPr vert="horz" lIns="91440" tIns="45720" rIns="91440" bIns="45720" rtlCol="0" anchor="ctr">
+              <a:normAutofit/>
+            </a:bodyPr>
+            <a:lstStyle>
+              <a:lvl1pPr algn="l" defTabSz="914400" rtl="0" eaLnBrk="1" latinLnBrk="1" hangingPunct="1">
+                <a:lnSpc>
+                  <a:spcPct val="90000"/>
+                </a:lnSpc>
+                <a:spcBef>
+                  <a:spcPct val="0"/>
+                </a:spcBef>
+                <a:buNone/>
+                <a:defRPr sz="4400" kern="1200">
+                  <a:solidFill>
+                    <a:schemeClr val="tx1"/>
+                  </a:solidFill>
+                  <a:latin typeface="+mj-lt"/>
+                  <a:ea typeface="+mj-ea"/>
+                  <a:cs typeface="+mj-cs"/>
+                </a:defRPr>
+              </a:lvl1pPr>
+            </a:lstStyle>
+            <a:p>
+              <a:r>
+                <a:rPr lang="ko-KR" altLang="en-US" sz="1200" b="1" dirty="0" err="1" smtClean="0"/>
+                <a:t>카페트</a:t>
+              </a:r>
+              <a:endParaRPr lang="en-US" altLang="ko-KR" sz="1100" dirty="0" smtClean="0"/>
+            </a:p>
+          </p:txBody>
+        </p:sp>
+        <p:sp>
+          <p:nvSpPr>
+            <p:cNvPr id="71" name="직사각형 70"/>
+            <p:cNvSpPr/>
+            <p:nvPr/>
+          </p:nvSpPr>
+          <p:spPr>
+            <a:xfrm>
+              <a:off x="9074660" y="5478316"/>
+              <a:ext cx="172900" cy="201999"/>
+            </a:xfrm>
+            <a:prstGeom prst="rect">
+              <a:avLst/>
+            </a:prstGeom>
+            <a:solidFill>
+              <a:srgbClr val="FF0000"/>
+            </a:solidFill>
+            <a:ln w="38100">
+              <a:solidFill>
+                <a:schemeClr val="tx1"/>
+              </a:solidFill>
+            </a:ln>
+          </p:spPr>
+          <p:style>
+            <a:lnRef idx="2">
+              <a:schemeClr val="accent1">
+                <a:shade val="50000"/>
+              </a:schemeClr>
+            </a:lnRef>
+            <a:fillRef idx="1">
+              <a:schemeClr val="accent1"/>
+            </a:fillRef>
+            <a:effectRef idx="0">
+              <a:schemeClr val="accent1"/>
+            </a:effectRef>
+            <a:fontRef idx="minor">
+              <a:schemeClr val="lt1"/>
+            </a:fontRef>
+          </p:style>
+          <p:txBody>
+            <a:bodyPr rtlCol="0" anchor="ctr"/>
+            <a:lstStyle/>
+            <a:p>
+              <a:pPr algn="ctr"/>
+              <a:endParaRPr lang="ko-KR" altLang="en-US" sz="1200"/>
+            </a:p>
+          </p:txBody>
+        </p:sp>
+        <p:sp>
+          <p:nvSpPr>
+            <p:cNvPr id="72" name="제목 1"/>
+            <p:cNvSpPr txBox="1">
+              <a:spLocks/>
+            </p:cNvSpPr>
+            <p:nvPr/>
+          </p:nvSpPr>
+          <p:spPr>
+            <a:xfrm>
+              <a:off x="10867780" y="4254915"/>
+              <a:ext cx="1819447" cy="1325563"/>
+            </a:xfrm>
+            <a:prstGeom prst="rect">
+              <a:avLst/>
+            </a:prstGeom>
+          </p:spPr>
+          <p:txBody>
+            <a:bodyPr vert="horz" lIns="91440" tIns="45720" rIns="91440" bIns="45720" rtlCol="0" anchor="ctr">
+              <a:normAutofit/>
+            </a:bodyPr>
+            <a:lstStyle>
+              <a:lvl1pPr algn="l" defTabSz="914400" rtl="0" eaLnBrk="1" latinLnBrk="1" hangingPunct="1">
+                <a:lnSpc>
+                  <a:spcPct val="90000"/>
+                </a:lnSpc>
+                <a:spcBef>
+                  <a:spcPct val="0"/>
+                </a:spcBef>
+                <a:buNone/>
+                <a:defRPr sz="4400" kern="1200">
+                  <a:solidFill>
+                    <a:schemeClr val="tx1"/>
+                  </a:solidFill>
+                  <a:latin typeface="+mj-lt"/>
+                  <a:ea typeface="+mj-ea"/>
+                  <a:cs typeface="+mj-cs"/>
+                </a:defRPr>
+              </a:lvl1pPr>
+            </a:lstStyle>
+            <a:p>
+              <a:r>
+                <a:rPr lang="en-US" altLang="ko-KR" sz="1200" b="1" dirty="0" smtClean="0">
+                  <a:solidFill>
+                    <a:schemeClr val="bg1">
+                      <a:lumMod val="50000"/>
+                    </a:schemeClr>
+                  </a:solidFill>
+                </a:rPr>
+                <a:t>LED</a:t>
+              </a:r>
+              <a:r>
+                <a:rPr lang="ko-KR" altLang="en-US" sz="1200" b="1" dirty="0" smtClean="0">
+                  <a:solidFill>
+                    <a:schemeClr val="bg1">
+                      <a:lumMod val="50000"/>
+                    </a:schemeClr>
+                  </a:solidFill>
+                </a:rPr>
+                <a:t>조명</a:t>
+              </a:r>
+              <a:endParaRPr lang="en-US" altLang="ko-KR" sz="1200" b="1" dirty="0" smtClean="0">
+                <a:solidFill>
+                  <a:schemeClr val="bg1">
+                    <a:lumMod val="50000"/>
+                  </a:schemeClr>
+                </a:solidFill>
+              </a:endParaRPr>
+            </a:p>
+            <a:p>
+              <a:r>
+                <a:rPr lang="ko-KR" altLang="en-US" sz="1100" dirty="0" err="1" smtClean="0">
+                  <a:solidFill>
+                    <a:schemeClr val="bg1">
+                      <a:lumMod val="50000"/>
+                    </a:schemeClr>
+                  </a:solidFill>
+                </a:rPr>
+                <a:t>동선표시</a:t>
+              </a:r>
+              <a:endParaRPr lang="en-US" altLang="ko-KR" sz="1100" dirty="0" smtClean="0">
+                <a:solidFill>
+                  <a:schemeClr val="bg1">
+                    <a:lumMod val="50000"/>
+                  </a:schemeClr>
+                </a:solidFill>
+              </a:endParaRPr>
+            </a:p>
+          </p:txBody>
+        </p:sp>
+        <p:sp>
+          <p:nvSpPr>
+            <p:cNvPr id="73" name="직사각형 72"/>
+            <p:cNvSpPr/>
+            <p:nvPr/>
+          </p:nvSpPr>
+          <p:spPr>
+            <a:xfrm>
+              <a:off x="6339972" y="1316755"/>
+              <a:ext cx="1961214" cy="497858"/>
+            </a:xfrm>
+            <a:prstGeom prst="rect">
+              <a:avLst/>
+            </a:prstGeom>
+            <a:solidFill>
+              <a:schemeClr val="accent2">
+                <a:lumMod val="20000"/>
+                <a:lumOff val="80000"/>
+              </a:schemeClr>
+            </a:solidFill>
+            <a:ln w="38100">
+              <a:solidFill>
+                <a:schemeClr val="tx1"/>
+              </a:solidFill>
+            </a:ln>
+          </p:spPr>
+          <p:style>
+            <a:lnRef idx="2">
+              <a:schemeClr val="accent1">
+                <a:shade val="50000"/>
+              </a:schemeClr>
+            </a:lnRef>
+            <a:fillRef idx="1">
+              <a:schemeClr val="accent1"/>
+            </a:fillRef>
+            <a:effectRef idx="0">
+              <a:schemeClr val="accent1"/>
+            </a:effectRef>
+            <a:fontRef idx="minor">
+              <a:schemeClr val="lt1"/>
+            </a:fontRef>
+          </p:style>
+          <p:txBody>
+            <a:bodyPr rtlCol="0" anchor="ctr"/>
+            <a:lstStyle/>
+            <a:p>
+              <a:pPr algn="ctr"/>
+              <a:endParaRPr lang="ko-KR" altLang="en-US" sz="1200"/>
+            </a:p>
+          </p:txBody>
+        </p:sp>
+        <p:sp>
+          <p:nvSpPr>
+            <p:cNvPr id="74" name="제목 1"/>
+            <p:cNvSpPr txBox="1">
+              <a:spLocks/>
+            </p:cNvSpPr>
+            <p:nvPr/>
+          </p:nvSpPr>
+          <p:spPr>
+            <a:xfrm>
+              <a:off x="6893159" y="918133"/>
+              <a:ext cx="1819447" cy="1325563"/>
+            </a:xfrm>
+            <a:prstGeom prst="rect">
+              <a:avLst/>
+            </a:prstGeom>
+          </p:spPr>
+          <p:txBody>
+            <a:bodyPr vert="horz" lIns="91440" tIns="45720" rIns="91440" bIns="45720" rtlCol="0" anchor="ctr">
+              <a:normAutofit/>
+            </a:bodyPr>
+            <a:lstStyle>
+              <a:lvl1pPr algn="l" defTabSz="914400" rtl="0" eaLnBrk="1" latinLnBrk="1" hangingPunct="1">
+                <a:lnSpc>
+                  <a:spcPct val="90000"/>
+                </a:lnSpc>
+                <a:spcBef>
+                  <a:spcPct val="0"/>
+                </a:spcBef>
+                <a:buNone/>
+                <a:defRPr sz="4400" kern="1200">
+                  <a:solidFill>
+                    <a:schemeClr val="tx1"/>
+                  </a:solidFill>
+                  <a:latin typeface="+mj-lt"/>
+                  <a:ea typeface="+mj-ea"/>
+                  <a:cs typeface="+mj-cs"/>
+                </a:defRPr>
+              </a:lvl1pPr>
+            </a:lstStyle>
+            <a:p>
+              <a:r>
+                <a:rPr lang="ko-KR" altLang="en-US" sz="1200" b="1" dirty="0" smtClean="0"/>
+                <a:t>싱크대</a:t>
+              </a:r>
+              <a:endParaRPr lang="en-US" altLang="ko-KR" sz="1100" dirty="0" smtClean="0"/>
+            </a:p>
+          </p:txBody>
+        </p:sp>
+        <p:sp>
+          <p:nvSpPr>
+            <p:cNvPr id="75" name="타원 74"/>
+            <p:cNvSpPr/>
+            <p:nvPr/>
+          </p:nvSpPr>
+          <p:spPr>
+            <a:xfrm>
+              <a:off x="9926620" y="4106368"/>
+              <a:ext cx="450746" cy="476111"/>
+            </a:xfrm>
+            <a:prstGeom prst="ellipse">
+              <a:avLst/>
+            </a:prstGeom>
+            <a:gradFill flip="none" rotWithShape="1">
+              <a:gsLst>
+                <a:gs pos="16000">
+                  <a:schemeClr val="tx1"/>
+                </a:gs>
+                <a:gs pos="89000">
+                  <a:schemeClr val="bg1">
+                    <a:lumMod val="50000"/>
+                  </a:schemeClr>
+                </a:gs>
+              </a:gsLst>
+              <a:path path="circle">
+                <a:fillToRect l="50000" t="50000" r="50000" b="50000"/>
+              </a:path>
+              <a:tileRect/>
+            </a:gradFill>
+            <a:ln>
+              <a:noFill/>
+            </a:ln>
+          </p:spPr>
+          <p:style>
+            <a:lnRef idx="2">
+              <a:schemeClr val="accent1">
+                <a:shade val="50000"/>
+              </a:schemeClr>
+            </a:lnRef>
+            <a:fillRef idx="1">
+              <a:schemeClr val="accent1"/>
+            </a:fillRef>
+            <a:effectRef idx="0">
+              <a:schemeClr val="accent1"/>
+            </a:effectRef>
+            <a:fontRef idx="minor">
+              <a:schemeClr val="lt1"/>
+            </a:fontRef>
+          </p:style>
+          <p:txBody>
+            <a:bodyPr rtlCol="0" anchor="ctr"/>
+            <a:lstStyle/>
+            <a:p>
+              <a:pPr algn="ctr"/>
+              <a:endParaRPr lang="ko-KR" altLang="en-US" sz="1200"/>
+            </a:p>
+          </p:txBody>
+        </p:sp>
+        <p:sp>
+          <p:nvSpPr>
+            <p:cNvPr id="76" name="타원 75"/>
+            <p:cNvSpPr/>
+            <p:nvPr/>
+          </p:nvSpPr>
+          <p:spPr>
+            <a:xfrm>
+              <a:off x="9721904" y="4843347"/>
+              <a:ext cx="450746" cy="476111"/>
+            </a:xfrm>
+            <a:prstGeom prst="ellipse">
+              <a:avLst/>
+            </a:prstGeom>
+            <a:gradFill flip="none" rotWithShape="1">
+              <a:gsLst>
+                <a:gs pos="16000">
+                  <a:schemeClr val="tx1"/>
+                </a:gs>
+                <a:gs pos="89000">
+                  <a:schemeClr val="bg1">
+                    <a:lumMod val="50000"/>
+                  </a:schemeClr>
+                </a:gs>
+              </a:gsLst>
+              <a:path path="circle">
+                <a:fillToRect l="50000" t="50000" r="50000" b="50000"/>
+              </a:path>
+              <a:tileRect/>
+            </a:gradFill>
+            <a:ln>
+              <a:noFill/>
+            </a:ln>
+          </p:spPr>
+          <p:style>
+            <a:lnRef idx="2">
+              <a:schemeClr val="accent1">
+                <a:shade val="50000"/>
+              </a:schemeClr>
+            </a:lnRef>
+            <a:fillRef idx="1">
+              <a:schemeClr val="accent1"/>
+            </a:fillRef>
+            <a:effectRef idx="0">
+              <a:schemeClr val="accent1"/>
+            </a:effectRef>
+            <a:fontRef idx="minor">
+              <a:schemeClr val="lt1"/>
+            </a:fontRef>
+          </p:style>
+          <p:txBody>
+            <a:bodyPr rtlCol="0" anchor="ctr"/>
+            <a:lstStyle/>
+            <a:p>
+              <a:pPr algn="ctr"/>
+              <a:endParaRPr lang="ko-KR" altLang="en-US" sz="1200"/>
+            </a:p>
+          </p:txBody>
+        </p:sp>
+        <p:sp>
+          <p:nvSpPr>
+            <p:cNvPr id="77" name="타원 76"/>
+            <p:cNvSpPr/>
+            <p:nvPr/>
+          </p:nvSpPr>
+          <p:spPr>
+            <a:xfrm>
+              <a:off x="9462596" y="5402905"/>
+              <a:ext cx="450746" cy="476111"/>
+            </a:xfrm>
+            <a:prstGeom prst="ellipse">
+              <a:avLst/>
+            </a:prstGeom>
+            <a:gradFill flip="none" rotWithShape="1">
+              <a:gsLst>
+                <a:gs pos="16000">
+                  <a:schemeClr val="tx1"/>
+                </a:gs>
+                <a:gs pos="89000">
+                  <a:schemeClr val="bg1">
+                    <a:lumMod val="50000"/>
+                  </a:schemeClr>
+                </a:gs>
+              </a:gsLst>
+              <a:path path="circle">
+                <a:fillToRect l="50000" t="50000" r="50000" b="50000"/>
+              </a:path>
+              <a:tileRect/>
+            </a:gradFill>
+            <a:ln>
+              <a:noFill/>
+            </a:ln>
+          </p:spPr>
+          <p:style>
+            <a:lnRef idx="2">
+              <a:schemeClr val="accent1">
+                <a:shade val="50000"/>
+              </a:schemeClr>
+            </a:lnRef>
+            <a:fillRef idx="1">
+              <a:schemeClr val="accent1"/>
+            </a:fillRef>
+            <a:effectRef idx="0">
+              <a:schemeClr val="accent1"/>
+            </a:effectRef>
+            <a:fontRef idx="minor">
+              <a:schemeClr val="lt1"/>
+            </a:fontRef>
+          </p:style>
+          <p:txBody>
+            <a:bodyPr rtlCol="0" anchor="ctr"/>
+            <a:lstStyle/>
+            <a:p>
+              <a:pPr algn="ctr"/>
+              <a:endParaRPr lang="ko-KR" altLang="en-US" sz="1200"/>
+            </a:p>
+          </p:txBody>
+        </p:sp>
+        <p:sp>
+          <p:nvSpPr>
+            <p:cNvPr id="78" name="자유형 77"/>
+            <p:cNvSpPr/>
+            <p:nvPr/>
+          </p:nvSpPr>
+          <p:spPr>
+            <a:xfrm>
+              <a:off x="4587713" y="4295294"/>
+              <a:ext cx="2926207" cy="1583721"/>
+            </a:xfrm>
+            <a:custGeom>
+              <a:avLst/>
+              <a:gdLst>
+                <a:gd name="connsiteX0" fmla="*/ 1859688 w 3006100"/>
+                <a:gd name="connsiteY0" fmla="*/ 54591 h 1160059"/>
+                <a:gd name="connsiteX1" fmla="*/ 1859688 w 3006100"/>
+                <a:gd name="connsiteY1" fmla="*/ 54591 h 1160059"/>
+                <a:gd name="connsiteX2" fmla="*/ 1654971 w 3006100"/>
+                <a:gd name="connsiteY2" fmla="*/ 40943 h 1160059"/>
+                <a:gd name="connsiteX3" fmla="*/ 1614028 w 3006100"/>
+                <a:gd name="connsiteY3" fmla="*/ 27295 h 1160059"/>
+                <a:gd name="connsiteX4" fmla="*/ 1532141 w 3006100"/>
+                <a:gd name="connsiteY4" fmla="*/ 13647 h 1160059"/>
+                <a:gd name="connsiteX5" fmla="*/ 1463903 w 3006100"/>
+                <a:gd name="connsiteY5" fmla="*/ 0 h 1160059"/>
+                <a:gd name="connsiteX6" fmla="*/ 1218243 w 3006100"/>
+                <a:gd name="connsiteY6" fmla="*/ 13647 h 1160059"/>
+                <a:gd name="connsiteX7" fmla="*/ 1150004 w 3006100"/>
+                <a:gd name="connsiteY7" fmla="*/ 27295 h 1160059"/>
+                <a:gd name="connsiteX8" fmla="*/ 1054470 w 3006100"/>
+                <a:gd name="connsiteY8" fmla="*/ 68238 h 1160059"/>
+                <a:gd name="connsiteX9" fmla="*/ 972583 w 3006100"/>
+                <a:gd name="connsiteY9" fmla="*/ 109182 h 1160059"/>
+                <a:gd name="connsiteX10" fmla="*/ 931640 w 3006100"/>
+                <a:gd name="connsiteY10" fmla="*/ 136477 h 1160059"/>
+                <a:gd name="connsiteX11" fmla="*/ 890697 w 3006100"/>
+                <a:gd name="connsiteY11" fmla="*/ 150125 h 1160059"/>
+                <a:gd name="connsiteX12" fmla="*/ 781515 w 3006100"/>
+                <a:gd name="connsiteY12" fmla="*/ 177420 h 1160059"/>
+                <a:gd name="connsiteX13" fmla="*/ 740571 w 3006100"/>
+                <a:gd name="connsiteY13" fmla="*/ 191068 h 1160059"/>
+                <a:gd name="connsiteX14" fmla="*/ 604094 w 3006100"/>
+                <a:gd name="connsiteY14" fmla="*/ 204716 h 1160059"/>
+                <a:gd name="connsiteX15" fmla="*/ 535855 w 3006100"/>
+                <a:gd name="connsiteY15" fmla="*/ 218364 h 1160059"/>
+                <a:gd name="connsiteX16" fmla="*/ 453968 w 3006100"/>
+                <a:gd name="connsiteY16" fmla="*/ 232012 h 1160059"/>
+                <a:gd name="connsiteX17" fmla="*/ 372082 w 3006100"/>
+                <a:gd name="connsiteY17" fmla="*/ 259307 h 1160059"/>
+                <a:gd name="connsiteX18" fmla="*/ 262900 w 3006100"/>
+                <a:gd name="connsiteY18" fmla="*/ 300250 h 1160059"/>
+                <a:gd name="connsiteX19" fmla="*/ 208309 w 3006100"/>
+                <a:gd name="connsiteY19" fmla="*/ 327546 h 1160059"/>
+                <a:gd name="connsiteX20" fmla="*/ 167365 w 3006100"/>
+                <a:gd name="connsiteY20" fmla="*/ 368489 h 1160059"/>
+                <a:gd name="connsiteX21" fmla="*/ 126422 w 3006100"/>
+                <a:gd name="connsiteY21" fmla="*/ 395785 h 1160059"/>
+                <a:gd name="connsiteX22" fmla="*/ 71831 w 3006100"/>
+                <a:gd name="connsiteY22" fmla="*/ 477671 h 1160059"/>
+                <a:gd name="connsiteX23" fmla="*/ 17240 w 3006100"/>
+                <a:gd name="connsiteY23" fmla="*/ 573206 h 1160059"/>
+                <a:gd name="connsiteX24" fmla="*/ 17240 w 3006100"/>
+                <a:gd name="connsiteY24" fmla="*/ 887104 h 1160059"/>
+                <a:gd name="connsiteX25" fmla="*/ 85479 w 3006100"/>
+                <a:gd name="connsiteY25" fmla="*/ 1009934 h 1160059"/>
+                <a:gd name="connsiteX26" fmla="*/ 126422 w 3006100"/>
+                <a:gd name="connsiteY26" fmla="*/ 1037229 h 1160059"/>
+                <a:gd name="connsiteX27" fmla="*/ 153718 w 3006100"/>
+                <a:gd name="connsiteY27" fmla="*/ 1078173 h 1160059"/>
+                <a:gd name="connsiteX28" fmla="*/ 221956 w 3006100"/>
+                <a:gd name="connsiteY28" fmla="*/ 1091820 h 1160059"/>
+                <a:gd name="connsiteX29" fmla="*/ 372082 w 3006100"/>
+                <a:gd name="connsiteY29" fmla="*/ 1119116 h 1160059"/>
+                <a:gd name="connsiteX30" fmla="*/ 877049 w 3006100"/>
+                <a:gd name="connsiteY30" fmla="*/ 1105468 h 1160059"/>
+                <a:gd name="connsiteX31" fmla="*/ 958936 w 3006100"/>
+                <a:gd name="connsiteY31" fmla="*/ 1078173 h 1160059"/>
+                <a:gd name="connsiteX32" fmla="*/ 1586733 w 3006100"/>
+                <a:gd name="connsiteY32" fmla="*/ 1091820 h 1160059"/>
+                <a:gd name="connsiteX33" fmla="*/ 1654971 w 3006100"/>
+                <a:gd name="connsiteY33" fmla="*/ 1105468 h 1160059"/>
+                <a:gd name="connsiteX34" fmla="*/ 1805097 w 3006100"/>
+                <a:gd name="connsiteY34" fmla="*/ 1119116 h 1160059"/>
+                <a:gd name="connsiteX35" fmla="*/ 1927927 w 3006100"/>
+                <a:gd name="connsiteY35" fmla="*/ 1146412 h 1160059"/>
+                <a:gd name="connsiteX36" fmla="*/ 2078052 w 3006100"/>
+                <a:gd name="connsiteY36" fmla="*/ 1160059 h 1160059"/>
+                <a:gd name="connsiteX37" fmla="*/ 2623962 w 3006100"/>
+                <a:gd name="connsiteY37" fmla="*/ 1146412 h 1160059"/>
+                <a:gd name="connsiteX38" fmla="*/ 2692201 w 3006100"/>
+                <a:gd name="connsiteY38" fmla="*/ 1132764 h 1160059"/>
+                <a:gd name="connsiteX39" fmla="*/ 2774088 w 3006100"/>
+                <a:gd name="connsiteY39" fmla="*/ 1119116 h 1160059"/>
+                <a:gd name="connsiteX40" fmla="*/ 2815031 w 3006100"/>
+                <a:gd name="connsiteY40" fmla="*/ 1105468 h 1160059"/>
+                <a:gd name="connsiteX41" fmla="*/ 2910565 w 3006100"/>
+                <a:gd name="connsiteY41" fmla="*/ 1023582 h 1160059"/>
+                <a:gd name="connsiteX42" fmla="*/ 2937861 w 3006100"/>
+                <a:gd name="connsiteY42" fmla="*/ 968991 h 1160059"/>
+                <a:gd name="connsiteX43" fmla="*/ 2965156 w 3006100"/>
+                <a:gd name="connsiteY43" fmla="*/ 887104 h 1160059"/>
+                <a:gd name="connsiteX44" fmla="*/ 2992452 w 3006100"/>
+                <a:gd name="connsiteY44" fmla="*/ 846161 h 1160059"/>
+                <a:gd name="connsiteX45" fmla="*/ 3006100 w 3006100"/>
+                <a:gd name="connsiteY45" fmla="*/ 764274 h 1160059"/>
+                <a:gd name="connsiteX46" fmla="*/ 2992452 w 3006100"/>
+                <a:gd name="connsiteY46" fmla="*/ 696035 h 1160059"/>
+                <a:gd name="connsiteX47" fmla="*/ 2910565 w 3006100"/>
+                <a:gd name="connsiteY47" fmla="*/ 627797 h 1160059"/>
+                <a:gd name="connsiteX48" fmla="*/ 2801383 w 3006100"/>
+                <a:gd name="connsiteY48" fmla="*/ 504967 h 1160059"/>
+                <a:gd name="connsiteX49" fmla="*/ 2760440 w 3006100"/>
+                <a:gd name="connsiteY49" fmla="*/ 464023 h 1160059"/>
+                <a:gd name="connsiteX50" fmla="*/ 2678553 w 3006100"/>
+                <a:gd name="connsiteY50" fmla="*/ 368489 h 1160059"/>
+                <a:gd name="connsiteX51" fmla="*/ 2637610 w 3006100"/>
+                <a:gd name="connsiteY51" fmla="*/ 354841 h 1160059"/>
+                <a:gd name="connsiteX52" fmla="*/ 2583019 w 3006100"/>
+                <a:gd name="connsiteY52" fmla="*/ 327546 h 1160059"/>
+                <a:gd name="connsiteX53" fmla="*/ 2542076 w 3006100"/>
+                <a:gd name="connsiteY53" fmla="*/ 313898 h 1160059"/>
+                <a:gd name="connsiteX54" fmla="*/ 2501133 w 3006100"/>
+                <a:gd name="connsiteY54" fmla="*/ 286603 h 1160059"/>
+                <a:gd name="connsiteX55" fmla="*/ 2310064 w 3006100"/>
+                <a:gd name="connsiteY55" fmla="*/ 245659 h 1160059"/>
+                <a:gd name="connsiteX56" fmla="*/ 2255473 w 3006100"/>
+                <a:gd name="connsiteY56" fmla="*/ 232012 h 1160059"/>
+                <a:gd name="connsiteX57" fmla="*/ 2173586 w 3006100"/>
+                <a:gd name="connsiteY57" fmla="*/ 204716 h 1160059"/>
+                <a:gd name="connsiteX58" fmla="*/ 2091700 w 3006100"/>
+                <a:gd name="connsiteY58" fmla="*/ 150125 h 1160059"/>
+                <a:gd name="connsiteX59" fmla="*/ 1873336 w 3006100"/>
+                <a:gd name="connsiteY59" fmla="*/ 122829 h 1160059"/>
+                <a:gd name="connsiteX60" fmla="*/ 1859688 w 3006100"/>
+                <a:gd name="connsiteY60" fmla="*/ 54591 h 1160059"/>
+              </a:gdLst>
+              <a:ahLst/>
+              <a:cxnLst>
+                <a:cxn ang="0">
+                  <a:pos x="connsiteX0" y="connsiteY0"/>
+                </a:cxn>
+                <a:cxn ang="0">
+                  <a:pos x="connsiteX1" y="connsiteY1"/>
+                </a:cxn>
+                <a:cxn ang="0">
+                  <a:pos x="connsiteX2" y="connsiteY2"/>
+                </a:cxn>
+                <a:cxn ang="0">
+                  <a:pos x="connsiteX3" y="connsiteY3"/>
+                </a:cxn>
+                <a:cxn ang="0">
+                  <a:pos x="connsiteX4" y="connsiteY4"/>
+                </a:cxn>
+                <a:cxn ang="0">
+                  <a:pos x="connsiteX5" y="connsiteY5"/>
+                </a:cxn>
+                <a:cxn ang="0">
+                  <a:pos x="connsiteX6" y="connsiteY6"/>
+                </a:cxn>
+                <a:cxn ang="0">
+                  <a:pos x="connsiteX7" y="connsiteY7"/>
+                </a:cxn>
+                <a:cxn ang="0">
+                  <a:pos x="connsiteX8" y="connsiteY8"/>
+                </a:cxn>
+                <a:cxn ang="0">
+                  <a:pos x="connsiteX9" y="connsiteY9"/>
+                </a:cxn>
+                <a:cxn ang="0">
+                  <a:pos x="connsiteX10" y="connsiteY10"/>
+                </a:cxn>
+                <a:cxn ang="0">
+                  <a:pos x="connsiteX11" y="connsiteY11"/>
+                </a:cxn>
+                <a:cxn ang="0">
+                  <a:pos x="connsiteX12" y="connsiteY12"/>
+                </a:cxn>
+                <a:cxn ang="0">
+                  <a:pos x="connsiteX13" y="connsiteY13"/>
+                </a:cxn>
+                <a:cxn ang="0">
+                  <a:pos x="connsiteX14" y="connsiteY14"/>
+                </a:cxn>
+                <a:cxn ang="0">
+                  <a:pos x="connsiteX15" y="connsiteY15"/>
+                </a:cxn>
+                <a:cxn ang="0">
+                  <a:pos x="connsiteX16" y="connsiteY16"/>
+                </a:cxn>
+                <a:cxn ang="0">
+                  <a:pos x="connsiteX17" y="connsiteY17"/>
+                </a:cxn>
+                <a:cxn ang="0">
+                  <a:pos x="connsiteX18" y="connsiteY18"/>
+                </a:cxn>
+                <a:cxn ang="0">
+                  <a:pos x="connsiteX19" y="connsiteY19"/>
+                </a:cxn>
+                <a:cxn ang="0">
+                  <a:pos x="connsiteX20" y="connsiteY20"/>
+                </a:cxn>
+                <a:cxn ang="0">
+                  <a:pos x="connsiteX21" y="connsiteY21"/>
+                </a:cxn>
+                <a:cxn ang="0">
+                  <a:pos x="connsiteX22" y="connsiteY22"/>
+                </a:cxn>
+                <a:cxn ang="0">
+                  <a:pos x="connsiteX23" y="connsiteY23"/>
+                </a:cxn>
+                <a:cxn ang="0">
+                  <a:pos x="connsiteX24" y="connsiteY24"/>
+                </a:cxn>
+                <a:cxn ang="0">
+                  <a:pos x="connsiteX25" y="connsiteY25"/>
+                </a:cxn>
+                <a:cxn ang="0">
+                  <a:pos x="connsiteX26" y="connsiteY26"/>
+                </a:cxn>
+                <a:cxn ang="0">
+                  <a:pos x="connsiteX27" y="connsiteY27"/>
+                </a:cxn>
+                <a:cxn ang="0">
+                  <a:pos x="connsiteX28" y="connsiteY28"/>
+                </a:cxn>
+                <a:cxn ang="0">
+                  <a:pos x="connsiteX29" y="connsiteY29"/>
+                </a:cxn>
+                <a:cxn ang="0">
+                  <a:pos x="connsiteX30" y="connsiteY30"/>
+                </a:cxn>
+                <a:cxn ang="0">
+                  <a:pos x="connsiteX31" y="connsiteY31"/>
+                </a:cxn>
+                <a:cxn ang="0">
+                  <a:pos x="connsiteX32" y="connsiteY32"/>
+                </a:cxn>
+                <a:cxn ang="0">
+                  <a:pos x="connsiteX33" y="connsiteY33"/>
+                </a:cxn>
+                <a:cxn ang="0">
+                  <a:pos x="connsiteX34" y="connsiteY34"/>
+                </a:cxn>
+                <a:cxn ang="0">
+                  <a:pos x="connsiteX35" y="connsiteY35"/>
+                </a:cxn>
+                <a:cxn ang="0">
+                  <a:pos x="connsiteX36" y="connsiteY36"/>
+                </a:cxn>
+                <a:cxn ang="0">
+                  <a:pos x="connsiteX37" y="connsiteY37"/>
+                </a:cxn>
+                <a:cxn ang="0">
+                  <a:pos x="connsiteX38" y="connsiteY38"/>
+                </a:cxn>
+                <a:cxn ang="0">
+                  <a:pos x="connsiteX39" y="connsiteY39"/>
+                </a:cxn>
+                <a:cxn ang="0">
+                  <a:pos x="connsiteX40" y="connsiteY40"/>
+                </a:cxn>
+                <a:cxn ang="0">
+                  <a:pos x="connsiteX41" y="connsiteY41"/>
+                </a:cxn>
+                <a:cxn ang="0">
+                  <a:pos x="connsiteX42" y="connsiteY42"/>
+                </a:cxn>
+                <a:cxn ang="0">
+                  <a:pos x="connsiteX43" y="connsiteY43"/>
+                </a:cxn>
+                <a:cxn ang="0">
+                  <a:pos x="connsiteX44" y="connsiteY44"/>
+                </a:cxn>
+                <a:cxn ang="0">
+                  <a:pos x="connsiteX45" y="connsiteY45"/>
+                </a:cxn>
+                <a:cxn ang="0">
+                  <a:pos x="connsiteX46" y="connsiteY46"/>
+                </a:cxn>
+                <a:cxn ang="0">
+                  <a:pos x="connsiteX47" y="connsiteY47"/>
+                </a:cxn>
+                <a:cxn ang="0">
+                  <a:pos x="connsiteX48" y="connsiteY48"/>
+                </a:cxn>
+                <a:cxn ang="0">
+                  <a:pos x="connsiteX49" y="connsiteY49"/>
+                </a:cxn>
+                <a:cxn ang="0">
+                  <a:pos x="connsiteX50" y="connsiteY50"/>
+                </a:cxn>
+                <a:cxn ang="0">
+                  <a:pos x="connsiteX51" y="connsiteY51"/>
+                </a:cxn>
+                <a:cxn ang="0">
+                  <a:pos x="connsiteX52" y="connsiteY52"/>
+                </a:cxn>
+                <a:cxn ang="0">
+                  <a:pos x="connsiteX53" y="connsiteY53"/>
+                </a:cxn>
+                <a:cxn ang="0">
+                  <a:pos x="connsiteX54" y="connsiteY54"/>
+                </a:cxn>
+                <a:cxn ang="0">
+                  <a:pos x="connsiteX55" y="connsiteY55"/>
+                </a:cxn>
+                <a:cxn ang="0">
+                  <a:pos x="connsiteX56" y="connsiteY56"/>
+                </a:cxn>
+                <a:cxn ang="0">
+                  <a:pos x="connsiteX57" y="connsiteY57"/>
+                </a:cxn>
+                <a:cxn ang="0">
+                  <a:pos x="connsiteX58" y="connsiteY58"/>
+                </a:cxn>
+                <a:cxn ang="0">
+                  <a:pos x="connsiteX59" y="connsiteY59"/>
+                </a:cxn>
+                <a:cxn ang="0">
+                  <a:pos x="connsiteX60" y="connsiteY60"/>
+                </a:cxn>
+              </a:cxnLst>
+              <a:rect l="l" t="t" r="r" b="b"/>
+              <a:pathLst>
+                <a:path w="3006100" h="1160059">
+                  <a:moveTo>
+                    <a:pt x="1859688" y="54591"/>
+                  </a:moveTo>
+                  <a:lnTo>
+                    <a:pt x="1859688" y="54591"/>
+                  </a:lnTo>
+                  <a:cubicBezTo>
+                    <a:pt x="1791449" y="50042"/>
+                    <a:pt x="1722943" y="48496"/>
+                    <a:pt x="1654971" y="40943"/>
+                  </a:cubicBezTo>
+                  <a:cubicBezTo>
+                    <a:pt x="1640673" y="39354"/>
+                    <a:pt x="1628071" y="30416"/>
+                    <a:pt x="1614028" y="27295"/>
+                  </a:cubicBezTo>
+                  <a:cubicBezTo>
+                    <a:pt x="1587015" y="21292"/>
+                    <a:pt x="1559367" y="18597"/>
+                    <a:pt x="1532141" y="13647"/>
+                  </a:cubicBezTo>
+                  <a:cubicBezTo>
+                    <a:pt x="1509319" y="9498"/>
+                    <a:pt x="1486649" y="4549"/>
+                    <a:pt x="1463903" y="0"/>
+                  </a:cubicBezTo>
+                  <a:cubicBezTo>
+                    <a:pt x="1382016" y="4549"/>
+                    <a:pt x="1299948" y="6542"/>
+                    <a:pt x="1218243" y="13647"/>
+                  </a:cubicBezTo>
+                  <a:cubicBezTo>
+                    <a:pt x="1195133" y="15656"/>
+                    <a:pt x="1171724" y="19150"/>
+                    <a:pt x="1150004" y="27295"/>
+                  </a:cubicBezTo>
+                  <a:cubicBezTo>
+                    <a:pt x="961523" y="97977"/>
+                    <a:pt x="1275843" y="12898"/>
+                    <a:pt x="1054470" y="68238"/>
+                  </a:cubicBezTo>
+                  <a:cubicBezTo>
+                    <a:pt x="937144" y="146457"/>
+                    <a:pt x="1085583" y="52683"/>
+                    <a:pt x="972583" y="109182"/>
+                  </a:cubicBezTo>
+                  <a:cubicBezTo>
+                    <a:pt x="957912" y="116517"/>
+                    <a:pt x="946311" y="129142"/>
+                    <a:pt x="931640" y="136477"/>
+                  </a:cubicBezTo>
+                  <a:cubicBezTo>
+                    <a:pt x="918773" y="142911"/>
+                    <a:pt x="904576" y="146340"/>
+                    <a:pt x="890697" y="150125"/>
+                  </a:cubicBezTo>
+                  <a:cubicBezTo>
+                    <a:pt x="854505" y="159996"/>
+                    <a:pt x="817104" y="165557"/>
+                    <a:pt x="781515" y="177420"/>
+                  </a:cubicBezTo>
+                  <a:cubicBezTo>
+                    <a:pt x="767867" y="181969"/>
+                    <a:pt x="754790" y="188880"/>
+                    <a:pt x="740571" y="191068"/>
+                  </a:cubicBezTo>
+                  <a:cubicBezTo>
+                    <a:pt x="695383" y="198020"/>
+                    <a:pt x="649412" y="198673"/>
+                    <a:pt x="604094" y="204716"/>
+                  </a:cubicBezTo>
+                  <a:cubicBezTo>
+                    <a:pt x="581101" y="207782"/>
+                    <a:pt x="558678" y="214214"/>
+                    <a:pt x="535855" y="218364"/>
+                  </a:cubicBezTo>
+                  <a:cubicBezTo>
+                    <a:pt x="508629" y="223314"/>
+                    <a:pt x="480814" y="225301"/>
+                    <a:pt x="453968" y="232012"/>
+                  </a:cubicBezTo>
+                  <a:cubicBezTo>
+                    <a:pt x="426055" y="238990"/>
+                    <a:pt x="399377" y="250209"/>
+                    <a:pt x="372082" y="259307"/>
+                  </a:cubicBezTo>
+                  <a:cubicBezTo>
+                    <a:pt x="327072" y="274310"/>
+                    <a:pt x="311844" y="278497"/>
+                    <a:pt x="262900" y="300250"/>
+                  </a:cubicBezTo>
+                  <a:cubicBezTo>
+                    <a:pt x="244309" y="308513"/>
+                    <a:pt x="224864" y="315721"/>
+                    <a:pt x="208309" y="327546"/>
+                  </a:cubicBezTo>
+                  <a:cubicBezTo>
+                    <a:pt x="192603" y="338764"/>
+                    <a:pt x="182192" y="356133"/>
+                    <a:pt x="167365" y="368489"/>
+                  </a:cubicBezTo>
+                  <a:cubicBezTo>
+                    <a:pt x="154764" y="378990"/>
+                    <a:pt x="140070" y="386686"/>
+                    <a:pt x="126422" y="395785"/>
+                  </a:cubicBezTo>
+                  <a:cubicBezTo>
+                    <a:pt x="108225" y="423080"/>
+                    <a:pt x="86502" y="448329"/>
+                    <a:pt x="71831" y="477671"/>
+                  </a:cubicBezTo>
+                  <a:cubicBezTo>
+                    <a:pt x="37201" y="546933"/>
+                    <a:pt x="55821" y="515334"/>
+                    <a:pt x="17240" y="573206"/>
+                  </a:cubicBezTo>
+                  <a:cubicBezTo>
+                    <a:pt x="-6758" y="717189"/>
+                    <a:pt x="-4715" y="667559"/>
+                    <a:pt x="17240" y="887104"/>
+                  </a:cubicBezTo>
+                  <a:cubicBezTo>
+                    <a:pt x="20795" y="922658"/>
+                    <a:pt x="69580" y="999335"/>
+                    <a:pt x="85479" y="1009934"/>
+                  </a:cubicBezTo>
+                  <a:lnTo>
+                    <a:pt x="126422" y="1037229"/>
+                  </a:lnTo>
+                  <a:cubicBezTo>
+                    <a:pt x="135521" y="1050877"/>
+                    <a:pt x="139476" y="1070035"/>
+                    <a:pt x="153718" y="1078173"/>
+                  </a:cubicBezTo>
+                  <a:cubicBezTo>
+                    <a:pt x="173858" y="1089682"/>
+                    <a:pt x="199312" y="1086788"/>
+                    <a:pt x="221956" y="1091820"/>
+                  </a:cubicBezTo>
+                  <a:cubicBezTo>
+                    <a:pt x="337794" y="1117561"/>
+                    <a:pt x="206462" y="1095456"/>
+                    <a:pt x="372082" y="1119116"/>
+                  </a:cubicBezTo>
+                  <a:cubicBezTo>
+                    <a:pt x="540404" y="1114567"/>
+                    <a:pt x="709074" y="1117187"/>
+                    <a:pt x="877049" y="1105468"/>
+                  </a:cubicBezTo>
+                  <a:cubicBezTo>
+                    <a:pt x="905751" y="1103466"/>
+                    <a:pt x="958936" y="1078173"/>
+                    <a:pt x="958936" y="1078173"/>
+                  </a:cubicBezTo>
+                  <a:lnTo>
+                    <a:pt x="1586733" y="1091820"/>
+                  </a:lnTo>
+                  <a:cubicBezTo>
+                    <a:pt x="1609912" y="1092729"/>
+                    <a:pt x="1631954" y="1102591"/>
+                    <a:pt x="1654971" y="1105468"/>
+                  </a:cubicBezTo>
+                  <a:cubicBezTo>
+                    <a:pt x="1704831" y="1111701"/>
+                    <a:pt x="1755055" y="1114567"/>
+                    <a:pt x="1805097" y="1119116"/>
+                  </a:cubicBezTo>
+                  <a:cubicBezTo>
+                    <a:pt x="1840161" y="1127882"/>
+                    <a:pt x="1893275" y="1142081"/>
+                    <a:pt x="1927927" y="1146412"/>
+                  </a:cubicBezTo>
+                  <a:cubicBezTo>
+                    <a:pt x="1977787" y="1152644"/>
+                    <a:pt x="2028010" y="1155510"/>
+                    <a:pt x="2078052" y="1160059"/>
+                  </a:cubicBezTo>
+                  <a:lnTo>
+                    <a:pt x="2623962" y="1146412"/>
+                  </a:lnTo>
+                  <a:cubicBezTo>
+                    <a:pt x="2647136" y="1145382"/>
+                    <a:pt x="2669378" y="1136914"/>
+                    <a:pt x="2692201" y="1132764"/>
+                  </a:cubicBezTo>
+                  <a:cubicBezTo>
+                    <a:pt x="2719427" y="1127814"/>
+                    <a:pt x="2746792" y="1123665"/>
+                    <a:pt x="2774088" y="1119116"/>
+                  </a:cubicBezTo>
+                  <a:cubicBezTo>
+                    <a:pt x="2787736" y="1114567"/>
+                    <a:pt x="2802541" y="1112605"/>
+                    <a:pt x="2815031" y="1105468"/>
+                  </a:cubicBezTo>
+                  <a:cubicBezTo>
+                    <a:pt x="2837525" y="1092614"/>
+                    <a:pt x="2893875" y="1046948"/>
+                    <a:pt x="2910565" y="1023582"/>
+                  </a:cubicBezTo>
+                  <a:cubicBezTo>
+                    <a:pt x="2922390" y="1007027"/>
+                    <a:pt x="2930305" y="987881"/>
+                    <a:pt x="2937861" y="968991"/>
+                  </a:cubicBezTo>
+                  <a:cubicBezTo>
+                    <a:pt x="2948547" y="942277"/>
+                    <a:pt x="2949196" y="911044"/>
+                    <a:pt x="2965156" y="887104"/>
+                  </a:cubicBezTo>
+                  <a:lnTo>
+                    <a:pt x="2992452" y="846161"/>
+                  </a:lnTo>
+                  <a:cubicBezTo>
+                    <a:pt x="2997001" y="818865"/>
+                    <a:pt x="3006100" y="791946"/>
+                    <a:pt x="3006100" y="764274"/>
+                  </a:cubicBezTo>
+                  <a:cubicBezTo>
+                    <a:pt x="3006100" y="741077"/>
+                    <a:pt x="3002826" y="716783"/>
+                    <a:pt x="2992452" y="696035"/>
+                  </a:cubicBezTo>
+                  <a:cubicBezTo>
+                    <a:pt x="2979316" y="669763"/>
+                    <a:pt x="2934080" y="643473"/>
+                    <a:pt x="2910565" y="627797"/>
+                  </a:cubicBezTo>
+                  <a:cubicBezTo>
+                    <a:pt x="2861857" y="554733"/>
+                    <a:pt x="2894871" y="598455"/>
+                    <a:pt x="2801383" y="504967"/>
+                  </a:cubicBezTo>
+                  <a:cubicBezTo>
+                    <a:pt x="2787735" y="491319"/>
+                    <a:pt x="2772021" y="479464"/>
+                    <a:pt x="2760440" y="464023"/>
+                  </a:cubicBezTo>
+                  <a:cubicBezTo>
+                    <a:pt x="2741518" y="438793"/>
+                    <a:pt x="2707069" y="387500"/>
+                    <a:pt x="2678553" y="368489"/>
+                  </a:cubicBezTo>
+                  <a:cubicBezTo>
+                    <a:pt x="2666583" y="360509"/>
+                    <a:pt x="2650833" y="360508"/>
+                    <a:pt x="2637610" y="354841"/>
+                  </a:cubicBezTo>
+                  <a:cubicBezTo>
+                    <a:pt x="2618910" y="346827"/>
+                    <a:pt x="2601719" y="335560"/>
+                    <a:pt x="2583019" y="327546"/>
+                  </a:cubicBezTo>
+                  <a:cubicBezTo>
+                    <a:pt x="2569796" y="321879"/>
+                    <a:pt x="2554943" y="320332"/>
+                    <a:pt x="2542076" y="313898"/>
+                  </a:cubicBezTo>
+                  <a:cubicBezTo>
+                    <a:pt x="2527405" y="306563"/>
+                    <a:pt x="2516122" y="293265"/>
+                    <a:pt x="2501133" y="286603"/>
+                  </a:cubicBezTo>
+                  <a:cubicBezTo>
+                    <a:pt x="2414917" y="248285"/>
+                    <a:pt x="2408960" y="262141"/>
+                    <a:pt x="2310064" y="245659"/>
+                  </a:cubicBezTo>
+                  <a:cubicBezTo>
+                    <a:pt x="2291562" y="242575"/>
+                    <a:pt x="2273439" y="237402"/>
+                    <a:pt x="2255473" y="232012"/>
+                  </a:cubicBezTo>
+                  <a:cubicBezTo>
+                    <a:pt x="2227914" y="223744"/>
+                    <a:pt x="2173586" y="204716"/>
+                    <a:pt x="2173586" y="204716"/>
+                  </a:cubicBezTo>
+                  <a:cubicBezTo>
+                    <a:pt x="2146291" y="186519"/>
+                    <a:pt x="2124342" y="153389"/>
+                    <a:pt x="2091700" y="150125"/>
+                  </a:cubicBezTo>
+                  <a:cubicBezTo>
+                    <a:pt x="1927687" y="133724"/>
+                    <a:pt x="2000319" y="143993"/>
+                    <a:pt x="1873336" y="122829"/>
+                  </a:cubicBezTo>
+                  <a:lnTo>
+                    <a:pt x="1859688" y="54591"/>
+                  </a:lnTo>
+                  <a:close/>
+                </a:path>
+              </a:pathLst>
+            </a:custGeom>
+          </p:spPr>
+          <p:style>
+            <a:lnRef idx="2">
+              <a:schemeClr val="accent1">
+                <a:shade val="50000"/>
+              </a:schemeClr>
+            </a:lnRef>
+            <a:fillRef idx="1">
+              <a:schemeClr val="accent1"/>
+            </a:fillRef>
+            <a:effectRef idx="0">
+              <a:schemeClr val="accent1"/>
+            </a:effectRef>
+            <a:fontRef idx="minor">
+              <a:schemeClr val="lt1"/>
+            </a:fontRef>
+          </p:style>
+          <p:txBody>
+            <a:bodyPr rtlCol="0" anchor="ctr"/>
+            <a:lstStyle/>
+            <a:p>
+              <a:pPr algn="ctr"/>
+              <a:endParaRPr lang="ko-KR" altLang="en-US" sz="1200"/>
+            </a:p>
+          </p:txBody>
+        </p:sp>
+        <p:sp>
+          <p:nvSpPr>
+            <p:cNvPr id="79" name="제목 1"/>
+            <p:cNvSpPr txBox="1">
+              <a:spLocks/>
+            </p:cNvSpPr>
+            <p:nvPr/>
+          </p:nvSpPr>
+          <p:spPr>
+            <a:xfrm>
+              <a:off x="5499418" y="4409326"/>
+              <a:ext cx="1037860" cy="1325563"/>
+            </a:xfrm>
+            <a:prstGeom prst="rect">
+              <a:avLst/>
+            </a:prstGeom>
+          </p:spPr>
+          <p:txBody>
+            <a:bodyPr vert="horz" lIns="91440" tIns="45720" rIns="91440" bIns="45720" rtlCol="0" anchor="ctr">
+              <a:normAutofit/>
+            </a:bodyPr>
+            <a:lstStyle>
+              <a:lvl1pPr algn="l" defTabSz="914400" rtl="0" eaLnBrk="1" latinLnBrk="1" hangingPunct="1">
+                <a:lnSpc>
+                  <a:spcPct val="90000"/>
+                </a:lnSpc>
+                <a:spcBef>
+                  <a:spcPct val="0"/>
+                </a:spcBef>
+                <a:buNone/>
+                <a:defRPr sz="4400" kern="1200">
+                  <a:solidFill>
+                    <a:schemeClr val="tx1"/>
+                  </a:solidFill>
+                  <a:latin typeface="+mj-lt"/>
+                  <a:ea typeface="+mj-ea"/>
+                  <a:cs typeface="+mj-cs"/>
+                </a:defRPr>
+              </a:lvl1pPr>
+            </a:lstStyle>
+            <a:p>
+              <a:pPr algn="ctr"/>
+              <a:r>
+                <a:rPr lang="ko-KR" altLang="en-US" sz="1200" b="1" dirty="0" smtClean="0"/>
+                <a:t>연못</a:t>
+              </a:r>
+              <a:endParaRPr lang="en-US" altLang="ko-KR" sz="1200" b="1" dirty="0" smtClean="0"/>
+            </a:p>
+          </p:txBody>
+        </p:sp>
+        <p:sp>
+          <p:nvSpPr>
+            <p:cNvPr id="80" name="제목 1"/>
+            <p:cNvSpPr txBox="1">
+              <a:spLocks/>
+            </p:cNvSpPr>
+            <p:nvPr/>
+          </p:nvSpPr>
+          <p:spPr>
+            <a:xfrm>
+              <a:off x="10923847" y="489049"/>
+              <a:ext cx="2499025" cy="1325563"/>
+            </a:xfrm>
+            <a:prstGeom prst="rect">
+              <a:avLst/>
+            </a:prstGeom>
+          </p:spPr>
+          <p:txBody>
+            <a:bodyPr vert="horz" lIns="91440" tIns="45720" rIns="91440" bIns="45720" rtlCol="0" anchor="ctr">
+              <a:normAutofit/>
+            </a:bodyPr>
+            <a:lstStyle>
+              <a:lvl1pPr algn="l" defTabSz="914400" rtl="0" eaLnBrk="1" latinLnBrk="1" hangingPunct="1">
+                <a:lnSpc>
+                  <a:spcPct val="90000"/>
+                </a:lnSpc>
+                <a:spcBef>
+                  <a:spcPct val="0"/>
+                </a:spcBef>
+                <a:buNone/>
+                <a:defRPr sz="4400" kern="1200">
+                  <a:solidFill>
+                    <a:schemeClr val="tx1"/>
+                  </a:solidFill>
+                  <a:latin typeface="+mj-lt"/>
+                  <a:ea typeface="+mj-ea"/>
+                  <a:cs typeface="+mj-cs"/>
+                </a:defRPr>
+              </a:lvl1pPr>
+            </a:lstStyle>
+            <a:p>
+              <a:r>
+                <a:rPr lang="ko-KR" altLang="en-US" sz="1200" b="1" dirty="0" smtClean="0">
+                  <a:solidFill>
+                    <a:schemeClr val="bg1">
+                      <a:lumMod val="50000"/>
+                    </a:schemeClr>
+                  </a:solidFill>
+                </a:rPr>
+                <a:t>출입문 개폐</a:t>
+              </a:r>
+              <a:endParaRPr lang="en-US" altLang="ko-KR" sz="1200" b="1" dirty="0" smtClean="0">
+                <a:solidFill>
+                  <a:schemeClr val="bg1">
+                    <a:lumMod val="50000"/>
+                  </a:schemeClr>
+                </a:solidFill>
+              </a:endParaRPr>
+            </a:p>
+            <a:p>
+              <a:r>
+                <a:rPr lang="ko-KR" altLang="en-US" sz="1100" dirty="0" err="1" smtClean="0">
+                  <a:solidFill>
+                    <a:schemeClr val="bg1">
+                      <a:lumMod val="50000"/>
+                    </a:schemeClr>
+                  </a:solidFill>
+                </a:rPr>
+                <a:t>서보모터</a:t>
+              </a:r>
+              <a:endParaRPr lang="en-US" altLang="ko-KR" sz="1100" dirty="0" smtClean="0">
+                <a:solidFill>
+                  <a:schemeClr val="bg1">
+                    <a:lumMod val="50000"/>
+                  </a:schemeClr>
+                </a:solidFill>
+              </a:endParaRPr>
+            </a:p>
+            <a:p>
+              <a:endParaRPr lang="en-US" altLang="ko-KR" sz="1200" b="1" dirty="0" smtClean="0">
+                <a:solidFill>
+                  <a:schemeClr val="bg1">
+                    <a:lumMod val="50000"/>
+                  </a:schemeClr>
+                </a:solidFill>
+              </a:endParaRPr>
+            </a:p>
+          </p:txBody>
+        </p:sp>
+        <p:sp>
+          <p:nvSpPr>
+            <p:cNvPr id="24" name="제목 1"/>
+            <p:cNvSpPr txBox="1">
+              <a:spLocks/>
+            </p:cNvSpPr>
+            <p:nvPr/>
+          </p:nvSpPr>
+          <p:spPr>
+            <a:xfrm>
+              <a:off x="9191450" y="160047"/>
+              <a:ext cx="1819447" cy="1325563"/>
+            </a:xfrm>
+            <a:prstGeom prst="rect">
+              <a:avLst/>
+            </a:prstGeom>
+          </p:spPr>
+          <p:txBody>
+            <a:bodyPr vert="horz" lIns="91440" tIns="45720" rIns="91440" bIns="45720" rtlCol="0" anchor="ctr">
+              <a:normAutofit/>
+            </a:bodyPr>
+            <a:lstStyle>
+              <a:lvl1pPr algn="l" defTabSz="914400" rtl="0" eaLnBrk="1" latinLnBrk="1" hangingPunct="1">
+                <a:lnSpc>
+                  <a:spcPct val="90000"/>
+                </a:lnSpc>
+                <a:spcBef>
+                  <a:spcPct val="0"/>
+                </a:spcBef>
+                <a:buNone/>
+                <a:defRPr sz="4400" kern="1200">
+                  <a:solidFill>
+                    <a:schemeClr val="tx1"/>
+                  </a:solidFill>
+                  <a:latin typeface="+mj-lt"/>
+                  <a:ea typeface="+mj-ea"/>
+                  <a:cs typeface="+mj-cs"/>
+                </a:defRPr>
+              </a:lvl1pPr>
+            </a:lstStyle>
+            <a:p>
+              <a:r>
+                <a:rPr lang="ko-KR" altLang="en-US" sz="1200" b="1" dirty="0" smtClean="0">
+                  <a:solidFill>
+                    <a:schemeClr val="bg1">
+                      <a:lumMod val="50000"/>
+                    </a:schemeClr>
+                  </a:solidFill>
+                </a:rPr>
+                <a:t>에어컨</a:t>
+              </a:r>
+              <a:endParaRPr lang="en-US" altLang="ko-KR" sz="1200" b="1" dirty="0" smtClean="0">
+                <a:solidFill>
+                  <a:schemeClr val="bg1">
+                    <a:lumMod val="50000"/>
+                  </a:schemeClr>
+                </a:solidFill>
+              </a:endParaRPr>
+            </a:p>
+            <a:p>
+              <a:r>
+                <a:rPr lang="en-US" altLang="ko-KR" sz="1100" dirty="0" smtClean="0">
+                  <a:solidFill>
+                    <a:schemeClr val="bg1">
+                      <a:lumMod val="50000"/>
+                    </a:schemeClr>
+                  </a:solidFill>
+                </a:rPr>
+                <a:t>LED</a:t>
+              </a:r>
+              <a:r>
+                <a:rPr lang="ko-KR" altLang="en-US" sz="1100" dirty="0" smtClean="0">
+                  <a:solidFill>
+                    <a:schemeClr val="bg1">
+                      <a:lumMod val="50000"/>
+                    </a:schemeClr>
+                  </a:solidFill>
+                </a:rPr>
+                <a:t>로 가동 표시</a:t>
+              </a:r>
+              <a:endParaRPr lang="en-US" altLang="ko-KR" sz="1100" dirty="0" smtClean="0">
+                <a:solidFill>
+                  <a:schemeClr val="bg1">
+                    <a:lumMod val="50000"/>
+                  </a:schemeClr>
+                </a:solidFill>
+              </a:endParaRPr>
+            </a:p>
+          </p:txBody>
+        </p:sp>
+        <p:sp>
+          <p:nvSpPr>
+            <p:cNvPr id="15" name="제목 1"/>
+            <p:cNvSpPr txBox="1">
+              <a:spLocks/>
+            </p:cNvSpPr>
+            <p:nvPr/>
+          </p:nvSpPr>
+          <p:spPr>
+            <a:xfrm>
+              <a:off x="10274576" y="1500969"/>
+              <a:ext cx="3553755" cy="1325563"/>
+            </a:xfrm>
+            <a:prstGeom prst="rect">
+              <a:avLst/>
+            </a:prstGeom>
+          </p:spPr>
+          <p:txBody>
+            <a:bodyPr vert="horz" lIns="91440" tIns="45720" rIns="91440" bIns="45720" rtlCol="0" anchor="ctr">
+              <a:normAutofit/>
+            </a:bodyPr>
+            <a:lstStyle>
+              <a:lvl1pPr algn="l" defTabSz="914400" rtl="0" eaLnBrk="1" latinLnBrk="1" hangingPunct="1">
+                <a:lnSpc>
+                  <a:spcPct val="90000"/>
+                </a:lnSpc>
+                <a:spcBef>
+                  <a:spcPct val="0"/>
+                </a:spcBef>
+                <a:buNone/>
+                <a:defRPr sz="4400" kern="1200">
+                  <a:solidFill>
+                    <a:schemeClr val="tx1"/>
+                  </a:solidFill>
+                  <a:latin typeface="+mj-lt"/>
+                  <a:ea typeface="+mj-ea"/>
+                  <a:cs typeface="+mj-cs"/>
+                </a:defRPr>
+              </a:lvl1pPr>
+            </a:lstStyle>
+            <a:p>
+              <a:pPr algn="ctr"/>
+              <a:r>
+                <a:rPr lang="ko-KR" altLang="en-US" sz="1400" b="1" dirty="0" smtClean="0"/>
+                <a:t>방</a:t>
+              </a:r>
+              <a:r>
+                <a:rPr lang="en-US" altLang="ko-KR" sz="1400" b="1" dirty="0" smtClean="0"/>
+                <a:t>6</a:t>
+              </a:r>
+            </a:p>
+            <a:p>
+              <a:pPr algn="ctr"/>
+              <a:r>
+                <a:rPr lang="en-US" altLang="ko-KR" sz="1400" b="1" dirty="0" smtClean="0"/>
+                <a:t>(</a:t>
+              </a:r>
+              <a:r>
+                <a:rPr lang="ko-KR" altLang="en-US" sz="1400" b="1" dirty="0" err="1" smtClean="0"/>
+                <a:t>비밀의방</a:t>
+              </a:r>
+              <a:r>
+                <a:rPr lang="en-US" altLang="ko-KR" sz="1400" b="1" dirty="0" smtClean="0"/>
+                <a:t>)</a:t>
+              </a:r>
+            </a:p>
+          </p:txBody>
+        </p:sp>
+        <p:sp>
+          <p:nvSpPr>
+            <p:cNvPr id="18" name="제목 1"/>
+            <p:cNvSpPr txBox="1">
+              <a:spLocks/>
+            </p:cNvSpPr>
+            <p:nvPr/>
+          </p:nvSpPr>
+          <p:spPr>
+            <a:xfrm>
+              <a:off x="5144629" y="-717335"/>
+              <a:ext cx="2977957" cy="1325563"/>
+            </a:xfrm>
+            <a:prstGeom prst="rect">
+              <a:avLst/>
+            </a:prstGeom>
+          </p:spPr>
+          <p:txBody>
+            <a:bodyPr vert="horz" lIns="91440" tIns="45720" rIns="91440" bIns="45720" rtlCol="0" anchor="ctr">
+              <a:normAutofit/>
+            </a:bodyPr>
+            <a:lstStyle>
+              <a:lvl1pPr algn="l" defTabSz="914400" rtl="0" eaLnBrk="1" latinLnBrk="1" hangingPunct="1">
+                <a:lnSpc>
+                  <a:spcPct val="90000"/>
+                </a:lnSpc>
+                <a:spcBef>
+                  <a:spcPct val="0"/>
+                </a:spcBef>
+                <a:buNone/>
+                <a:defRPr sz="4400" kern="1200">
+                  <a:solidFill>
+                    <a:schemeClr val="tx1"/>
+                  </a:solidFill>
+                  <a:latin typeface="+mj-lt"/>
+                  <a:ea typeface="+mj-ea"/>
+                  <a:cs typeface="+mj-cs"/>
+                </a:defRPr>
+              </a:lvl1pPr>
+            </a:lstStyle>
+            <a:p>
+              <a:pPr algn="ctr"/>
+              <a:r>
+                <a:rPr lang="ko-KR" altLang="en-US" sz="1400" b="1" dirty="0" smtClean="0"/>
+                <a:t>방</a:t>
+              </a:r>
+              <a:r>
+                <a:rPr lang="en-US" altLang="ko-KR" sz="1400" b="1" dirty="0" smtClean="0"/>
+                <a:t>1</a:t>
+              </a:r>
+            </a:p>
+            <a:p>
+              <a:pPr algn="ctr"/>
+              <a:r>
+                <a:rPr lang="en-US" altLang="ko-KR" sz="1400" b="1" dirty="0" smtClean="0"/>
+                <a:t>(</a:t>
+              </a:r>
+              <a:r>
+                <a:rPr lang="ko-KR" altLang="en-US" sz="1400" b="1" dirty="0" smtClean="0"/>
+                <a:t>화장실</a:t>
+              </a:r>
+              <a:r>
+                <a:rPr lang="en-US" altLang="ko-KR" sz="1400" b="1" dirty="0" smtClean="0"/>
+                <a:t>)</a:t>
+              </a:r>
+            </a:p>
+          </p:txBody>
+        </p:sp>
+        <p:sp>
+          <p:nvSpPr>
+            <p:cNvPr id="20" name="제목 1"/>
+            <p:cNvSpPr txBox="1">
+              <a:spLocks/>
+            </p:cNvSpPr>
+            <p:nvPr/>
+          </p:nvSpPr>
+          <p:spPr>
+            <a:xfrm>
+              <a:off x="10018563" y="-868929"/>
+              <a:ext cx="1676628" cy="1325563"/>
+            </a:xfrm>
+            <a:prstGeom prst="rect">
+              <a:avLst/>
+            </a:prstGeom>
+          </p:spPr>
+          <p:txBody>
+            <a:bodyPr vert="horz" lIns="91440" tIns="45720" rIns="91440" bIns="45720" rtlCol="0" anchor="ctr">
+              <a:normAutofit/>
+            </a:bodyPr>
+            <a:lstStyle>
+              <a:lvl1pPr algn="l" defTabSz="914400" rtl="0" eaLnBrk="1" latinLnBrk="1" hangingPunct="1">
+                <a:lnSpc>
+                  <a:spcPct val="90000"/>
+                </a:lnSpc>
+                <a:spcBef>
+                  <a:spcPct val="0"/>
+                </a:spcBef>
+                <a:buNone/>
+                <a:defRPr sz="4400" kern="1200">
+                  <a:solidFill>
+                    <a:schemeClr val="tx1"/>
+                  </a:solidFill>
+                  <a:latin typeface="+mj-lt"/>
+                  <a:ea typeface="+mj-ea"/>
+                  <a:cs typeface="+mj-cs"/>
+                </a:defRPr>
+              </a:lvl1pPr>
+            </a:lstStyle>
+            <a:p>
+              <a:pPr algn="ctr"/>
+              <a:r>
+                <a:rPr lang="ko-KR" altLang="en-US" sz="1400" b="1" dirty="0" smtClean="0"/>
+                <a:t>방</a:t>
+              </a:r>
+              <a:r>
+                <a:rPr lang="en-US" altLang="ko-KR" sz="1400" b="1" dirty="0" smtClean="0"/>
+                <a:t>3</a:t>
+              </a:r>
+            </a:p>
+            <a:p>
+              <a:pPr algn="ctr"/>
+              <a:r>
+                <a:rPr lang="en-US" altLang="ko-KR" sz="1400" b="1" dirty="0" smtClean="0"/>
+                <a:t>(</a:t>
+              </a:r>
+              <a:r>
+                <a:rPr lang="ko-KR" altLang="en-US" sz="1400" b="1" dirty="0" smtClean="0"/>
+                <a:t>안방</a:t>
+              </a:r>
+              <a:r>
+                <a:rPr lang="en-US" altLang="ko-KR" sz="1400" b="1" dirty="0" smtClean="0"/>
+                <a:t>)</a:t>
+              </a:r>
+            </a:p>
+          </p:txBody>
+        </p:sp>
+        <p:sp>
+          <p:nvSpPr>
+            <p:cNvPr id="16" name="제목 1"/>
+            <p:cNvSpPr txBox="1">
+              <a:spLocks/>
+            </p:cNvSpPr>
+            <p:nvPr/>
+          </p:nvSpPr>
+          <p:spPr>
+            <a:xfrm>
+              <a:off x="4752742" y="1613148"/>
+              <a:ext cx="2258370" cy="1325563"/>
+            </a:xfrm>
+            <a:prstGeom prst="rect">
+              <a:avLst/>
+            </a:prstGeom>
+          </p:spPr>
+          <p:txBody>
+            <a:bodyPr vert="horz" lIns="91440" tIns="45720" rIns="91440" bIns="45720" rtlCol="0" anchor="ctr">
+              <a:normAutofit/>
+            </a:bodyPr>
+            <a:lstStyle>
+              <a:lvl1pPr algn="l" defTabSz="914400" rtl="0" eaLnBrk="1" latinLnBrk="1" hangingPunct="1">
+                <a:lnSpc>
+                  <a:spcPct val="90000"/>
+                </a:lnSpc>
+                <a:spcBef>
+                  <a:spcPct val="0"/>
+                </a:spcBef>
+                <a:buNone/>
+                <a:defRPr sz="4400" kern="1200">
+                  <a:solidFill>
+                    <a:schemeClr val="tx1"/>
+                  </a:solidFill>
+                  <a:latin typeface="+mj-lt"/>
+                  <a:ea typeface="+mj-ea"/>
+                  <a:cs typeface="+mj-cs"/>
+                </a:defRPr>
+              </a:lvl1pPr>
+            </a:lstStyle>
+            <a:p>
+              <a:pPr algn="ctr"/>
+              <a:r>
+                <a:rPr lang="ko-KR" altLang="en-US" sz="1400" b="1" dirty="0" smtClean="0"/>
+                <a:t>방</a:t>
+              </a:r>
+              <a:r>
+                <a:rPr lang="en-US" altLang="ko-KR" sz="1400" b="1" dirty="0" smtClean="0"/>
+                <a:t>4</a:t>
+              </a:r>
+            </a:p>
+            <a:p>
+              <a:pPr algn="ctr"/>
+              <a:r>
+                <a:rPr lang="en-US" altLang="ko-KR" sz="1400" b="1" dirty="0" smtClean="0"/>
+                <a:t>(</a:t>
+              </a:r>
+              <a:r>
+                <a:rPr lang="ko-KR" altLang="en-US" sz="1400" b="1" dirty="0" smtClean="0"/>
+                <a:t>주방</a:t>
+              </a:r>
+              <a:r>
+                <a:rPr lang="en-US" altLang="ko-KR" sz="1400" b="1" dirty="0" smtClean="0"/>
+                <a:t>)</a:t>
+              </a:r>
+            </a:p>
+          </p:txBody>
+        </p:sp>
+        <p:sp>
+          <p:nvSpPr>
+            <p:cNvPr id="19" name="제목 1"/>
+            <p:cNvSpPr txBox="1">
+              <a:spLocks/>
+            </p:cNvSpPr>
+            <p:nvPr/>
+          </p:nvSpPr>
+          <p:spPr>
+            <a:xfrm>
+              <a:off x="8650911" y="833253"/>
+              <a:ext cx="5283474" cy="1325563"/>
+            </a:xfrm>
+            <a:prstGeom prst="rect">
+              <a:avLst/>
+            </a:prstGeom>
+          </p:spPr>
+          <p:txBody>
+            <a:bodyPr vert="horz" lIns="91440" tIns="45720" rIns="91440" bIns="45720" rtlCol="0" anchor="ctr">
+              <a:normAutofit/>
+            </a:bodyPr>
+            <a:lstStyle>
+              <a:lvl1pPr algn="l" defTabSz="914400" rtl="0" eaLnBrk="1" latinLnBrk="1" hangingPunct="1">
+                <a:lnSpc>
+                  <a:spcPct val="90000"/>
+                </a:lnSpc>
+                <a:spcBef>
+                  <a:spcPct val="0"/>
+                </a:spcBef>
+                <a:buNone/>
+                <a:defRPr sz="4400" kern="1200">
+                  <a:solidFill>
+                    <a:schemeClr val="tx1"/>
+                  </a:solidFill>
+                  <a:latin typeface="+mj-lt"/>
+                  <a:ea typeface="+mj-ea"/>
+                  <a:cs typeface="+mj-cs"/>
+                </a:defRPr>
+              </a:lvl1pPr>
+            </a:lstStyle>
+            <a:p>
+              <a:r>
+                <a:rPr lang="ko-KR" altLang="en-US" sz="1800" b="1" dirty="0" smtClean="0"/>
+                <a:t>거실</a:t>
+              </a:r>
+              <a:endParaRPr lang="en-US" altLang="ko-KR" sz="1800" b="1" dirty="0" smtClean="0"/>
+            </a:p>
+          </p:txBody>
+        </p:sp>
+        <p:sp>
+          <p:nvSpPr>
+            <p:cNvPr id="83" name="직사각형 82"/>
+            <p:cNvSpPr/>
+            <p:nvPr/>
+          </p:nvSpPr>
+          <p:spPr>
+            <a:xfrm>
+              <a:off x="6363565" y="1942387"/>
+              <a:ext cx="988638" cy="649889"/>
+            </a:xfrm>
+            <a:prstGeom prst="rect">
+              <a:avLst/>
+            </a:prstGeom>
+            <a:solidFill>
+              <a:schemeClr val="accent2">
+                <a:lumMod val="20000"/>
+                <a:lumOff val="80000"/>
+              </a:schemeClr>
+            </a:solidFill>
+            <a:ln w="38100">
+              <a:solidFill>
+                <a:schemeClr val="tx1"/>
+              </a:solidFill>
+            </a:ln>
+          </p:spPr>
+          <p:style>
+            <a:lnRef idx="2">
+              <a:schemeClr val="accent1">
+                <a:shade val="50000"/>
+              </a:schemeClr>
+            </a:lnRef>
+            <a:fillRef idx="1">
+              <a:schemeClr val="accent1"/>
+            </a:fillRef>
+            <a:effectRef idx="0">
+              <a:schemeClr val="accent1"/>
+            </a:effectRef>
+            <a:fontRef idx="minor">
+              <a:schemeClr val="lt1"/>
+            </a:fontRef>
+          </p:style>
+          <p:txBody>
+            <a:bodyPr rtlCol="0" anchor="ctr"/>
+            <a:lstStyle/>
+            <a:p>
+              <a:pPr algn="ctr"/>
+              <a:endParaRPr lang="ko-KR" altLang="en-US" sz="1200"/>
+            </a:p>
+          </p:txBody>
+        </p:sp>
+        <p:sp>
+          <p:nvSpPr>
+            <p:cNvPr id="84" name="제목 1"/>
+            <p:cNvSpPr txBox="1">
+              <a:spLocks/>
+            </p:cNvSpPr>
+            <p:nvPr/>
+          </p:nvSpPr>
+          <p:spPr>
+            <a:xfrm>
+              <a:off x="6510639" y="1614382"/>
+              <a:ext cx="1819447" cy="1325563"/>
+            </a:xfrm>
+            <a:prstGeom prst="rect">
+              <a:avLst/>
+            </a:prstGeom>
+          </p:spPr>
+          <p:txBody>
+            <a:bodyPr vert="horz" lIns="91440" tIns="45720" rIns="91440" bIns="45720" rtlCol="0" anchor="ctr">
+              <a:normAutofit/>
+            </a:bodyPr>
+            <a:lstStyle>
+              <a:lvl1pPr algn="l" defTabSz="914400" rtl="0" eaLnBrk="1" latinLnBrk="1" hangingPunct="1">
+                <a:lnSpc>
+                  <a:spcPct val="90000"/>
+                </a:lnSpc>
+                <a:spcBef>
+                  <a:spcPct val="0"/>
+                </a:spcBef>
+                <a:buNone/>
+                <a:defRPr sz="4400" kern="1200">
+                  <a:solidFill>
+                    <a:schemeClr val="tx1"/>
+                  </a:solidFill>
+                  <a:latin typeface="+mj-lt"/>
+                  <a:ea typeface="+mj-ea"/>
+                  <a:cs typeface="+mj-cs"/>
+                </a:defRPr>
+              </a:lvl1pPr>
+            </a:lstStyle>
+            <a:p>
+              <a:r>
+                <a:rPr lang="ko-KR" altLang="en-US" sz="1200" b="1" dirty="0" smtClean="0"/>
+                <a:t>식탁</a:t>
+              </a:r>
+              <a:endParaRPr lang="en-US" altLang="ko-KR" sz="1100" dirty="0" smtClean="0"/>
+            </a:p>
+          </p:txBody>
+        </p:sp>
+      </p:grpSp>
     </p:spTree>
     <p:extLst>
       <p:ext uri="{BB962C8B-B14F-4D97-AF65-F5344CB8AC3E}">
-        <p14:creationId xmlns:p14="http://schemas.microsoft.com/office/powerpoint/2010/main" val="1838000918"/>
+        <p14:creationId xmlns:p14="http://schemas.microsoft.com/office/powerpoint/2010/main" val="1092682712"/>
       </p:ext>
     </p:extLst>
   </p:cSld>
@@ -6708,12 +13044,7 @@
             <p:ph type="title"/>
           </p:nvPr>
         </p:nvSpPr>
-        <p:spPr>
-          <a:xfrm>
-            <a:off x="838200" y="39661"/>
-            <a:ext cx="10515600" cy="1325563"/>
-          </a:xfrm>
-        </p:spPr>
+        <p:spPr/>
         <p:txBody>
           <a:bodyPr>
             <a:normAutofit/>
@@ -6721,1289 +13052,66 @@
           <a:lstStyle/>
           <a:p>
             <a:r>
-              <a:rPr lang="en-US" altLang="ko-KR" sz="3600" dirty="0" smtClean="0">
-                <a:solidFill>
-                  <a:srgbClr val="FF0000"/>
-                </a:solidFill>
+              <a:rPr lang="en-US" altLang="ko-KR" sz="5400" b="1" dirty="0" err="1" smtClean="0">
+                <a:latin typeface="Agency FB" panose="020B0503020202020204" pitchFamily="34" charset="0"/>
               </a:rPr>
-              <a:t>1</a:t>
-            </a:r>
-            <a:r>
-              <a:rPr lang="en-US" altLang="ko-KR" sz="3600" baseline="30000" dirty="0" smtClean="0">
-                <a:solidFill>
-                  <a:srgbClr val="FF0000"/>
-                </a:solidFill>
+              <a:t>i</a:t>
+            </a:r>
+            <a:r>
+              <a:rPr lang="en-US" altLang="ko-KR" sz="5400" b="1" dirty="0" smtClean="0">
+                <a:latin typeface="Agency FB" panose="020B0503020202020204" pitchFamily="34" charset="0"/>
               </a:rPr>
-              <a:t>st</a:t>
-            </a:r>
-            <a:r>
-              <a:rPr lang="en-US" altLang="ko-KR" sz="3600" dirty="0" smtClean="0"/>
+              <a:t>-HOME</a:t>
+            </a:r>
+            <a:r>
+              <a:rPr lang="en-US" altLang="ko-KR" sz="4000" dirty="0" smtClean="0">
+                <a:latin typeface="Agency FB" panose="020B0503020202020204" pitchFamily="34" charset="0"/>
+              </a:rPr>
               <a:t> </a:t>
             </a:r>
             <a:r>
-              <a:rPr lang="ko-KR" altLang="en-US" sz="3600" dirty="0" smtClean="0"/>
-              <a:t>회의 내용 정리</a:t>
-            </a:r>
-            <a:endParaRPr lang="ko-KR" altLang="en-US" sz="3600" dirty="0"/>
+              <a:rPr lang="ko-KR" altLang="en-US" sz="2800" dirty="0" smtClean="0">
+                <a:latin typeface="Agency FB" panose="020B0503020202020204" pitchFamily="34" charset="0"/>
+              </a:rPr>
+              <a:t>의 주요기능</a:t>
+            </a:r>
+            <a:endParaRPr lang="ko-KR" altLang="en-US" sz="1050" dirty="0"/>
           </a:p>
         </p:txBody>
       </p:sp>
-      <p:sp>
-        <p:nvSpPr>
-          <p:cNvPr id="3" name="내용 개체 틀 2"/>
-          <p:cNvSpPr>
-            <a:spLocks noGrp="1"/>
-          </p:cNvSpPr>
+      <p:pic>
+        <p:nvPicPr>
+          <p:cNvPr id="4" name="내용 개체 틀 3"/>
+          <p:cNvPicPr>
+            <a:picLocks noGrp="1" noChangeAspect="1"/>
+          </p:cNvPicPr>
           <p:nvPr>
             <p:ph idx="1"/>
           </p:nvPr>
-        </p:nvSpPr>
+        </p:nvPicPr>
+        <p:blipFill>
+          <a:blip r:embed="rId2">
+            <a:extLst>
+              <a:ext uri="{28A0092B-C50C-407E-A947-70E740481C1C}">
+                <a14:useLocalDpi xmlns:a14="http://schemas.microsoft.com/office/drawing/2010/main" val="0"/>
+              </a:ext>
+            </a:extLst>
+          </a:blip>
+          <a:stretch>
+            <a:fillRect/>
+          </a:stretch>
+        </p:blipFill>
         <p:spPr>
           <a:xfrm>
-            <a:off x="838200" y="1174696"/>
-            <a:ext cx="6981497" cy="696145"/>
+            <a:off x="731872" y="2134872"/>
+            <a:ext cx="10945565" cy="2851797"/>
           </a:xfrm>
         </p:spPr>
-        <p:txBody>
-          <a:bodyPr>
-            <a:noAutofit/>
-          </a:bodyPr>
-          <a:lstStyle/>
-          <a:p>
-            <a:pPr marL="0" indent="0">
-              <a:lnSpc>
-                <a:spcPct val="120000"/>
-              </a:lnSpc>
-              <a:buNone/>
-            </a:pPr>
-            <a:r>
-              <a:rPr lang="ko-KR" altLang="en-US" sz="1200" b="1" dirty="0" smtClean="0"/>
-              <a:t>프로젝트 제목 </a:t>
-            </a:r>
-            <a:r>
-              <a:rPr lang="en-US" altLang="ko-KR" sz="1200" b="1" dirty="0" smtClean="0"/>
-              <a:t>: I-HOME ('IOT' + 'I', </a:t>
-            </a:r>
-            <a:r>
-              <a:rPr lang="ko-KR" altLang="en-US" sz="1200" b="1" dirty="0" smtClean="0"/>
-              <a:t>나와 </a:t>
-            </a:r>
-            <a:r>
-              <a:rPr lang="ko-KR" altLang="en-US" sz="1200" b="1" dirty="0" err="1" smtClean="0"/>
-              <a:t>사물인터넷</a:t>
-            </a:r>
-            <a:r>
-              <a:rPr lang="ko-KR" altLang="en-US" sz="1200" b="1" dirty="0" smtClean="0"/>
-              <a:t> 기술의 조화라는 의미를 담고 있음</a:t>
-            </a:r>
-            <a:r>
-              <a:rPr lang="en-US" altLang="ko-KR" sz="1200" b="1" dirty="0" smtClean="0"/>
-              <a:t>)</a:t>
-            </a:r>
-          </a:p>
-          <a:p>
-            <a:pPr marL="0" indent="0">
-              <a:lnSpc>
-                <a:spcPct val="120000"/>
-              </a:lnSpc>
-              <a:buNone/>
-            </a:pPr>
-            <a:r>
-              <a:rPr lang="ko-KR" altLang="en-US" sz="1200" b="1" dirty="0" err="1" smtClean="0"/>
-              <a:t>팀명</a:t>
-            </a:r>
-            <a:r>
-              <a:rPr lang="ko-KR" altLang="en-US" sz="1200" b="1" dirty="0" smtClean="0"/>
-              <a:t> </a:t>
-            </a:r>
-            <a:r>
-              <a:rPr lang="en-US" altLang="ko-KR" sz="1200" b="1" dirty="0" smtClean="0"/>
-              <a:t>: Smart </a:t>
-            </a:r>
-            <a:r>
-              <a:rPr lang="en-US" altLang="ko-KR" sz="1200" b="1" dirty="0" smtClean="0"/>
-              <a:t>Unity</a:t>
-            </a:r>
-            <a:endParaRPr lang="en-US" altLang="ko-KR" sz="1200" b="1" dirty="0" smtClean="0"/>
-          </a:p>
-        </p:txBody>
-      </p:sp>
-      <p:sp>
-        <p:nvSpPr>
-          <p:cNvPr id="4" name="제목 1"/>
-          <p:cNvSpPr txBox="1">
-            <a:spLocks/>
-          </p:cNvSpPr>
-          <p:nvPr/>
-        </p:nvSpPr>
-        <p:spPr>
-          <a:xfrm>
-            <a:off x="1458133" y="0"/>
-            <a:ext cx="10515600" cy="1325563"/>
-          </a:xfrm>
-          <a:prstGeom prst="rect">
-            <a:avLst/>
-          </a:prstGeom>
-        </p:spPr>
-        <p:txBody>
-          <a:bodyPr vert="horz" lIns="91440" tIns="45720" rIns="91440" bIns="45720" rtlCol="0" anchor="ctr">
-            <a:normAutofit/>
-          </a:bodyPr>
-          <a:lstStyle>
-            <a:lvl1pPr algn="l" defTabSz="914400" rtl="0" eaLnBrk="1" latinLnBrk="1" hangingPunct="1">
-              <a:lnSpc>
-                <a:spcPct val="90000"/>
-              </a:lnSpc>
-              <a:spcBef>
-                <a:spcPct val="0"/>
-              </a:spcBef>
-              <a:buNone/>
-              <a:defRPr sz="4400" kern="1200">
-                <a:solidFill>
-                  <a:schemeClr val="tx1"/>
-                </a:solidFill>
-                <a:latin typeface="+mj-lt"/>
-                <a:ea typeface="+mj-ea"/>
-                <a:cs typeface="+mj-cs"/>
-              </a:defRPr>
-            </a:lvl1pPr>
-          </a:lstStyle>
-          <a:p>
-            <a:pPr algn="r"/>
-            <a:r>
-              <a:rPr lang="en-US" altLang="ko-KR" sz="1800" dirty="0" smtClean="0"/>
-              <a:t>2019.10.17 (</a:t>
-            </a:r>
-            <a:r>
-              <a:rPr lang="ko-KR" altLang="en-US" sz="1800" dirty="0" smtClean="0"/>
-              <a:t>목</a:t>
-            </a:r>
-            <a:r>
-              <a:rPr lang="en-US" altLang="ko-KR" sz="1800" dirty="0" smtClean="0"/>
-              <a:t>)</a:t>
-            </a:r>
-            <a:endParaRPr lang="ko-KR" altLang="en-US" sz="1800" dirty="0"/>
-          </a:p>
-        </p:txBody>
-      </p:sp>
-      <p:sp>
-        <p:nvSpPr>
-          <p:cNvPr id="5" name="내용 개체 틀 2"/>
-          <p:cNvSpPr txBox="1">
-            <a:spLocks/>
-          </p:cNvSpPr>
-          <p:nvPr/>
-        </p:nvSpPr>
-        <p:spPr>
-          <a:xfrm>
-            <a:off x="8544060" y="2670633"/>
-            <a:ext cx="4550980" cy="4351338"/>
-          </a:xfrm>
-          <a:prstGeom prst="rect">
-            <a:avLst/>
-          </a:prstGeom>
-        </p:spPr>
-        <p:txBody>
-          <a:bodyPr vert="horz" lIns="91440" tIns="45720" rIns="91440" bIns="45720" rtlCol="0">
-            <a:normAutofit/>
-          </a:bodyPr>
-          <a:lstStyle>
-            <a:lvl1pPr marL="228600" indent="-228600" algn="l" defTabSz="914400" rtl="0" eaLnBrk="1" latinLnBrk="1" hangingPunct="1">
-              <a:lnSpc>
-                <a:spcPct val="90000"/>
-              </a:lnSpc>
-              <a:spcBef>
-                <a:spcPts val="1000"/>
-              </a:spcBef>
-              <a:buFont typeface="Arial" panose="020B0604020202020204" pitchFamily="34" charset="0"/>
-              <a:buChar char="•"/>
-              <a:defRPr sz="2800" kern="1200">
-                <a:solidFill>
-                  <a:schemeClr val="tx1"/>
-                </a:solidFill>
-                <a:latin typeface="+mn-lt"/>
-                <a:ea typeface="+mn-ea"/>
-                <a:cs typeface="+mn-cs"/>
-              </a:defRPr>
-            </a:lvl1pPr>
-            <a:lvl2pPr marL="685800" indent="-228600" algn="l" defTabSz="914400" rtl="0" eaLnBrk="1" latinLnBrk="1" hangingPunct="1">
-              <a:lnSpc>
-                <a:spcPct val="90000"/>
-              </a:lnSpc>
-              <a:spcBef>
-                <a:spcPts val="500"/>
-              </a:spcBef>
-              <a:buFont typeface="Arial" panose="020B0604020202020204" pitchFamily="34" charset="0"/>
-              <a:buChar char="•"/>
-              <a:defRPr sz="2400" kern="1200">
-                <a:solidFill>
-                  <a:schemeClr val="tx1"/>
-                </a:solidFill>
-                <a:latin typeface="+mn-lt"/>
-                <a:ea typeface="+mn-ea"/>
-                <a:cs typeface="+mn-cs"/>
-              </a:defRPr>
-            </a:lvl2pPr>
-            <a:lvl3pPr marL="1143000" indent="-228600" algn="l" defTabSz="914400" rtl="0" eaLnBrk="1" latinLnBrk="1" hangingPunct="1">
-              <a:lnSpc>
-                <a:spcPct val="90000"/>
-              </a:lnSpc>
-              <a:spcBef>
-                <a:spcPts val="500"/>
-              </a:spcBef>
-              <a:buFont typeface="Arial" panose="020B0604020202020204" pitchFamily="34" charset="0"/>
-              <a:buChar char="•"/>
-              <a:defRPr sz="2000" kern="1200">
-                <a:solidFill>
-                  <a:schemeClr val="tx1"/>
-                </a:solidFill>
-                <a:latin typeface="+mn-lt"/>
-                <a:ea typeface="+mn-ea"/>
-                <a:cs typeface="+mn-cs"/>
-              </a:defRPr>
-            </a:lvl3pPr>
-            <a:lvl4pPr marL="1600200" indent="-228600" algn="l" defTabSz="914400" rtl="0" eaLnBrk="1" latinLnBrk="1" hangingPunct="1">
-              <a:lnSpc>
-                <a:spcPct val="90000"/>
-              </a:lnSpc>
-              <a:spcBef>
-                <a:spcPts val="500"/>
-              </a:spcBef>
-              <a:buFont typeface="Arial" panose="020B0604020202020204" pitchFamily="34" charset="0"/>
-              <a:buChar char="•"/>
-              <a:defRPr sz="1800" kern="1200">
-                <a:solidFill>
-                  <a:schemeClr val="tx1"/>
-                </a:solidFill>
-                <a:latin typeface="+mn-lt"/>
-                <a:ea typeface="+mn-ea"/>
-                <a:cs typeface="+mn-cs"/>
-              </a:defRPr>
-            </a:lvl4pPr>
-            <a:lvl5pPr marL="2057400" indent="-228600" algn="l" defTabSz="914400" rtl="0" eaLnBrk="1" latinLnBrk="1" hangingPunct="1">
-              <a:lnSpc>
-                <a:spcPct val="90000"/>
-              </a:lnSpc>
-              <a:spcBef>
-                <a:spcPts val="500"/>
-              </a:spcBef>
-              <a:buFont typeface="Arial" panose="020B0604020202020204" pitchFamily="34" charset="0"/>
-              <a:buChar char="•"/>
-              <a:defRPr sz="1800" kern="1200">
-                <a:solidFill>
-                  <a:schemeClr val="tx1"/>
-                </a:solidFill>
-                <a:latin typeface="+mn-lt"/>
-                <a:ea typeface="+mn-ea"/>
-                <a:cs typeface="+mn-cs"/>
-              </a:defRPr>
-            </a:lvl5pPr>
-            <a:lvl6pPr marL="2514600" indent="-228600" algn="l" defTabSz="914400" rtl="0" eaLnBrk="1" latinLnBrk="1" hangingPunct="1">
-              <a:lnSpc>
-                <a:spcPct val="90000"/>
-              </a:lnSpc>
-              <a:spcBef>
-                <a:spcPts val="500"/>
-              </a:spcBef>
-              <a:buFont typeface="Arial" panose="020B0604020202020204" pitchFamily="34" charset="0"/>
-              <a:buChar char="•"/>
-              <a:defRPr sz="1800" kern="1200">
-                <a:solidFill>
-                  <a:schemeClr val="tx1"/>
-                </a:solidFill>
-                <a:latin typeface="+mn-lt"/>
-                <a:ea typeface="+mn-ea"/>
-                <a:cs typeface="+mn-cs"/>
-              </a:defRPr>
-            </a:lvl6pPr>
-            <a:lvl7pPr marL="2971800" indent="-228600" algn="l" defTabSz="914400" rtl="0" eaLnBrk="1" latinLnBrk="1" hangingPunct="1">
-              <a:lnSpc>
-                <a:spcPct val="90000"/>
-              </a:lnSpc>
-              <a:spcBef>
-                <a:spcPts val="500"/>
-              </a:spcBef>
-              <a:buFont typeface="Arial" panose="020B0604020202020204" pitchFamily="34" charset="0"/>
-              <a:buChar char="•"/>
-              <a:defRPr sz="1800" kern="1200">
-                <a:solidFill>
-                  <a:schemeClr val="tx1"/>
-                </a:solidFill>
-                <a:latin typeface="+mn-lt"/>
-                <a:ea typeface="+mn-ea"/>
-                <a:cs typeface="+mn-cs"/>
-              </a:defRPr>
-            </a:lvl7pPr>
-            <a:lvl8pPr marL="3429000" indent="-228600" algn="l" defTabSz="914400" rtl="0" eaLnBrk="1" latinLnBrk="1" hangingPunct="1">
-              <a:lnSpc>
-                <a:spcPct val="90000"/>
-              </a:lnSpc>
-              <a:spcBef>
-                <a:spcPts val="500"/>
-              </a:spcBef>
-              <a:buFont typeface="Arial" panose="020B0604020202020204" pitchFamily="34" charset="0"/>
-              <a:buChar char="•"/>
-              <a:defRPr sz="1800" kern="1200">
-                <a:solidFill>
-                  <a:schemeClr val="tx1"/>
-                </a:solidFill>
-                <a:latin typeface="+mn-lt"/>
-                <a:ea typeface="+mn-ea"/>
-                <a:cs typeface="+mn-cs"/>
-              </a:defRPr>
-            </a:lvl8pPr>
-            <a:lvl9pPr marL="3886200" indent="-228600" algn="l" defTabSz="914400" rtl="0" eaLnBrk="1" latinLnBrk="1" hangingPunct="1">
-              <a:lnSpc>
-                <a:spcPct val="90000"/>
-              </a:lnSpc>
-              <a:spcBef>
-                <a:spcPts val="500"/>
-              </a:spcBef>
-              <a:buFont typeface="Arial" panose="020B0604020202020204" pitchFamily="34" charset="0"/>
-              <a:buChar char="•"/>
-              <a:defRPr sz="1800" kern="1200">
-                <a:solidFill>
-                  <a:schemeClr val="tx1"/>
-                </a:solidFill>
-                <a:latin typeface="+mn-lt"/>
-                <a:ea typeface="+mn-ea"/>
-                <a:cs typeface="+mn-cs"/>
-              </a:defRPr>
-            </a:lvl9pPr>
-          </a:lstStyle>
-          <a:p>
-            <a:pPr marL="0" indent="0">
-              <a:lnSpc>
-                <a:spcPct val="120000"/>
-              </a:lnSpc>
-              <a:buFont typeface="Arial" panose="020B0604020202020204" pitchFamily="34" charset="0"/>
-              <a:buNone/>
-            </a:pPr>
-            <a:r>
-              <a:rPr lang="en-US" altLang="ko-KR" sz="1100" dirty="0" smtClean="0"/>
-              <a:t>3. </a:t>
-            </a:r>
-            <a:r>
-              <a:rPr lang="ko-KR" altLang="en-US" sz="1100" dirty="0" smtClean="0"/>
-              <a:t>활용기술</a:t>
-            </a:r>
-          </a:p>
-          <a:p>
-            <a:pPr>
-              <a:lnSpc>
-                <a:spcPct val="120000"/>
-              </a:lnSpc>
-            </a:pPr>
-            <a:endParaRPr lang="ko-KR" altLang="en-US" sz="1100" dirty="0" smtClean="0"/>
-          </a:p>
-          <a:p>
-            <a:pPr>
-              <a:lnSpc>
-                <a:spcPct val="120000"/>
-              </a:lnSpc>
-            </a:pPr>
-            <a:r>
-              <a:rPr lang="en-US" altLang="ko-KR" sz="1100" dirty="0" smtClean="0"/>
-              <a:t>- </a:t>
-            </a:r>
-            <a:r>
-              <a:rPr lang="ko-KR" altLang="en-US" sz="1100" dirty="0" smtClean="0"/>
-              <a:t>블루투스 통신</a:t>
-            </a:r>
-            <a:r>
-              <a:rPr lang="en-US" altLang="ko-KR" sz="1100" dirty="0" smtClean="0"/>
-              <a:t>, </a:t>
-            </a:r>
-            <a:r>
-              <a:rPr lang="ko-KR" altLang="en-US" sz="1100" dirty="0" smtClean="0"/>
-              <a:t>음성인식</a:t>
-            </a:r>
-            <a:r>
-              <a:rPr lang="en-US" altLang="ko-KR" sz="1100" dirty="0" smtClean="0"/>
-              <a:t>, </a:t>
-            </a:r>
-            <a:r>
-              <a:rPr lang="ko-KR" altLang="en-US" sz="1100" dirty="0" smtClean="0"/>
-              <a:t>인터럽트</a:t>
-            </a:r>
-          </a:p>
-          <a:p>
-            <a:pPr>
-              <a:lnSpc>
-                <a:spcPct val="120000"/>
-              </a:lnSpc>
-            </a:pPr>
-            <a:endParaRPr lang="ko-KR" altLang="en-US" sz="1100" dirty="0" smtClean="0"/>
-          </a:p>
-          <a:p>
-            <a:pPr marL="0" indent="0">
-              <a:lnSpc>
-                <a:spcPct val="120000"/>
-              </a:lnSpc>
-              <a:buFont typeface="Arial" panose="020B0604020202020204" pitchFamily="34" charset="0"/>
-              <a:buNone/>
-            </a:pPr>
-            <a:r>
-              <a:rPr lang="en-US" altLang="ko-KR" sz="1100" dirty="0" smtClean="0"/>
-              <a:t>4. </a:t>
-            </a:r>
-            <a:r>
-              <a:rPr lang="ko-KR" altLang="en-US" sz="1100" dirty="0" smtClean="0"/>
-              <a:t>오늘 구상해 본 아이디어 </a:t>
-            </a:r>
-            <a:r>
-              <a:rPr lang="en-US" altLang="ko-KR" sz="1100" dirty="0" smtClean="0"/>
-              <a:t>(Brain </a:t>
-            </a:r>
-            <a:r>
-              <a:rPr lang="en-US" altLang="ko-KR" sz="1100" dirty="0" err="1" smtClean="0"/>
-              <a:t>Stormming</a:t>
-            </a:r>
-            <a:r>
-              <a:rPr lang="en-US" altLang="ko-KR" sz="1100" dirty="0" smtClean="0"/>
-              <a:t>)</a:t>
-            </a:r>
-          </a:p>
-          <a:p>
-            <a:pPr>
-              <a:lnSpc>
-                <a:spcPct val="120000"/>
-              </a:lnSpc>
-            </a:pPr>
-            <a:endParaRPr lang="en-US" altLang="ko-KR" sz="1100" dirty="0" smtClean="0"/>
-          </a:p>
-          <a:p>
-            <a:pPr>
-              <a:lnSpc>
-                <a:spcPct val="120000"/>
-              </a:lnSpc>
-            </a:pPr>
-            <a:r>
-              <a:rPr lang="en-US" altLang="ko-KR" sz="1100" dirty="0" smtClean="0"/>
-              <a:t>- Squad </a:t>
-            </a:r>
-            <a:r>
-              <a:rPr lang="ko-KR" altLang="en-US" sz="1100" dirty="0" smtClean="0"/>
-              <a:t>동작에 적절한 자세를 각도를 기준으로 </a:t>
-            </a:r>
-            <a:endParaRPr lang="en-US" altLang="ko-KR" sz="1100" dirty="0" smtClean="0"/>
-          </a:p>
-          <a:p>
-            <a:pPr marL="0" indent="0">
-              <a:lnSpc>
-                <a:spcPct val="120000"/>
-              </a:lnSpc>
-              <a:buNone/>
-            </a:pPr>
-            <a:r>
-              <a:rPr lang="en-US" altLang="ko-KR" sz="1100" dirty="0"/>
-              <a:t> </a:t>
-            </a:r>
-            <a:r>
-              <a:rPr lang="en-US" altLang="ko-KR" sz="1100" dirty="0" smtClean="0"/>
-              <a:t>     </a:t>
-            </a:r>
-            <a:r>
-              <a:rPr lang="ko-KR" altLang="en-US" sz="1100" dirty="0" smtClean="0"/>
-              <a:t>맞추어주는 프로그램</a:t>
-            </a:r>
-            <a:r>
-              <a:rPr lang="en-US" altLang="ko-KR" sz="1100" dirty="0" smtClean="0"/>
-              <a:t>(</a:t>
-            </a:r>
-            <a:r>
-              <a:rPr lang="ko-KR" altLang="en-US" sz="1100" dirty="0" smtClean="0"/>
-              <a:t>센서 </a:t>
-            </a:r>
-            <a:r>
-              <a:rPr lang="ko-KR" altLang="en-US" sz="1100" dirty="0" err="1" smtClean="0"/>
-              <a:t>탈부착</a:t>
-            </a:r>
-            <a:r>
-              <a:rPr lang="ko-KR" altLang="en-US" sz="1100" dirty="0" smtClean="0"/>
-              <a:t> 여부가 중요</a:t>
-            </a:r>
-            <a:r>
-              <a:rPr lang="en-US" altLang="ko-KR" sz="1100" dirty="0" smtClean="0"/>
-              <a:t>)</a:t>
-            </a:r>
-          </a:p>
-          <a:p>
-            <a:pPr>
-              <a:lnSpc>
-                <a:spcPct val="120000"/>
-              </a:lnSpc>
-            </a:pPr>
-            <a:endParaRPr lang="en-US" altLang="ko-KR" sz="1100" dirty="0" smtClean="0"/>
-          </a:p>
-          <a:p>
-            <a:pPr>
-              <a:lnSpc>
-                <a:spcPct val="120000"/>
-              </a:lnSpc>
-            </a:pPr>
-            <a:r>
-              <a:rPr lang="en-US" altLang="ko-KR" sz="1100" dirty="0" smtClean="0"/>
-              <a:t>- </a:t>
-            </a:r>
-            <a:r>
-              <a:rPr lang="ko-KR" altLang="en-US" sz="1100" dirty="0" err="1" smtClean="0"/>
-              <a:t>아이돌</a:t>
-            </a:r>
-            <a:r>
-              <a:rPr lang="ko-KR" altLang="en-US" sz="1100" dirty="0" smtClean="0"/>
-              <a:t> 가수 응원을 위한 </a:t>
-            </a:r>
-            <a:r>
-              <a:rPr lang="en-US" altLang="ko-KR" sz="1100" dirty="0" smtClean="0"/>
-              <a:t>LCD T-shirts</a:t>
-            </a:r>
-          </a:p>
-          <a:p>
-            <a:pPr>
-              <a:lnSpc>
-                <a:spcPct val="120000"/>
-              </a:lnSpc>
-            </a:pPr>
-            <a:endParaRPr lang="en-US" altLang="ko-KR" sz="1100" dirty="0" smtClean="0"/>
-          </a:p>
-          <a:p>
-            <a:pPr>
-              <a:lnSpc>
-                <a:spcPct val="120000"/>
-              </a:lnSpc>
-            </a:pPr>
-            <a:r>
-              <a:rPr lang="en-US" altLang="ko-KR" sz="1100" dirty="0" smtClean="0"/>
-              <a:t>- </a:t>
-            </a:r>
-            <a:r>
-              <a:rPr lang="ko-KR" altLang="en-US" sz="1100" dirty="0" smtClean="0"/>
-              <a:t>장애인들을 </a:t>
-            </a:r>
-            <a:r>
-              <a:rPr lang="en-US" altLang="ko-KR" sz="1100" dirty="0" smtClean="0"/>
-              <a:t>OTP </a:t>
-            </a:r>
-            <a:r>
-              <a:rPr lang="ko-KR" altLang="en-US" sz="1100" dirty="0" smtClean="0"/>
-              <a:t>개인정보 출력 프로그램</a:t>
-            </a:r>
-            <a:endParaRPr lang="ko-KR" altLang="en-US" sz="1100" dirty="0"/>
-          </a:p>
-        </p:txBody>
-      </p:sp>
-      <p:sp>
-        <p:nvSpPr>
-          <p:cNvPr id="6" name="내용 개체 틀 2"/>
-          <p:cNvSpPr txBox="1">
-            <a:spLocks/>
-          </p:cNvSpPr>
-          <p:nvPr/>
-        </p:nvSpPr>
-        <p:spPr>
-          <a:xfrm>
-            <a:off x="62120" y="2670633"/>
-            <a:ext cx="4931979" cy="4351338"/>
-          </a:xfrm>
-          <a:prstGeom prst="rect">
-            <a:avLst/>
-          </a:prstGeom>
-        </p:spPr>
-        <p:txBody>
-          <a:bodyPr vert="horz" lIns="91440" tIns="45720" rIns="91440" bIns="45720" rtlCol="0">
-            <a:noAutofit/>
-          </a:bodyPr>
-          <a:lstStyle>
-            <a:lvl1pPr marL="228600" indent="-228600" algn="l" defTabSz="914400" rtl="0" eaLnBrk="1" latinLnBrk="1" hangingPunct="1">
-              <a:lnSpc>
-                <a:spcPct val="90000"/>
-              </a:lnSpc>
-              <a:spcBef>
-                <a:spcPts val="1000"/>
-              </a:spcBef>
-              <a:buFont typeface="Arial" panose="020B0604020202020204" pitchFamily="34" charset="0"/>
-              <a:buChar char="•"/>
-              <a:defRPr sz="2800" kern="1200">
-                <a:solidFill>
-                  <a:schemeClr val="tx1"/>
-                </a:solidFill>
-                <a:latin typeface="+mn-lt"/>
-                <a:ea typeface="+mn-ea"/>
-                <a:cs typeface="+mn-cs"/>
-              </a:defRPr>
-            </a:lvl1pPr>
-            <a:lvl2pPr marL="685800" indent="-228600" algn="l" defTabSz="914400" rtl="0" eaLnBrk="1" latinLnBrk="1" hangingPunct="1">
-              <a:lnSpc>
-                <a:spcPct val="90000"/>
-              </a:lnSpc>
-              <a:spcBef>
-                <a:spcPts val="500"/>
-              </a:spcBef>
-              <a:buFont typeface="Arial" panose="020B0604020202020204" pitchFamily="34" charset="0"/>
-              <a:buChar char="•"/>
-              <a:defRPr sz="2400" kern="1200">
-                <a:solidFill>
-                  <a:schemeClr val="tx1"/>
-                </a:solidFill>
-                <a:latin typeface="+mn-lt"/>
-                <a:ea typeface="+mn-ea"/>
-                <a:cs typeface="+mn-cs"/>
-              </a:defRPr>
-            </a:lvl2pPr>
-            <a:lvl3pPr marL="1143000" indent="-228600" algn="l" defTabSz="914400" rtl="0" eaLnBrk="1" latinLnBrk="1" hangingPunct="1">
-              <a:lnSpc>
-                <a:spcPct val="90000"/>
-              </a:lnSpc>
-              <a:spcBef>
-                <a:spcPts val="500"/>
-              </a:spcBef>
-              <a:buFont typeface="Arial" panose="020B0604020202020204" pitchFamily="34" charset="0"/>
-              <a:buChar char="•"/>
-              <a:defRPr sz="2000" kern="1200">
-                <a:solidFill>
-                  <a:schemeClr val="tx1"/>
-                </a:solidFill>
-                <a:latin typeface="+mn-lt"/>
-                <a:ea typeface="+mn-ea"/>
-                <a:cs typeface="+mn-cs"/>
-              </a:defRPr>
-            </a:lvl3pPr>
-            <a:lvl4pPr marL="1600200" indent="-228600" algn="l" defTabSz="914400" rtl="0" eaLnBrk="1" latinLnBrk="1" hangingPunct="1">
-              <a:lnSpc>
-                <a:spcPct val="90000"/>
-              </a:lnSpc>
-              <a:spcBef>
-                <a:spcPts val="500"/>
-              </a:spcBef>
-              <a:buFont typeface="Arial" panose="020B0604020202020204" pitchFamily="34" charset="0"/>
-              <a:buChar char="•"/>
-              <a:defRPr sz="1800" kern="1200">
-                <a:solidFill>
-                  <a:schemeClr val="tx1"/>
-                </a:solidFill>
-                <a:latin typeface="+mn-lt"/>
-                <a:ea typeface="+mn-ea"/>
-                <a:cs typeface="+mn-cs"/>
-              </a:defRPr>
-            </a:lvl4pPr>
-            <a:lvl5pPr marL="2057400" indent="-228600" algn="l" defTabSz="914400" rtl="0" eaLnBrk="1" latinLnBrk="1" hangingPunct="1">
-              <a:lnSpc>
-                <a:spcPct val="90000"/>
-              </a:lnSpc>
-              <a:spcBef>
-                <a:spcPts val="500"/>
-              </a:spcBef>
-              <a:buFont typeface="Arial" panose="020B0604020202020204" pitchFamily="34" charset="0"/>
-              <a:buChar char="•"/>
-              <a:defRPr sz="1800" kern="1200">
-                <a:solidFill>
-                  <a:schemeClr val="tx1"/>
-                </a:solidFill>
-                <a:latin typeface="+mn-lt"/>
-                <a:ea typeface="+mn-ea"/>
-                <a:cs typeface="+mn-cs"/>
-              </a:defRPr>
-            </a:lvl5pPr>
-            <a:lvl6pPr marL="2514600" indent="-228600" algn="l" defTabSz="914400" rtl="0" eaLnBrk="1" latinLnBrk="1" hangingPunct="1">
-              <a:lnSpc>
-                <a:spcPct val="90000"/>
-              </a:lnSpc>
-              <a:spcBef>
-                <a:spcPts val="500"/>
-              </a:spcBef>
-              <a:buFont typeface="Arial" panose="020B0604020202020204" pitchFamily="34" charset="0"/>
-              <a:buChar char="•"/>
-              <a:defRPr sz="1800" kern="1200">
-                <a:solidFill>
-                  <a:schemeClr val="tx1"/>
-                </a:solidFill>
-                <a:latin typeface="+mn-lt"/>
-                <a:ea typeface="+mn-ea"/>
-                <a:cs typeface="+mn-cs"/>
-              </a:defRPr>
-            </a:lvl6pPr>
-            <a:lvl7pPr marL="2971800" indent="-228600" algn="l" defTabSz="914400" rtl="0" eaLnBrk="1" latinLnBrk="1" hangingPunct="1">
-              <a:lnSpc>
-                <a:spcPct val="90000"/>
-              </a:lnSpc>
-              <a:spcBef>
-                <a:spcPts val="500"/>
-              </a:spcBef>
-              <a:buFont typeface="Arial" panose="020B0604020202020204" pitchFamily="34" charset="0"/>
-              <a:buChar char="•"/>
-              <a:defRPr sz="1800" kern="1200">
-                <a:solidFill>
-                  <a:schemeClr val="tx1"/>
-                </a:solidFill>
-                <a:latin typeface="+mn-lt"/>
-                <a:ea typeface="+mn-ea"/>
-                <a:cs typeface="+mn-cs"/>
-              </a:defRPr>
-            </a:lvl7pPr>
-            <a:lvl8pPr marL="3429000" indent="-228600" algn="l" defTabSz="914400" rtl="0" eaLnBrk="1" latinLnBrk="1" hangingPunct="1">
-              <a:lnSpc>
-                <a:spcPct val="90000"/>
-              </a:lnSpc>
-              <a:spcBef>
-                <a:spcPts val="500"/>
-              </a:spcBef>
-              <a:buFont typeface="Arial" panose="020B0604020202020204" pitchFamily="34" charset="0"/>
-              <a:buChar char="•"/>
-              <a:defRPr sz="1800" kern="1200">
-                <a:solidFill>
-                  <a:schemeClr val="tx1"/>
-                </a:solidFill>
-                <a:latin typeface="+mn-lt"/>
-                <a:ea typeface="+mn-ea"/>
-                <a:cs typeface="+mn-cs"/>
-              </a:defRPr>
-            </a:lvl8pPr>
-            <a:lvl9pPr marL="3886200" indent="-228600" algn="l" defTabSz="914400" rtl="0" eaLnBrk="1" latinLnBrk="1" hangingPunct="1">
-              <a:lnSpc>
-                <a:spcPct val="90000"/>
-              </a:lnSpc>
-              <a:spcBef>
-                <a:spcPts val="500"/>
-              </a:spcBef>
-              <a:buFont typeface="Arial" panose="020B0604020202020204" pitchFamily="34" charset="0"/>
-              <a:buChar char="•"/>
-              <a:defRPr sz="1800" kern="1200">
-                <a:solidFill>
-                  <a:schemeClr val="tx1"/>
-                </a:solidFill>
-                <a:latin typeface="+mn-lt"/>
-                <a:ea typeface="+mn-ea"/>
-                <a:cs typeface="+mn-cs"/>
-              </a:defRPr>
-            </a:lvl9pPr>
-          </a:lstStyle>
-          <a:p>
-            <a:pPr marL="0" indent="0">
-              <a:lnSpc>
-                <a:spcPct val="120000"/>
-              </a:lnSpc>
-              <a:buFont typeface="Arial" panose="020B0604020202020204" pitchFamily="34" charset="0"/>
-              <a:buNone/>
-            </a:pPr>
-            <a:r>
-              <a:rPr lang="en-US" altLang="ko-KR" sz="1100" dirty="0" smtClean="0"/>
-              <a:t>1. </a:t>
-            </a:r>
-            <a:r>
-              <a:rPr lang="ko-KR" altLang="en-US" sz="1100" dirty="0" smtClean="0"/>
-              <a:t>프로젝트 담당 역할</a:t>
-            </a:r>
-          </a:p>
-          <a:p>
-            <a:pPr>
-              <a:lnSpc>
-                <a:spcPct val="120000"/>
-              </a:lnSpc>
-            </a:pPr>
-            <a:endParaRPr lang="ko-KR" altLang="en-US" sz="1100" dirty="0" smtClean="0"/>
-          </a:p>
-          <a:p>
-            <a:pPr>
-              <a:lnSpc>
-                <a:spcPct val="120000"/>
-              </a:lnSpc>
-            </a:pPr>
-            <a:r>
-              <a:rPr lang="ko-KR" altLang="en-US" sz="1100" dirty="0" smtClean="0"/>
-              <a:t>민성</a:t>
-            </a:r>
-            <a:r>
-              <a:rPr lang="en-US" altLang="ko-KR" sz="1100" dirty="0" smtClean="0"/>
-              <a:t>: </a:t>
-            </a:r>
-            <a:r>
-              <a:rPr lang="ko-KR" altLang="en-US" sz="1100" dirty="0" smtClean="0"/>
-              <a:t>프로그램</a:t>
-            </a:r>
-            <a:r>
-              <a:rPr lang="en-US" altLang="ko-KR" sz="1100" dirty="0" smtClean="0"/>
-              <a:t>, </a:t>
-            </a:r>
-            <a:r>
-              <a:rPr lang="ko-KR" altLang="en-US" sz="1100" dirty="0" smtClean="0"/>
-              <a:t>회로</a:t>
-            </a:r>
-            <a:r>
-              <a:rPr lang="en-US" altLang="ko-KR" sz="1100" dirty="0" smtClean="0"/>
-              <a:t>, </a:t>
-            </a:r>
-            <a:r>
-              <a:rPr lang="ko-KR" altLang="en-US" sz="1100" dirty="0" smtClean="0"/>
-              <a:t>발표자료 및 보고서 작성 보조</a:t>
-            </a:r>
-            <a:r>
-              <a:rPr lang="en-US" altLang="ko-KR" sz="1100" dirty="0" smtClean="0"/>
-              <a:t>, </a:t>
-            </a:r>
-            <a:r>
-              <a:rPr lang="ko-KR" altLang="en-US" sz="1100" dirty="0" smtClean="0"/>
-              <a:t>발표 보조</a:t>
-            </a:r>
-          </a:p>
-          <a:p>
-            <a:pPr>
-              <a:lnSpc>
-                <a:spcPct val="120000"/>
-              </a:lnSpc>
-            </a:pPr>
-            <a:endParaRPr lang="ko-KR" altLang="en-US" sz="1100" dirty="0" smtClean="0"/>
-          </a:p>
-          <a:p>
-            <a:pPr>
-              <a:lnSpc>
-                <a:spcPct val="120000"/>
-              </a:lnSpc>
-            </a:pPr>
-            <a:r>
-              <a:rPr lang="ko-KR" altLang="en-US" sz="1100" dirty="0" smtClean="0"/>
-              <a:t>서연</a:t>
-            </a:r>
-            <a:r>
-              <a:rPr lang="en-US" altLang="ko-KR" sz="1100" dirty="0" smtClean="0"/>
-              <a:t>: </a:t>
-            </a:r>
-            <a:r>
-              <a:rPr lang="ko-KR" altLang="en-US" sz="1100" dirty="0" smtClean="0"/>
-              <a:t>가공</a:t>
-            </a:r>
-            <a:r>
-              <a:rPr lang="en-US" altLang="ko-KR" sz="1100" dirty="0" smtClean="0"/>
-              <a:t>, </a:t>
-            </a:r>
-            <a:r>
-              <a:rPr lang="ko-KR" altLang="en-US" sz="1100" dirty="0" smtClean="0"/>
-              <a:t>발표자료 및 보고서 작성</a:t>
-            </a:r>
-            <a:r>
-              <a:rPr lang="en-US" altLang="ko-KR" sz="1100" dirty="0" smtClean="0"/>
-              <a:t>(Office)</a:t>
-            </a:r>
-          </a:p>
-          <a:p>
-            <a:pPr>
-              <a:lnSpc>
-                <a:spcPct val="120000"/>
-              </a:lnSpc>
-            </a:pPr>
-            <a:endParaRPr lang="en-US" altLang="ko-KR" sz="1100" dirty="0" smtClean="0"/>
-          </a:p>
-          <a:p>
-            <a:pPr>
-              <a:lnSpc>
-                <a:spcPct val="120000"/>
-              </a:lnSpc>
-            </a:pPr>
-            <a:r>
-              <a:rPr lang="ko-KR" altLang="en-US" sz="1100" dirty="0" smtClean="0"/>
-              <a:t>민재</a:t>
-            </a:r>
-            <a:r>
-              <a:rPr lang="en-US" altLang="ko-KR" sz="1100" dirty="0" smtClean="0"/>
-              <a:t>: </a:t>
-            </a:r>
-            <a:r>
-              <a:rPr lang="ko-KR" altLang="en-US" sz="1100" dirty="0" smtClean="0"/>
-              <a:t>데이터 수집</a:t>
-            </a:r>
-            <a:r>
-              <a:rPr lang="en-US" altLang="ko-KR" sz="1100" dirty="0" smtClean="0"/>
-              <a:t>, </a:t>
-            </a:r>
-            <a:r>
-              <a:rPr lang="ko-KR" altLang="en-US" sz="1100" dirty="0" smtClean="0"/>
-              <a:t>프로그램 보조</a:t>
-            </a:r>
-          </a:p>
-          <a:p>
-            <a:pPr>
-              <a:lnSpc>
-                <a:spcPct val="120000"/>
-              </a:lnSpc>
-            </a:pPr>
-            <a:endParaRPr lang="ko-KR" altLang="en-US" sz="1100" dirty="0" smtClean="0"/>
-          </a:p>
-          <a:p>
-            <a:pPr>
-              <a:lnSpc>
-                <a:spcPct val="120000"/>
-              </a:lnSpc>
-            </a:pPr>
-            <a:r>
-              <a:rPr lang="ko-KR" altLang="en-US" sz="1100" dirty="0" smtClean="0"/>
-              <a:t>완기</a:t>
-            </a:r>
-            <a:r>
-              <a:rPr lang="en-US" altLang="ko-KR" sz="1100" dirty="0" smtClean="0"/>
-              <a:t>: </a:t>
-            </a:r>
-            <a:r>
-              <a:rPr lang="ko-KR" altLang="en-US" sz="1100" dirty="0" smtClean="0"/>
-              <a:t>프로그램 보조</a:t>
-            </a:r>
-            <a:r>
-              <a:rPr lang="en-US" altLang="ko-KR" sz="1100" dirty="0" smtClean="0"/>
-              <a:t>, </a:t>
-            </a:r>
-            <a:r>
-              <a:rPr lang="ko-KR" altLang="en-US" sz="1100" dirty="0" smtClean="0"/>
-              <a:t>발표</a:t>
-            </a:r>
-          </a:p>
-        </p:txBody>
-      </p:sp>
-      <p:sp>
-        <p:nvSpPr>
-          <p:cNvPr id="7" name="내용 개체 틀 2"/>
-          <p:cNvSpPr txBox="1">
-            <a:spLocks/>
-          </p:cNvSpPr>
-          <p:nvPr/>
-        </p:nvSpPr>
-        <p:spPr>
-          <a:xfrm>
-            <a:off x="4469737" y="2670633"/>
-            <a:ext cx="4931979" cy="4351338"/>
-          </a:xfrm>
-          <a:prstGeom prst="rect">
-            <a:avLst/>
-          </a:prstGeom>
-        </p:spPr>
-        <p:txBody>
-          <a:bodyPr vert="horz" lIns="91440" tIns="45720" rIns="91440" bIns="45720" rtlCol="0">
-            <a:noAutofit/>
-          </a:bodyPr>
-          <a:lstStyle>
-            <a:lvl1pPr marL="228600" indent="-228600" algn="l" defTabSz="914400" rtl="0" eaLnBrk="1" latinLnBrk="1" hangingPunct="1">
-              <a:lnSpc>
-                <a:spcPct val="90000"/>
-              </a:lnSpc>
-              <a:spcBef>
-                <a:spcPts val="1000"/>
-              </a:spcBef>
-              <a:buFont typeface="Arial" panose="020B0604020202020204" pitchFamily="34" charset="0"/>
-              <a:buChar char="•"/>
-              <a:defRPr sz="2800" kern="1200">
-                <a:solidFill>
-                  <a:schemeClr val="tx1"/>
-                </a:solidFill>
-                <a:latin typeface="+mn-lt"/>
-                <a:ea typeface="+mn-ea"/>
-                <a:cs typeface="+mn-cs"/>
-              </a:defRPr>
-            </a:lvl1pPr>
-            <a:lvl2pPr marL="685800" indent="-228600" algn="l" defTabSz="914400" rtl="0" eaLnBrk="1" latinLnBrk="1" hangingPunct="1">
-              <a:lnSpc>
-                <a:spcPct val="90000"/>
-              </a:lnSpc>
-              <a:spcBef>
-                <a:spcPts val="500"/>
-              </a:spcBef>
-              <a:buFont typeface="Arial" panose="020B0604020202020204" pitchFamily="34" charset="0"/>
-              <a:buChar char="•"/>
-              <a:defRPr sz="2400" kern="1200">
-                <a:solidFill>
-                  <a:schemeClr val="tx1"/>
-                </a:solidFill>
-                <a:latin typeface="+mn-lt"/>
-                <a:ea typeface="+mn-ea"/>
-                <a:cs typeface="+mn-cs"/>
-              </a:defRPr>
-            </a:lvl2pPr>
-            <a:lvl3pPr marL="1143000" indent="-228600" algn="l" defTabSz="914400" rtl="0" eaLnBrk="1" latinLnBrk="1" hangingPunct="1">
-              <a:lnSpc>
-                <a:spcPct val="90000"/>
-              </a:lnSpc>
-              <a:spcBef>
-                <a:spcPts val="500"/>
-              </a:spcBef>
-              <a:buFont typeface="Arial" panose="020B0604020202020204" pitchFamily="34" charset="0"/>
-              <a:buChar char="•"/>
-              <a:defRPr sz="2000" kern="1200">
-                <a:solidFill>
-                  <a:schemeClr val="tx1"/>
-                </a:solidFill>
-                <a:latin typeface="+mn-lt"/>
-                <a:ea typeface="+mn-ea"/>
-                <a:cs typeface="+mn-cs"/>
-              </a:defRPr>
-            </a:lvl3pPr>
-            <a:lvl4pPr marL="1600200" indent="-228600" algn="l" defTabSz="914400" rtl="0" eaLnBrk="1" latinLnBrk="1" hangingPunct="1">
-              <a:lnSpc>
-                <a:spcPct val="90000"/>
-              </a:lnSpc>
-              <a:spcBef>
-                <a:spcPts val="500"/>
-              </a:spcBef>
-              <a:buFont typeface="Arial" panose="020B0604020202020204" pitchFamily="34" charset="0"/>
-              <a:buChar char="•"/>
-              <a:defRPr sz="1800" kern="1200">
-                <a:solidFill>
-                  <a:schemeClr val="tx1"/>
-                </a:solidFill>
-                <a:latin typeface="+mn-lt"/>
-                <a:ea typeface="+mn-ea"/>
-                <a:cs typeface="+mn-cs"/>
-              </a:defRPr>
-            </a:lvl4pPr>
-            <a:lvl5pPr marL="2057400" indent="-228600" algn="l" defTabSz="914400" rtl="0" eaLnBrk="1" latinLnBrk="1" hangingPunct="1">
-              <a:lnSpc>
-                <a:spcPct val="90000"/>
-              </a:lnSpc>
-              <a:spcBef>
-                <a:spcPts val="500"/>
-              </a:spcBef>
-              <a:buFont typeface="Arial" panose="020B0604020202020204" pitchFamily="34" charset="0"/>
-              <a:buChar char="•"/>
-              <a:defRPr sz="1800" kern="1200">
-                <a:solidFill>
-                  <a:schemeClr val="tx1"/>
-                </a:solidFill>
-                <a:latin typeface="+mn-lt"/>
-                <a:ea typeface="+mn-ea"/>
-                <a:cs typeface="+mn-cs"/>
-              </a:defRPr>
-            </a:lvl5pPr>
-            <a:lvl6pPr marL="2514600" indent="-228600" algn="l" defTabSz="914400" rtl="0" eaLnBrk="1" latinLnBrk="1" hangingPunct="1">
-              <a:lnSpc>
-                <a:spcPct val="90000"/>
-              </a:lnSpc>
-              <a:spcBef>
-                <a:spcPts val="500"/>
-              </a:spcBef>
-              <a:buFont typeface="Arial" panose="020B0604020202020204" pitchFamily="34" charset="0"/>
-              <a:buChar char="•"/>
-              <a:defRPr sz="1800" kern="1200">
-                <a:solidFill>
-                  <a:schemeClr val="tx1"/>
-                </a:solidFill>
-                <a:latin typeface="+mn-lt"/>
-                <a:ea typeface="+mn-ea"/>
-                <a:cs typeface="+mn-cs"/>
-              </a:defRPr>
-            </a:lvl6pPr>
-            <a:lvl7pPr marL="2971800" indent="-228600" algn="l" defTabSz="914400" rtl="0" eaLnBrk="1" latinLnBrk="1" hangingPunct="1">
-              <a:lnSpc>
-                <a:spcPct val="90000"/>
-              </a:lnSpc>
-              <a:spcBef>
-                <a:spcPts val="500"/>
-              </a:spcBef>
-              <a:buFont typeface="Arial" panose="020B0604020202020204" pitchFamily="34" charset="0"/>
-              <a:buChar char="•"/>
-              <a:defRPr sz="1800" kern="1200">
-                <a:solidFill>
-                  <a:schemeClr val="tx1"/>
-                </a:solidFill>
-                <a:latin typeface="+mn-lt"/>
-                <a:ea typeface="+mn-ea"/>
-                <a:cs typeface="+mn-cs"/>
-              </a:defRPr>
-            </a:lvl7pPr>
-            <a:lvl8pPr marL="3429000" indent="-228600" algn="l" defTabSz="914400" rtl="0" eaLnBrk="1" latinLnBrk="1" hangingPunct="1">
-              <a:lnSpc>
-                <a:spcPct val="90000"/>
-              </a:lnSpc>
-              <a:spcBef>
-                <a:spcPts val="500"/>
-              </a:spcBef>
-              <a:buFont typeface="Arial" panose="020B0604020202020204" pitchFamily="34" charset="0"/>
-              <a:buChar char="•"/>
-              <a:defRPr sz="1800" kern="1200">
-                <a:solidFill>
-                  <a:schemeClr val="tx1"/>
-                </a:solidFill>
-                <a:latin typeface="+mn-lt"/>
-                <a:ea typeface="+mn-ea"/>
-                <a:cs typeface="+mn-cs"/>
-              </a:defRPr>
-            </a:lvl8pPr>
-            <a:lvl9pPr marL="3886200" indent="-228600" algn="l" defTabSz="914400" rtl="0" eaLnBrk="1" latinLnBrk="1" hangingPunct="1">
-              <a:lnSpc>
-                <a:spcPct val="90000"/>
-              </a:lnSpc>
-              <a:spcBef>
-                <a:spcPts val="500"/>
-              </a:spcBef>
-              <a:buFont typeface="Arial" panose="020B0604020202020204" pitchFamily="34" charset="0"/>
-              <a:buChar char="•"/>
-              <a:defRPr sz="1800" kern="1200">
-                <a:solidFill>
-                  <a:schemeClr val="tx1"/>
-                </a:solidFill>
-                <a:latin typeface="+mn-lt"/>
-                <a:ea typeface="+mn-ea"/>
-                <a:cs typeface="+mn-cs"/>
-              </a:defRPr>
-            </a:lvl9pPr>
-          </a:lstStyle>
-          <a:p>
-            <a:pPr marL="0" indent="0">
-              <a:lnSpc>
-                <a:spcPct val="120000"/>
-              </a:lnSpc>
-              <a:buFont typeface="Arial" panose="020B0604020202020204" pitchFamily="34" charset="0"/>
-              <a:buNone/>
-            </a:pPr>
-            <a:r>
-              <a:rPr lang="en-US" altLang="ko-KR" sz="1100" dirty="0" smtClean="0"/>
-              <a:t>2. </a:t>
-            </a:r>
-            <a:r>
-              <a:rPr lang="ko-KR" altLang="en-US" sz="1100" dirty="0" err="1" smtClean="0"/>
-              <a:t>구성환경</a:t>
-            </a:r>
-            <a:endParaRPr lang="ko-KR" altLang="en-US" sz="1100" dirty="0" smtClean="0"/>
-          </a:p>
-          <a:p>
-            <a:pPr>
-              <a:lnSpc>
-                <a:spcPct val="120000"/>
-              </a:lnSpc>
-            </a:pPr>
-            <a:endParaRPr lang="ko-KR" altLang="en-US" sz="1100" dirty="0" smtClean="0"/>
-          </a:p>
-          <a:p>
-            <a:pPr>
-              <a:lnSpc>
-                <a:spcPct val="120000"/>
-              </a:lnSpc>
-            </a:pPr>
-            <a:r>
-              <a:rPr lang="ko-KR" altLang="en-US" sz="1100" dirty="0" smtClean="0"/>
-              <a:t>개발 언어 </a:t>
-            </a:r>
-            <a:r>
-              <a:rPr lang="en-US" altLang="ko-KR" sz="1100" dirty="0" smtClean="0"/>
-              <a:t>:  C, JAVA</a:t>
-            </a:r>
-          </a:p>
-          <a:p>
-            <a:pPr>
-              <a:lnSpc>
-                <a:spcPct val="120000"/>
-              </a:lnSpc>
-            </a:pPr>
-            <a:endParaRPr lang="en-US" altLang="ko-KR" sz="1100" dirty="0" smtClean="0"/>
-          </a:p>
-          <a:p>
-            <a:pPr>
-              <a:lnSpc>
-                <a:spcPct val="120000"/>
-              </a:lnSpc>
-            </a:pPr>
-            <a:r>
-              <a:rPr lang="ko-KR" altLang="en-US" sz="1100" dirty="0" smtClean="0"/>
-              <a:t>하드웨어</a:t>
-            </a:r>
-            <a:r>
-              <a:rPr lang="en-US" altLang="ko-KR" sz="1100" dirty="0" smtClean="0"/>
-              <a:t>(</a:t>
-            </a:r>
-            <a:r>
-              <a:rPr lang="ko-KR" altLang="en-US" sz="1100" dirty="0" smtClean="0"/>
-              <a:t>키트</a:t>
-            </a:r>
-            <a:r>
-              <a:rPr lang="en-US" altLang="ko-KR" sz="1100" dirty="0" smtClean="0"/>
-              <a:t>) : </a:t>
-            </a:r>
-            <a:r>
-              <a:rPr lang="ko-KR" altLang="en-US" sz="1100" dirty="0" err="1" smtClean="0"/>
-              <a:t>아두이노</a:t>
-            </a:r>
-            <a:r>
-              <a:rPr lang="ko-KR" altLang="en-US" sz="1100" dirty="0" smtClean="0"/>
-              <a:t> </a:t>
-            </a:r>
-            <a:r>
-              <a:rPr lang="ko-KR" altLang="en-US" sz="1100" dirty="0" err="1" smtClean="0"/>
-              <a:t>우노</a:t>
-            </a:r>
-            <a:r>
-              <a:rPr lang="en-US" altLang="ko-KR" sz="1100" dirty="0" smtClean="0"/>
-              <a:t>, AVR(Atmega128A), </a:t>
-            </a:r>
-            <a:r>
-              <a:rPr lang="en-US" altLang="ko-KR" sz="1100" dirty="0" err="1" smtClean="0"/>
-              <a:t>RasPi</a:t>
-            </a:r>
-            <a:endParaRPr lang="en-US" altLang="ko-KR" sz="1100" dirty="0" smtClean="0"/>
-          </a:p>
-          <a:p>
-            <a:pPr>
-              <a:lnSpc>
-                <a:spcPct val="120000"/>
-              </a:lnSpc>
-            </a:pPr>
-            <a:endParaRPr lang="en-US" altLang="ko-KR" sz="1100" dirty="0" smtClean="0"/>
-          </a:p>
-          <a:p>
-            <a:pPr>
-              <a:lnSpc>
-                <a:spcPct val="120000"/>
-              </a:lnSpc>
-            </a:pPr>
-            <a:r>
-              <a:rPr lang="ko-KR" altLang="en-US" sz="1100" dirty="0" smtClean="0"/>
-              <a:t>어플리케이션 </a:t>
-            </a:r>
-            <a:r>
-              <a:rPr lang="en-US" altLang="ko-KR" sz="1100" dirty="0" smtClean="0"/>
-              <a:t>: </a:t>
-            </a:r>
-            <a:r>
-              <a:rPr lang="ko-KR" altLang="en-US" sz="1100" dirty="0" smtClean="0"/>
-              <a:t>안드로이드 스튜디오</a:t>
-            </a:r>
-          </a:p>
-          <a:p>
-            <a:pPr>
-              <a:lnSpc>
-                <a:spcPct val="120000"/>
-              </a:lnSpc>
-            </a:pPr>
-            <a:endParaRPr lang="ko-KR" altLang="en-US" sz="1100" dirty="0" smtClean="0"/>
-          </a:p>
-          <a:p>
-            <a:pPr>
-              <a:lnSpc>
-                <a:spcPct val="120000"/>
-              </a:lnSpc>
-            </a:pPr>
-            <a:r>
-              <a:rPr lang="ko-KR" altLang="en-US" sz="1100" dirty="0" smtClean="0"/>
-              <a:t>회로도 구성 프로그램 </a:t>
-            </a:r>
-            <a:r>
-              <a:rPr lang="en-US" altLang="ko-KR" sz="1100" dirty="0" smtClean="0"/>
-              <a:t>: </a:t>
-            </a:r>
-            <a:r>
-              <a:rPr lang="en-US" altLang="ko-KR" sz="1100" dirty="0" err="1" smtClean="0"/>
-              <a:t>fritzing</a:t>
-            </a:r>
-            <a:r>
-              <a:rPr lang="en-US" altLang="ko-KR" sz="1100" dirty="0" smtClean="0"/>
-              <a:t>, </a:t>
-            </a:r>
-            <a:r>
-              <a:rPr lang="en-US" altLang="ko-KR" sz="1100" dirty="0" err="1" smtClean="0"/>
-              <a:t>OrCAD</a:t>
-            </a:r>
-            <a:endParaRPr lang="en-US" altLang="ko-KR" sz="1100" dirty="0" smtClean="0"/>
-          </a:p>
-        </p:txBody>
-      </p:sp>
+      </p:pic>
     </p:spTree>
     <p:extLst>
       <p:ext uri="{BB962C8B-B14F-4D97-AF65-F5344CB8AC3E}">
-        <p14:creationId xmlns:p14="http://schemas.microsoft.com/office/powerpoint/2010/main" val="2074592893"/>
+        <p14:creationId xmlns:p14="http://schemas.microsoft.com/office/powerpoint/2010/main" val="1838000918"/>
       </p:ext>
     </p:extLst>
   </p:cSld>
